--- a/figures/figs.pptx
+++ b/figures/figs.pptx
@@ -5,7 +5,7 @@
     <p:sldMasterId id="2147483648" r:id="rId1"/>
   </p:sldMasterIdLst>
   <p:notesMasterIdLst>
-    <p:notesMasterId r:id="rId8"/>
+    <p:notesMasterId r:id="rId9"/>
   </p:notesMasterIdLst>
   <p:sldIdLst>
     <p:sldId id="256" r:id="rId2"/>
@@ -13,7 +13,8 @@
     <p:sldId id="258" r:id="rId4"/>
     <p:sldId id="259" r:id="rId5"/>
     <p:sldId id="260" r:id="rId6"/>
-    <p:sldId id="261" r:id="rId7"/>
+    <p:sldId id="262" r:id="rId7"/>
+    <p:sldId id="261" r:id="rId8"/>
   </p:sldIdLst>
   <p:sldSz cx="12192000" cy="6858000"/>
   <p:notesSz cx="6858000" cy="9144000"/>
@@ -202,7 +203,7 @@
           <a:p>
             <a:fld id="{2EEC62BD-4933-4F6B-959D-B89BFB4EE157}" type="datetimeFigureOut">
               <a:rPr lang="en-US" smtClean="0"/>
-              <a:t>7/29/2024</a:t>
+              <a:t>7/30/2024</a:t>
             </a:fld>
             <a:endParaRPr lang="en-US"/>
           </a:p>
@@ -700,7 +701,7 @@
           <a:p>
             <a:fld id="{68285EB9-E676-4C25-92BE-BE2B99F733C4}" type="datetimeFigureOut">
               <a:rPr lang="en-US" smtClean="0"/>
-              <a:t>7/29/2024</a:t>
+              <a:t>7/30/2024</a:t>
             </a:fld>
             <a:endParaRPr lang="en-US"/>
           </a:p>
@@ -898,7 +899,7 @@
           <a:p>
             <a:fld id="{68285EB9-E676-4C25-92BE-BE2B99F733C4}" type="datetimeFigureOut">
               <a:rPr lang="en-US" smtClean="0"/>
-              <a:t>7/29/2024</a:t>
+              <a:t>7/30/2024</a:t>
             </a:fld>
             <a:endParaRPr lang="en-US"/>
           </a:p>
@@ -1106,7 +1107,7 @@
           <a:p>
             <a:fld id="{68285EB9-E676-4C25-92BE-BE2B99F733C4}" type="datetimeFigureOut">
               <a:rPr lang="en-US" smtClean="0"/>
-              <a:t>7/29/2024</a:t>
+              <a:t>7/30/2024</a:t>
             </a:fld>
             <a:endParaRPr lang="en-US"/>
           </a:p>
@@ -1304,7 +1305,7 @@
           <a:p>
             <a:fld id="{68285EB9-E676-4C25-92BE-BE2B99F733C4}" type="datetimeFigureOut">
               <a:rPr lang="en-US" smtClean="0"/>
-              <a:t>7/29/2024</a:t>
+              <a:t>7/30/2024</a:t>
             </a:fld>
             <a:endParaRPr lang="en-US"/>
           </a:p>
@@ -1579,7 +1580,7 @@
           <a:p>
             <a:fld id="{68285EB9-E676-4C25-92BE-BE2B99F733C4}" type="datetimeFigureOut">
               <a:rPr lang="en-US" smtClean="0"/>
-              <a:t>7/29/2024</a:t>
+              <a:t>7/30/2024</a:t>
             </a:fld>
             <a:endParaRPr lang="en-US"/>
           </a:p>
@@ -1844,7 +1845,7 @@
           <a:p>
             <a:fld id="{68285EB9-E676-4C25-92BE-BE2B99F733C4}" type="datetimeFigureOut">
               <a:rPr lang="en-US" smtClean="0"/>
-              <a:t>7/29/2024</a:t>
+              <a:t>7/30/2024</a:t>
             </a:fld>
             <a:endParaRPr lang="en-US"/>
           </a:p>
@@ -2256,7 +2257,7 @@
           <a:p>
             <a:fld id="{68285EB9-E676-4C25-92BE-BE2B99F733C4}" type="datetimeFigureOut">
               <a:rPr lang="en-US" smtClean="0"/>
-              <a:t>7/29/2024</a:t>
+              <a:t>7/30/2024</a:t>
             </a:fld>
             <a:endParaRPr lang="en-US"/>
           </a:p>
@@ -2397,7 +2398,7 @@
           <a:p>
             <a:fld id="{68285EB9-E676-4C25-92BE-BE2B99F733C4}" type="datetimeFigureOut">
               <a:rPr lang="en-US" smtClean="0"/>
-              <a:t>7/29/2024</a:t>
+              <a:t>7/30/2024</a:t>
             </a:fld>
             <a:endParaRPr lang="en-US"/>
           </a:p>
@@ -2510,7 +2511,7 @@
           <a:p>
             <a:fld id="{68285EB9-E676-4C25-92BE-BE2B99F733C4}" type="datetimeFigureOut">
               <a:rPr lang="en-US" smtClean="0"/>
-              <a:t>7/29/2024</a:t>
+              <a:t>7/30/2024</a:t>
             </a:fld>
             <a:endParaRPr lang="en-US"/>
           </a:p>
@@ -2821,7 +2822,7 @@
           <a:p>
             <a:fld id="{68285EB9-E676-4C25-92BE-BE2B99F733C4}" type="datetimeFigureOut">
               <a:rPr lang="en-US" smtClean="0"/>
-              <a:t>7/29/2024</a:t>
+              <a:t>7/30/2024</a:t>
             </a:fld>
             <a:endParaRPr lang="en-US"/>
           </a:p>
@@ -3109,7 +3110,7 @@
           <a:p>
             <a:fld id="{68285EB9-E676-4C25-92BE-BE2B99F733C4}" type="datetimeFigureOut">
               <a:rPr lang="en-US" smtClean="0"/>
-              <a:t>7/29/2024</a:t>
+              <a:t>7/30/2024</a:t>
             </a:fld>
             <a:endParaRPr lang="en-US"/>
           </a:p>
@@ -3350,7 +3351,7 @@
           <a:p>
             <a:fld id="{68285EB9-E676-4C25-92BE-BE2B99F733C4}" type="datetimeFigureOut">
               <a:rPr lang="en-US" smtClean="0"/>
-              <a:t>7/29/2024</a:t>
+              <a:t>7/30/2024</a:t>
             </a:fld>
             <a:endParaRPr lang="en-US"/>
           </a:p>
@@ -6610,6 +6611,149 @@
 </file>
 
 <file path=ppt/slides/slide6.xml><?xml version="1.0" encoding="utf-8"?>
+<p:sld xmlns:a="http://schemas.openxmlformats.org/drawingml/2006/main" xmlns:r="http://schemas.openxmlformats.org/officeDocument/2006/relationships" xmlns:p="http://schemas.openxmlformats.org/presentationml/2006/main">
+  <p:cSld>
+    <p:spTree>
+      <p:nvGrpSpPr>
+        <p:cNvPr id="1" name=""/>
+        <p:cNvGrpSpPr/>
+        <p:nvPr/>
+      </p:nvGrpSpPr>
+      <p:grpSpPr>
+        <a:xfrm>
+          <a:off x="0" y="0"/>
+          <a:ext cx="0" cy="0"/>
+          <a:chOff x="0" y="0"/>
+          <a:chExt cx="0" cy="0"/>
+        </a:xfrm>
+      </p:grpSpPr>
+      <p:sp>
+        <p:nvSpPr>
+          <p:cNvPr id="4" name="Rectangle 3">
+            <a:extLst>
+              <a:ext uri="{FF2B5EF4-FFF2-40B4-BE49-F238E27FC236}">
+                <a16:creationId xmlns:a16="http://schemas.microsoft.com/office/drawing/2014/main" id="{E890FBE6-1928-F89F-AD19-4092CDFEEBCA}"/>
+              </a:ext>
+            </a:extLst>
+          </p:cNvPr>
+          <p:cNvSpPr/>
+          <p:nvPr/>
+        </p:nvSpPr>
+        <p:spPr>
+          <a:xfrm>
+            <a:off x="1035085" y="866771"/>
+            <a:ext cx="6494105" cy="3264408"/>
+          </a:xfrm>
+          <a:prstGeom prst="rect">
+            <a:avLst/>
+          </a:prstGeom>
+          <a:solidFill>
+            <a:schemeClr val="bg1"/>
+          </a:solidFill>
+          <a:ln>
+            <a:solidFill>
+              <a:schemeClr val="bg1"/>
+            </a:solidFill>
+          </a:ln>
+        </p:spPr>
+        <p:style>
+          <a:lnRef idx="2">
+            <a:schemeClr val="accent1">
+              <a:shade val="50000"/>
+            </a:schemeClr>
+          </a:lnRef>
+          <a:fillRef idx="1">
+            <a:schemeClr val="accent1"/>
+          </a:fillRef>
+          <a:effectRef idx="0">
+            <a:schemeClr val="accent1"/>
+          </a:effectRef>
+          <a:fontRef idx="minor">
+            <a:schemeClr val="lt1"/>
+          </a:fontRef>
+        </p:style>
+        <p:txBody>
+          <a:bodyPr rtlCol="0" anchor="ctr"/>
+          <a:lstStyle/>
+          <a:p>
+            <a:pPr algn="ctr"/>
+            <a:endParaRPr lang="en-US"/>
+          </a:p>
+        </p:txBody>
+      </p:sp>
+      <p:pic>
+        <p:nvPicPr>
+          <p:cNvPr id="13" name="Picture 12">
+            <a:extLst>
+              <a:ext uri="{FF2B5EF4-FFF2-40B4-BE49-F238E27FC236}">
+                <a16:creationId xmlns:a16="http://schemas.microsoft.com/office/drawing/2014/main" id="{3A242035-5B84-14A4-57EF-35D0C52E7D55}"/>
+              </a:ext>
+            </a:extLst>
+          </p:cNvPr>
+          <p:cNvPicPr>
+            <a:picLocks noChangeAspect="1"/>
+          </p:cNvPicPr>
+          <p:nvPr/>
+        </p:nvPicPr>
+        <p:blipFill>
+          <a:blip r:embed="rId2"/>
+          <a:stretch>
+            <a:fillRect/>
+          </a:stretch>
+        </p:blipFill>
+        <p:spPr>
+          <a:xfrm>
+            <a:off x="3279532" y="868912"/>
+            <a:ext cx="4249658" cy="3262266"/>
+          </a:xfrm>
+          <a:prstGeom prst="rect">
+            <a:avLst/>
+          </a:prstGeom>
+        </p:spPr>
+      </p:pic>
+      <p:pic>
+        <p:nvPicPr>
+          <p:cNvPr id="3" name="Picture 2">
+            <a:extLst>
+              <a:ext uri="{FF2B5EF4-FFF2-40B4-BE49-F238E27FC236}">
+                <a16:creationId xmlns:a16="http://schemas.microsoft.com/office/drawing/2014/main" id="{DA4134BD-B6D3-3A1F-15A4-7D3EAC36033C}"/>
+              </a:ext>
+            </a:extLst>
+          </p:cNvPr>
+          <p:cNvPicPr>
+            <a:picLocks noChangeAspect="1"/>
+          </p:cNvPicPr>
+          <p:nvPr/>
+        </p:nvPicPr>
+        <p:blipFill rotWithShape="1">
+          <a:blip r:embed="rId3"/>
+          <a:srcRect r="44483"/>
+          <a:stretch/>
+        </p:blipFill>
+        <p:spPr>
+          <a:xfrm>
+            <a:off x="1035085" y="866770"/>
+            <a:ext cx="2323937" cy="3264408"/>
+          </a:xfrm>
+          <a:prstGeom prst="rect">
+            <a:avLst/>
+          </a:prstGeom>
+        </p:spPr>
+      </p:pic>
+    </p:spTree>
+    <p:extLst>
+      <p:ext uri="{BB962C8B-B14F-4D97-AF65-F5344CB8AC3E}">
+        <p14:creationId xmlns:p14="http://schemas.microsoft.com/office/powerpoint/2010/main" val="3896579277"/>
+      </p:ext>
+    </p:extLst>
+  </p:cSld>
+  <p:clrMapOvr>
+    <a:masterClrMapping/>
+  </p:clrMapOvr>
+</p:sld>
+</file>
+
+<file path=ppt/slides/slide7.xml><?xml version="1.0" encoding="utf-8"?>
 <p:sld xmlns:a="http://schemas.openxmlformats.org/drawingml/2006/main" xmlns:r="http://schemas.openxmlformats.org/officeDocument/2006/relationships" xmlns:p="http://schemas.openxmlformats.org/presentationml/2006/main">
   <p:cSld>
     <p:spTree>

--- a/figures/figs.pptx
+++ b/figures/figs.pptx
@@ -5,7 +5,7 @@
     <p:sldMasterId id="2147483648" r:id="rId1"/>
   </p:sldMasterIdLst>
   <p:notesMasterIdLst>
-    <p:notesMasterId r:id="rId9"/>
+    <p:notesMasterId r:id="rId10"/>
   </p:notesMasterIdLst>
   <p:sldIdLst>
     <p:sldId id="256" r:id="rId2"/>
@@ -13,8 +13,9 @@
     <p:sldId id="258" r:id="rId4"/>
     <p:sldId id="259" r:id="rId5"/>
     <p:sldId id="260" r:id="rId6"/>
-    <p:sldId id="262" r:id="rId7"/>
-    <p:sldId id="261" r:id="rId8"/>
+    <p:sldId id="263" r:id="rId7"/>
+    <p:sldId id="262" r:id="rId8"/>
+    <p:sldId id="261" r:id="rId9"/>
   </p:sldIdLst>
   <p:sldSz cx="12192000" cy="6858000"/>
   <p:notesSz cx="6858000" cy="9144000"/>
@@ -203,7 +204,7 @@
           <a:p>
             <a:fld id="{2EEC62BD-4933-4F6B-959D-B89BFB4EE157}" type="datetimeFigureOut">
               <a:rPr lang="en-US" smtClean="0"/>
-              <a:t>7/30/2024</a:t>
+              <a:t>9/18/2024</a:t>
             </a:fld>
             <a:endParaRPr lang="en-US"/>
           </a:p>
@@ -701,7 +702,7 @@
           <a:p>
             <a:fld id="{68285EB9-E676-4C25-92BE-BE2B99F733C4}" type="datetimeFigureOut">
               <a:rPr lang="en-US" smtClean="0"/>
-              <a:t>7/30/2024</a:t>
+              <a:t>9/18/2024</a:t>
             </a:fld>
             <a:endParaRPr lang="en-US"/>
           </a:p>
@@ -899,7 +900,7 @@
           <a:p>
             <a:fld id="{68285EB9-E676-4C25-92BE-BE2B99F733C4}" type="datetimeFigureOut">
               <a:rPr lang="en-US" smtClean="0"/>
-              <a:t>7/30/2024</a:t>
+              <a:t>9/18/2024</a:t>
             </a:fld>
             <a:endParaRPr lang="en-US"/>
           </a:p>
@@ -1107,7 +1108,7 @@
           <a:p>
             <a:fld id="{68285EB9-E676-4C25-92BE-BE2B99F733C4}" type="datetimeFigureOut">
               <a:rPr lang="en-US" smtClean="0"/>
-              <a:t>7/30/2024</a:t>
+              <a:t>9/18/2024</a:t>
             </a:fld>
             <a:endParaRPr lang="en-US"/>
           </a:p>
@@ -1305,7 +1306,7 @@
           <a:p>
             <a:fld id="{68285EB9-E676-4C25-92BE-BE2B99F733C4}" type="datetimeFigureOut">
               <a:rPr lang="en-US" smtClean="0"/>
-              <a:t>7/30/2024</a:t>
+              <a:t>9/18/2024</a:t>
             </a:fld>
             <a:endParaRPr lang="en-US"/>
           </a:p>
@@ -1580,7 +1581,7 @@
           <a:p>
             <a:fld id="{68285EB9-E676-4C25-92BE-BE2B99F733C4}" type="datetimeFigureOut">
               <a:rPr lang="en-US" smtClean="0"/>
-              <a:t>7/30/2024</a:t>
+              <a:t>9/18/2024</a:t>
             </a:fld>
             <a:endParaRPr lang="en-US"/>
           </a:p>
@@ -1845,7 +1846,7 @@
           <a:p>
             <a:fld id="{68285EB9-E676-4C25-92BE-BE2B99F733C4}" type="datetimeFigureOut">
               <a:rPr lang="en-US" smtClean="0"/>
-              <a:t>7/30/2024</a:t>
+              <a:t>9/18/2024</a:t>
             </a:fld>
             <a:endParaRPr lang="en-US"/>
           </a:p>
@@ -2257,7 +2258,7 @@
           <a:p>
             <a:fld id="{68285EB9-E676-4C25-92BE-BE2B99F733C4}" type="datetimeFigureOut">
               <a:rPr lang="en-US" smtClean="0"/>
-              <a:t>7/30/2024</a:t>
+              <a:t>9/18/2024</a:t>
             </a:fld>
             <a:endParaRPr lang="en-US"/>
           </a:p>
@@ -2398,7 +2399,7 @@
           <a:p>
             <a:fld id="{68285EB9-E676-4C25-92BE-BE2B99F733C4}" type="datetimeFigureOut">
               <a:rPr lang="en-US" smtClean="0"/>
-              <a:t>7/30/2024</a:t>
+              <a:t>9/18/2024</a:t>
             </a:fld>
             <a:endParaRPr lang="en-US"/>
           </a:p>
@@ -2511,7 +2512,7 @@
           <a:p>
             <a:fld id="{68285EB9-E676-4C25-92BE-BE2B99F733C4}" type="datetimeFigureOut">
               <a:rPr lang="en-US" smtClean="0"/>
-              <a:t>7/30/2024</a:t>
+              <a:t>9/18/2024</a:t>
             </a:fld>
             <a:endParaRPr lang="en-US"/>
           </a:p>
@@ -2822,7 +2823,7 @@
           <a:p>
             <a:fld id="{68285EB9-E676-4C25-92BE-BE2B99F733C4}" type="datetimeFigureOut">
               <a:rPr lang="en-US" smtClean="0"/>
-              <a:t>7/30/2024</a:t>
+              <a:t>9/18/2024</a:t>
             </a:fld>
             <a:endParaRPr lang="en-US"/>
           </a:p>
@@ -3110,7 +3111,7 @@
           <a:p>
             <a:fld id="{68285EB9-E676-4C25-92BE-BE2B99F733C4}" type="datetimeFigureOut">
               <a:rPr lang="en-US" smtClean="0"/>
-              <a:t>7/30/2024</a:t>
+              <a:t>9/18/2024</a:t>
             </a:fld>
             <a:endParaRPr lang="en-US"/>
           </a:p>
@@ -3351,7 +3352,7 @@
           <a:p>
             <a:fld id="{68285EB9-E676-4C25-92BE-BE2B99F733C4}" type="datetimeFigureOut">
               <a:rPr lang="en-US" smtClean="0"/>
-              <a:t>7/30/2024</a:t>
+              <a:t>9/18/2024</a:t>
             </a:fld>
             <a:endParaRPr lang="en-US"/>
           </a:p>
@@ -6597,6 +6598,42 @@
           </a:prstGeom>
         </p:spPr>
       </p:pic>
+      <p:pic>
+        <p:nvPicPr>
+          <p:cNvPr id="3" name="Picture 2" descr="A diagram of a graph&#10;&#10;Description automatically generated with medium confidence">
+            <a:extLst>
+              <a:ext uri="{FF2B5EF4-FFF2-40B4-BE49-F238E27FC236}">
+                <a16:creationId xmlns:a16="http://schemas.microsoft.com/office/drawing/2014/main" id="{F81A097A-9F92-7ECF-89EC-DAC4C220B1BD}"/>
+              </a:ext>
+            </a:extLst>
+          </p:cNvPr>
+          <p:cNvPicPr>
+            <a:picLocks noChangeAspect="1"/>
+          </p:cNvPicPr>
+          <p:nvPr/>
+        </p:nvPicPr>
+        <p:blipFill>
+          <a:blip r:embed="rId4">
+            <a:extLst>
+              <a:ext uri="{28A0092B-C50C-407E-A947-70E740481C1C}">
+                <a14:useLocalDpi xmlns:a14="http://schemas.microsoft.com/office/drawing/2010/main" val="0"/>
+              </a:ext>
+            </a:extLst>
+          </a:blip>
+          <a:stretch>
+            <a:fillRect/>
+          </a:stretch>
+        </p:blipFill>
+        <p:spPr>
+          <a:xfrm>
+            <a:off x="8567913" y="2149491"/>
+            <a:ext cx="2020828" cy="2052832"/>
+          </a:xfrm>
+          <a:prstGeom prst="rect">
+            <a:avLst/>
+          </a:prstGeom>
+        </p:spPr>
+      </p:pic>
     </p:spTree>
     <p:extLst>
       <p:ext uri="{BB962C8B-B14F-4D97-AF65-F5344CB8AC3E}">
@@ -6627,6 +6664,166 @@
           <a:chExt cx="0" cy="0"/>
         </a:xfrm>
       </p:grpSpPr>
+      <p:pic>
+        <p:nvPicPr>
+          <p:cNvPr id="11" name="Picture 10">
+            <a:extLst>
+              <a:ext uri="{FF2B5EF4-FFF2-40B4-BE49-F238E27FC236}">
+                <a16:creationId xmlns:a16="http://schemas.microsoft.com/office/drawing/2014/main" id="{13EBC111-6D6E-76E9-2D5E-46A2EB5811AB}"/>
+              </a:ext>
+            </a:extLst>
+          </p:cNvPr>
+          <p:cNvPicPr>
+            <a:picLocks noChangeAspect="1"/>
+          </p:cNvPicPr>
+          <p:nvPr/>
+        </p:nvPicPr>
+        <p:blipFill>
+          <a:blip r:embed="rId2"/>
+          <a:stretch>
+            <a:fillRect/>
+          </a:stretch>
+        </p:blipFill>
+        <p:spPr>
+          <a:xfrm>
+            <a:off x="219981" y="868912"/>
+            <a:ext cx="3182641" cy="3262267"/>
+          </a:xfrm>
+          <a:prstGeom prst="rect">
+            <a:avLst/>
+          </a:prstGeom>
+        </p:spPr>
+      </p:pic>
+      <p:pic>
+        <p:nvPicPr>
+          <p:cNvPr id="13" name="Picture 12">
+            <a:extLst>
+              <a:ext uri="{FF2B5EF4-FFF2-40B4-BE49-F238E27FC236}">
+                <a16:creationId xmlns:a16="http://schemas.microsoft.com/office/drawing/2014/main" id="{3A242035-5B84-14A4-57EF-35D0C52E7D55}"/>
+              </a:ext>
+            </a:extLst>
+          </p:cNvPr>
+          <p:cNvPicPr>
+            <a:picLocks noChangeAspect="1"/>
+          </p:cNvPicPr>
+          <p:nvPr/>
+        </p:nvPicPr>
+        <p:blipFill>
+          <a:blip r:embed="rId3"/>
+          <a:stretch>
+            <a:fillRect/>
+          </a:stretch>
+        </p:blipFill>
+        <p:spPr>
+          <a:xfrm>
+            <a:off x="3279532" y="868912"/>
+            <a:ext cx="4249658" cy="3262266"/>
+          </a:xfrm>
+          <a:prstGeom prst="rect">
+            <a:avLst/>
+          </a:prstGeom>
+        </p:spPr>
+      </p:pic>
+      <p:pic>
+        <p:nvPicPr>
+          <p:cNvPr id="4" name="Picture 3" descr="A diagram of a graph&#10;&#10;Description automatically generated with medium confidence">
+            <a:extLst>
+              <a:ext uri="{FF2B5EF4-FFF2-40B4-BE49-F238E27FC236}">
+                <a16:creationId xmlns:a16="http://schemas.microsoft.com/office/drawing/2014/main" id="{BF0E3701-6A1D-6C1A-4ACA-A638F10CBBED}"/>
+              </a:ext>
+            </a:extLst>
+          </p:cNvPr>
+          <p:cNvPicPr>
+            <a:picLocks noChangeAspect="1"/>
+          </p:cNvPicPr>
+          <p:nvPr/>
+        </p:nvPicPr>
+        <p:blipFill>
+          <a:blip r:embed="rId4">
+            <a:extLst>
+              <a:ext uri="{28A0092B-C50C-407E-A947-70E740481C1C}">
+                <a14:useLocalDpi xmlns:a14="http://schemas.microsoft.com/office/drawing/2010/main" val="0"/>
+              </a:ext>
+            </a:extLst>
+          </a:blip>
+          <a:srcRect l="2314" t="13899" r="81312" b="78098"/>
+          <a:stretch/>
+        </p:blipFill>
+        <p:spPr>
+          <a:xfrm>
+            <a:off x="3402621" y="1330778"/>
+            <a:ext cx="524399" cy="261255"/>
+          </a:xfrm>
+          <a:prstGeom prst="rect">
+            <a:avLst/>
+          </a:prstGeom>
+        </p:spPr>
+      </p:pic>
+      <p:pic>
+        <p:nvPicPr>
+          <p:cNvPr id="5" name="Picture 4" descr="A diagram of a graph&#10;&#10;Description automatically generated with medium confidence">
+            <a:extLst>
+              <a:ext uri="{FF2B5EF4-FFF2-40B4-BE49-F238E27FC236}">
+                <a16:creationId xmlns:a16="http://schemas.microsoft.com/office/drawing/2014/main" id="{4CEF1E40-9C59-5C67-0AE3-BFE25DA49478}"/>
+              </a:ext>
+            </a:extLst>
+          </p:cNvPr>
+          <p:cNvPicPr>
+            <a:picLocks noChangeAspect="1"/>
+          </p:cNvPicPr>
+          <p:nvPr/>
+        </p:nvPicPr>
+        <p:blipFill>
+          <a:blip r:embed="rId4">
+            <a:extLst>
+              <a:ext uri="{28A0092B-C50C-407E-A947-70E740481C1C}">
+                <a14:useLocalDpi xmlns:a14="http://schemas.microsoft.com/office/drawing/2010/main" val="0"/>
+              </a:ext>
+            </a:extLst>
+          </a:blip>
+          <a:srcRect l="2314" t="13899" r="81312" b="78098"/>
+          <a:stretch/>
+        </p:blipFill>
+        <p:spPr>
+          <a:xfrm>
+            <a:off x="305635" y="1330778"/>
+            <a:ext cx="524399" cy="261255"/>
+          </a:xfrm>
+          <a:prstGeom prst="rect">
+            <a:avLst/>
+          </a:prstGeom>
+        </p:spPr>
+      </p:pic>
+    </p:spTree>
+    <p:extLst>
+      <p:ext uri="{BB962C8B-B14F-4D97-AF65-F5344CB8AC3E}">
+        <p14:creationId xmlns:p14="http://schemas.microsoft.com/office/powerpoint/2010/main" val="3343121141"/>
+      </p:ext>
+    </p:extLst>
+  </p:cSld>
+  <p:clrMapOvr>
+    <a:masterClrMapping/>
+  </p:clrMapOvr>
+</p:sld>
+</file>
+
+<file path=ppt/slides/slide7.xml><?xml version="1.0" encoding="utf-8"?>
+<p:sld xmlns:a="http://schemas.openxmlformats.org/drawingml/2006/main" xmlns:r="http://schemas.openxmlformats.org/officeDocument/2006/relationships" xmlns:p="http://schemas.openxmlformats.org/presentationml/2006/main">
+  <p:cSld>
+    <p:spTree>
+      <p:nvGrpSpPr>
+        <p:cNvPr id="1" name=""/>
+        <p:cNvGrpSpPr/>
+        <p:nvPr/>
+      </p:nvGrpSpPr>
+      <p:grpSpPr>
+        <a:xfrm>
+          <a:off x="0" y="0"/>
+          <a:ext cx="0" cy="0"/>
+          <a:chOff x="0" y="0"/>
+          <a:chExt cx="0" cy="0"/>
+        </a:xfrm>
+      </p:grpSpPr>
       <p:sp>
         <p:nvSpPr>
           <p:cNvPr id="4" name="Rectangle 3">
@@ -6753,7 +6950,7 @@
 </p:sld>
 </file>
 
-<file path=ppt/slides/slide7.xml><?xml version="1.0" encoding="utf-8"?>
+<file path=ppt/slides/slide8.xml><?xml version="1.0" encoding="utf-8"?>
 <p:sld xmlns:a="http://schemas.openxmlformats.org/drawingml/2006/main" xmlns:r="http://schemas.openxmlformats.org/officeDocument/2006/relationships" xmlns:p="http://schemas.openxmlformats.org/presentationml/2006/main">
   <p:cSld>
     <p:spTree>

--- a/figures/figs.pptx
+++ b/figures/figs.pptx
@@ -5,17 +5,18 @@
     <p:sldMasterId id="2147483648" r:id="rId1"/>
   </p:sldMasterIdLst>
   <p:notesMasterIdLst>
-    <p:notesMasterId r:id="rId10"/>
+    <p:notesMasterId r:id="rId11"/>
   </p:notesMasterIdLst>
   <p:sldIdLst>
-    <p:sldId id="256" r:id="rId2"/>
-    <p:sldId id="257" r:id="rId3"/>
-    <p:sldId id="258" r:id="rId4"/>
-    <p:sldId id="259" r:id="rId5"/>
-    <p:sldId id="260" r:id="rId6"/>
-    <p:sldId id="263" r:id="rId7"/>
-    <p:sldId id="262" r:id="rId8"/>
-    <p:sldId id="261" r:id="rId9"/>
+    <p:sldId id="257" r:id="rId2"/>
+    <p:sldId id="258" r:id="rId3"/>
+    <p:sldId id="259" r:id="rId4"/>
+    <p:sldId id="260" r:id="rId5"/>
+    <p:sldId id="263" r:id="rId6"/>
+    <p:sldId id="264" r:id="rId7"/>
+    <p:sldId id="265" r:id="rId8"/>
+    <p:sldId id="262" r:id="rId9"/>
+    <p:sldId id="261" r:id="rId10"/>
   </p:sldIdLst>
   <p:sldSz cx="12192000" cy="6858000"/>
   <p:notesSz cx="6858000" cy="9144000"/>
@@ -204,7 +205,7 @@
           <a:p>
             <a:fld id="{2EEC62BD-4933-4F6B-959D-B89BFB4EE157}" type="datetimeFigureOut">
               <a:rPr lang="en-US" smtClean="0"/>
-              <a:t>9/18/2024</a:t>
+              <a:t>10/6/2024</a:t>
             </a:fld>
             <a:endParaRPr lang="en-US"/>
           </a:p>
@@ -536,7 +537,7 @@
           <a:p>
             <a:fld id="{52317F1D-03C5-41BF-8C65-34046731CE20}" type="slidenum">
               <a:rPr lang="en-US" smtClean="0"/>
-              <a:t>2</a:t>
+              <a:t>1</a:t>
             </a:fld>
             <a:endParaRPr lang="en-US"/>
           </a:p>
@@ -702,7 +703,7 @@
           <a:p>
             <a:fld id="{68285EB9-E676-4C25-92BE-BE2B99F733C4}" type="datetimeFigureOut">
               <a:rPr lang="en-US" smtClean="0"/>
-              <a:t>9/18/2024</a:t>
+              <a:t>10/6/2024</a:t>
             </a:fld>
             <a:endParaRPr lang="en-US"/>
           </a:p>
@@ -900,7 +901,7 @@
           <a:p>
             <a:fld id="{68285EB9-E676-4C25-92BE-BE2B99F733C4}" type="datetimeFigureOut">
               <a:rPr lang="en-US" smtClean="0"/>
-              <a:t>9/18/2024</a:t>
+              <a:t>10/6/2024</a:t>
             </a:fld>
             <a:endParaRPr lang="en-US"/>
           </a:p>
@@ -1108,7 +1109,7 @@
           <a:p>
             <a:fld id="{68285EB9-E676-4C25-92BE-BE2B99F733C4}" type="datetimeFigureOut">
               <a:rPr lang="en-US" smtClean="0"/>
-              <a:t>9/18/2024</a:t>
+              <a:t>10/6/2024</a:t>
             </a:fld>
             <a:endParaRPr lang="en-US"/>
           </a:p>
@@ -1306,7 +1307,7 @@
           <a:p>
             <a:fld id="{68285EB9-E676-4C25-92BE-BE2B99F733C4}" type="datetimeFigureOut">
               <a:rPr lang="en-US" smtClean="0"/>
-              <a:t>9/18/2024</a:t>
+              <a:t>10/6/2024</a:t>
             </a:fld>
             <a:endParaRPr lang="en-US"/>
           </a:p>
@@ -1581,7 +1582,7 @@
           <a:p>
             <a:fld id="{68285EB9-E676-4C25-92BE-BE2B99F733C4}" type="datetimeFigureOut">
               <a:rPr lang="en-US" smtClean="0"/>
-              <a:t>9/18/2024</a:t>
+              <a:t>10/6/2024</a:t>
             </a:fld>
             <a:endParaRPr lang="en-US"/>
           </a:p>
@@ -1846,7 +1847,7 @@
           <a:p>
             <a:fld id="{68285EB9-E676-4C25-92BE-BE2B99F733C4}" type="datetimeFigureOut">
               <a:rPr lang="en-US" smtClean="0"/>
-              <a:t>9/18/2024</a:t>
+              <a:t>10/6/2024</a:t>
             </a:fld>
             <a:endParaRPr lang="en-US"/>
           </a:p>
@@ -2258,7 +2259,7 @@
           <a:p>
             <a:fld id="{68285EB9-E676-4C25-92BE-BE2B99F733C4}" type="datetimeFigureOut">
               <a:rPr lang="en-US" smtClean="0"/>
-              <a:t>9/18/2024</a:t>
+              <a:t>10/6/2024</a:t>
             </a:fld>
             <a:endParaRPr lang="en-US"/>
           </a:p>
@@ -2399,7 +2400,7 @@
           <a:p>
             <a:fld id="{68285EB9-E676-4C25-92BE-BE2B99F733C4}" type="datetimeFigureOut">
               <a:rPr lang="en-US" smtClean="0"/>
-              <a:t>9/18/2024</a:t>
+              <a:t>10/6/2024</a:t>
             </a:fld>
             <a:endParaRPr lang="en-US"/>
           </a:p>
@@ -2512,7 +2513,7 @@
           <a:p>
             <a:fld id="{68285EB9-E676-4C25-92BE-BE2B99F733C4}" type="datetimeFigureOut">
               <a:rPr lang="en-US" smtClean="0"/>
-              <a:t>9/18/2024</a:t>
+              <a:t>10/6/2024</a:t>
             </a:fld>
             <a:endParaRPr lang="en-US"/>
           </a:p>
@@ -2823,7 +2824,7 @@
           <a:p>
             <a:fld id="{68285EB9-E676-4C25-92BE-BE2B99F733C4}" type="datetimeFigureOut">
               <a:rPr lang="en-US" smtClean="0"/>
-              <a:t>9/18/2024</a:t>
+              <a:t>10/6/2024</a:t>
             </a:fld>
             <a:endParaRPr lang="en-US"/>
           </a:p>
@@ -3111,7 +3112,7 @@
           <a:p>
             <a:fld id="{68285EB9-E676-4C25-92BE-BE2B99F733C4}" type="datetimeFigureOut">
               <a:rPr lang="en-US" smtClean="0"/>
-              <a:t>9/18/2024</a:t>
+              <a:t>10/6/2024</a:t>
             </a:fld>
             <a:endParaRPr lang="en-US"/>
           </a:p>
@@ -3352,7 +3353,7 @@
           <a:p>
             <a:fld id="{68285EB9-E676-4C25-92BE-BE2B99F733C4}" type="datetimeFigureOut">
               <a:rPr lang="en-US" smtClean="0"/>
-              <a:t>9/18/2024</a:t>
+              <a:t>10/6/2024</a:t>
             </a:fld>
             <a:endParaRPr lang="en-US"/>
           </a:p>
@@ -3769,116 +3770,6 @@
           <a:chExt cx="0" cy="0"/>
         </a:xfrm>
       </p:grpSpPr>
-      <p:sp>
-        <p:nvSpPr>
-          <p:cNvPr id="2" name="Title 1">
-            <a:extLst>
-              <a:ext uri="{FF2B5EF4-FFF2-40B4-BE49-F238E27FC236}">
-                <a16:creationId xmlns:a16="http://schemas.microsoft.com/office/drawing/2014/main" id="{17A4A8CE-850A-BF2F-9677-1CD9CD3874F1}"/>
-              </a:ext>
-            </a:extLst>
-          </p:cNvPr>
-          <p:cNvSpPr>
-            <a:spLocks noGrp="1"/>
-          </p:cNvSpPr>
-          <p:nvPr>
-            <p:ph type="ctrTitle"/>
-          </p:nvPr>
-        </p:nvSpPr>
-        <p:spPr/>
-        <p:txBody>
-          <a:bodyPr/>
-          <a:lstStyle/>
-          <a:p>
-            <a:endParaRPr lang="en-US"/>
-          </a:p>
-        </p:txBody>
-      </p:sp>
-      <p:sp>
-        <p:nvSpPr>
-          <p:cNvPr id="3" name="Subtitle 2">
-            <a:extLst>
-              <a:ext uri="{FF2B5EF4-FFF2-40B4-BE49-F238E27FC236}">
-                <a16:creationId xmlns:a16="http://schemas.microsoft.com/office/drawing/2014/main" id="{0C8111BF-CDF6-7AA0-C9E7-E2A0612BCCBC}"/>
-              </a:ext>
-            </a:extLst>
-          </p:cNvPr>
-          <p:cNvSpPr>
-            <a:spLocks noGrp="1"/>
-          </p:cNvSpPr>
-          <p:nvPr>
-            <p:ph type="subTitle" idx="1"/>
-          </p:nvPr>
-        </p:nvSpPr>
-        <p:spPr/>
-        <p:txBody>
-          <a:bodyPr/>
-          <a:lstStyle/>
-          <a:p>
-            <a:endParaRPr lang="en-US"/>
-          </a:p>
-        </p:txBody>
-      </p:sp>
-      <p:pic>
-        <p:nvPicPr>
-          <p:cNvPr id="7" name="Picture 6">
-            <a:extLst>
-              <a:ext uri="{FF2B5EF4-FFF2-40B4-BE49-F238E27FC236}">
-                <a16:creationId xmlns:a16="http://schemas.microsoft.com/office/drawing/2014/main" id="{520A6C05-43BF-D6D4-65FA-B958D79709D0}"/>
-              </a:ext>
-            </a:extLst>
-          </p:cNvPr>
-          <p:cNvPicPr>
-            <a:picLocks noChangeAspect="1"/>
-          </p:cNvPicPr>
-          <p:nvPr/>
-        </p:nvPicPr>
-        <p:blipFill>
-          <a:blip r:embed="rId2"/>
-          <a:stretch>
-            <a:fillRect/>
-          </a:stretch>
-        </p:blipFill>
-        <p:spPr>
-          <a:xfrm>
-            <a:off x="720460" y="781806"/>
-            <a:ext cx="10751079" cy="5294387"/>
-          </a:xfrm>
-          <a:prstGeom prst="rect">
-            <a:avLst/>
-          </a:prstGeom>
-        </p:spPr>
-      </p:pic>
-    </p:spTree>
-    <p:extLst>
-      <p:ext uri="{BB962C8B-B14F-4D97-AF65-F5344CB8AC3E}">
-        <p14:creationId xmlns:p14="http://schemas.microsoft.com/office/powerpoint/2010/main" val="2921399963"/>
-      </p:ext>
-    </p:extLst>
-  </p:cSld>
-  <p:clrMapOvr>
-    <a:masterClrMapping/>
-  </p:clrMapOvr>
-</p:sld>
-</file>
-
-<file path=ppt/slides/slide2.xml><?xml version="1.0" encoding="utf-8"?>
-<p:sld xmlns:a="http://schemas.openxmlformats.org/drawingml/2006/main" xmlns:r="http://schemas.openxmlformats.org/officeDocument/2006/relationships" xmlns:p="http://schemas.openxmlformats.org/presentationml/2006/main">
-  <p:cSld>
-    <p:spTree>
-      <p:nvGrpSpPr>
-        <p:cNvPr id="1" name=""/>
-        <p:cNvGrpSpPr/>
-        <p:nvPr/>
-      </p:nvGrpSpPr>
-      <p:grpSpPr>
-        <a:xfrm>
-          <a:off x="0" y="0"/>
-          <a:ext cx="0" cy="0"/>
-          <a:chOff x="0" y="0"/>
-          <a:chExt cx="0" cy="0"/>
-        </a:xfrm>
-      </p:grpSpPr>
       <p:cxnSp>
         <p:nvCxnSpPr>
           <p:cNvPr id="14" name="Straight Connector 13">
@@ -4881,7 +4772,7 @@
 </p:sld>
 </file>
 
-<file path=ppt/slides/slide3.xml><?xml version="1.0" encoding="utf-8"?>
+<file path=ppt/slides/slide2.xml><?xml version="1.0" encoding="utf-8"?>
 <p:sld xmlns:a="http://schemas.openxmlformats.org/drawingml/2006/main" xmlns:r="http://schemas.openxmlformats.org/officeDocument/2006/relationships" xmlns:p="http://schemas.openxmlformats.org/presentationml/2006/main">
   <p:cSld>
     <p:spTree>
@@ -4938,6 +4829,1580 @@
     <p:extLst>
       <p:ext uri="{BB962C8B-B14F-4D97-AF65-F5344CB8AC3E}">
         <p14:creationId xmlns:p14="http://schemas.microsoft.com/office/powerpoint/2010/main" val="2210673043"/>
+      </p:ext>
+    </p:extLst>
+  </p:cSld>
+  <p:clrMapOvr>
+    <a:masterClrMapping/>
+  </p:clrMapOvr>
+</p:sld>
+</file>
+
+<file path=ppt/slides/slide3.xml><?xml version="1.0" encoding="utf-8"?>
+<p:sld xmlns:a="http://schemas.openxmlformats.org/drawingml/2006/main" xmlns:r="http://schemas.openxmlformats.org/officeDocument/2006/relationships" xmlns:p="http://schemas.openxmlformats.org/presentationml/2006/main">
+  <p:cSld>
+    <p:spTree>
+      <p:nvGrpSpPr>
+        <p:cNvPr id="1" name=""/>
+        <p:cNvGrpSpPr/>
+        <p:nvPr/>
+      </p:nvGrpSpPr>
+      <p:grpSpPr>
+        <a:xfrm>
+          <a:off x="0" y="0"/>
+          <a:ext cx="0" cy="0"/>
+          <a:chOff x="0" y="0"/>
+          <a:chExt cx="0" cy="0"/>
+        </a:xfrm>
+      </p:grpSpPr>
+      <p:sp>
+        <p:nvSpPr>
+          <p:cNvPr id="14" name="Rectangle 13">
+            <a:extLst>
+              <a:ext uri="{FF2B5EF4-FFF2-40B4-BE49-F238E27FC236}">
+                <a16:creationId xmlns:a16="http://schemas.microsoft.com/office/drawing/2014/main" id="{9666CDA2-3022-EC0E-E727-8867ABEDFF91}"/>
+              </a:ext>
+            </a:extLst>
+          </p:cNvPr>
+          <p:cNvSpPr/>
+          <p:nvPr/>
+        </p:nvSpPr>
+        <p:spPr>
+          <a:xfrm>
+            <a:off x="749857" y="-26377"/>
+            <a:ext cx="11442143" cy="7097739"/>
+          </a:xfrm>
+          <a:prstGeom prst="rect">
+            <a:avLst/>
+          </a:prstGeom>
+          <a:solidFill>
+            <a:schemeClr val="bg1"/>
+          </a:solidFill>
+          <a:ln>
+            <a:noFill/>
+          </a:ln>
+        </p:spPr>
+        <p:style>
+          <a:lnRef idx="2">
+            <a:schemeClr val="accent1">
+              <a:shade val="50000"/>
+            </a:schemeClr>
+          </a:lnRef>
+          <a:fillRef idx="1">
+            <a:schemeClr val="accent1"/>
+          </a:fillRef>
+          <a:effectRef idx="0">
+            <a:schemeClr val="accent1"/>
+          </a:effectRef>
+          <a:fontRef idx="minor">
+            <a:schemeClr val="lt1"/>
+          </a:fontRef>
+        </p:style>
+        <p:txBody>
+          <a:bodyPr rtlCol="0" anchor="ctr"/>
+          <a:lstStyle/>
+          <a:p>
+            <a:pPr algn="ctr"/>
+            <a:endParaRPr lang="en-US">
+              <a:ln>
+                <a:solidFill>
+                  <a:schemeClr val="bg1"/>
+                </a:solidFill>
+              </a:ln>
+              <a:solidFill>
+                <a:schemeClr val="bg1"/>
+              </a:solidFill>
+            </a:endParaRPr>
+          </a:p>
+        </p:txBody>
+      </p:sp>
+      <p:cxnSp>
+        <p:nvCxnSpPr>
+          <p:cNvPr id="15" name="Straight Connector 14">
+            <a:extLst>
+              <a:ext uri="{FF2B5EF4-FFF2-40B4-BE49-F238E27FC236}">
+                <a16:creationId xmlns:a16="http://schemas.microsoft.com/office/drawing/2014/main" id="{BAD74419-5D78-224C-4266-B531AE9EF3AE}"/>
+              </a:ext>
+            </a:extLst>
+          </p:cNvPr>
+          <p:cNvCxnSpPr>
+            <a:cxnSpLocks/>
+          </p:cNvCxnSpPr>
+          <p:nvPr/>
+        </p:nvCxnSpPr>
+        <p:spPr>
+          <a:xfrm>
+            <a:off x="5038523" y="0"/>
+            <a:ext cx="0" cy="7080154"/>
+          </a:xfrm>
+          <a:prstGeom prst="line">
+            <a:avLst/>
+          </a:prstGeom>
+          <a:ln/>
+        </p:spPr>
+        <p:style>
+          <a:lnRef idx="3">
+            <a:schemeClr val="dk1"/>
+          </a:lnRef>
+          <a:fillRef idx="0">
+            <a:schemeClr val="dk1"/>
+          </a:fillRef>
+          <a:effectRef idx="2">
+            <a:schemeClr val="dk1"/>
+          </a:effectRef>
+          <a:fontRef idx="minor">
+            <a:schemeClr val="tx1"/>
+          </a:fontRef>
+        </p:style>
+      </p:cxnSp>
+      <p:cxnSp>
+        <p:nvCxnSpPr>
+          <p:cNvPr id="17" name="Straight Connector 16">
+            <a:extLst>
+              <a:ext uri="{FF2B5EF4-FFF2-40B4-BE49-F238E27FC236}">
+                <a16:creationId xmlns:a16="http://schemas.microsoft.com/office/drawing/2014/main" id="{186ECEC7-B345-DE56-1D1B-9CD773FD91D9}"/>
+              </a:ext>
+            </a:extLst>
+          </p:cNvPr>
+          <p:cNvCxnSpPr>
+            <a:cxnSpLocks/>
+          </p:cNvCxnSpPr>
+          <p:nvPr/>
+        </p:nvCxnSpPr>
+        <p:spPr>
+          <a:xfrm>
+            <a:off x="9165297" y="0"/>
+            <a:ext cx="0" cy="7071362"/>
+          </a:xfrm>
+          <a:prstGeom prst="line">
+            <a:avLst/>
+          </a:prstGeom>
+          <a:ln/>
+        </p:spPr>
+        <p:style>
+          <a:lnRef idx="3">
+            <a:schemeClr val="dk1"/>
+          </a:lnRef>
+          <a:fillRef idx="0">
+            <a:schemeClr val="dk1"/>
+          </a:fillRef>
+          <a:effectRef idx="2">
+            <a:schemeClr val="dk1"/>
+          </a:effectRef>
+          <a:fontRef idx="minor">
+            <a:schemeClr val="tx1"/>
+          </a:fontRef>
+        </p:style>
+      </p:cxnSp>
+      <p:pic>
+        <p:nvPicPr>
+          <p:cNvPr id="18" name="Picture 17">
+            <a:extLst>
+              <a:ext uri="{FF2B5EF4-FFF2-40B4-BE49-F238E27FC236}">
+                <a16:creationId xmlns:a16="http://schemas.microsoft.com/office/drawing/2014/main" id="{3C490C27-FB8D-54B8-294A-D176B6F2F9ED}"/>
+              </a:ext>
+            </a:extLst>
+          </p:cNvPr>
+          <p:cNvPicPr>
+            <a:picLocks noChangeAspect="1"/>
+          </p:cNvPicPr>
+          <p:nvPr/>
+        </p:nvPicPr>
+        <p:blipFill>
+          <a:blip r:embed="rId7"/>
+          <a:stretch>
+            <a:fillRect/>
+          </a:stretch>
+        </p:blipFill>
+        <p:spPr>
+          <a:xfrm>
+            <a:off x="5061195" y="696603"/>
+            <a:ext cx="3008804" cy="3163824"/>
+          </a:xfrm>
+          <a:prstGeom prst="rect">
+            <a:avLst/>
+          </a:prstGeom>
+        </p:spPr>
+      </p:pic>
+      <p:pic>
+        <p:nvPicPr>
+          <p:cNvPr id="19" name="Picture 18">
+            <a:extLst>
+              <a:ext uri="{FF2B5EF4-FFF2-40B4-BE49-F238E27FC236}">
+                <a16:creationId xmlns:a16="http://schemas.microsoft.com/office/drawing/2014/main" id="{F902E57A-9260-4624-74FE-2432595689CE}"/>
+              </a:ext>
+            </a:extLst>
+          </p:cNvPr>
+          <p:cNvPicPr>
+            <a:picLocks noChangeAspect="1"/>
+          </p:cNvPicPr>
+          <p:nvPr/>
+        </p:nvPicPr>
+        <p:blipFill rotWithShape="1">
+          <a:blip r:embed="rId8"/>
+          <a:srcRect r="5696"/>
+          <a:stretch/>
+        </p:blipFill>
+        <p:spPr>
+          <a:xfrm>
+            <a:off x="9893635" y="645981"/>
+            <a:ext cx="1731014" cy="3163824"/>
+          </a:xfrm>
+          <a:prstGeom prst="rect">
+            <a:avLst/>
+          </a:prstGeom>
+        </p:spPr>
+      </p:pic>
+      <p:cxnSp>
+        <p:nvCxnSpPr>
+          <p:cNvPr id="20" name="Straight Connector 19">
+            <a:extLst>
+              <a:ext uri="{FF2B5EF4-FFF2-40B4-BE49-F238E27FC236}">
+                <a16:creationId xmlns:a16="http://schemas.microsoft.com/office/drawing/2014/main" id="{B943A6C7-A957-4805-8548-81190A9C7E1A}"/>
+              </a:ext>
+            </a:extLst>
+          </p:cNvPr>
+          <p:cNvCxnSpPr>
+            <a:cxnSpLocks/>
+          </p:cNvCxnSpPr>
+          <p:nvPr/>
+        </p:nvCxnSpPr>
+        <p:spPr>
+          <a:xfrm>
+            <a:off x="762943" y="3875190"/>
+            <a:ext cx="11395853" cy="0"/>
+          </a:xfrm>
+          <a:prstGeom prst="line">
+            <a:avLst/>
+          </a:prstGeom>
+          <a:ln w="28575"/>
+        </p:spPr>
+        <p:style>
+          <a:lnRef idx="2">
+            <a:schemeClr val="dk1"/>
+          </a:lnRef>
+          <a:fillRef idx="0">
+            <a:schemeClr val="dk1"/>
+          </a:fillRef>
+          <a:effectRef idx="1">
+            <a:schemeClr val="dk1"/>
+          </a:effectRef>
+          <a:fontRef idx="minor">
+            <a:schemeClr val="tx1"/>
+          </a:fontRef>
+        </p:style>
+      </p:cxnSp>
+      <p:cxnSp>
+        <p:nvCxnSpPr>
+          <p:cNvPr id="21" name="Straight Connector 20">
+            <a:extLst>
+              <a:ext uri="{FF2B5EF4-FFF2-40B4-BE49-F238E27FC236}">
+                <a16:creationId xmlns:a16="http://schemas.microsoft.com/office/drawing/2014/main" id="{024A166E-F645-BA4C-892D-373AE572595E}"/>
+              </a:ext>
+            </a:extLst>
+          </p:cNvPr>
+          <p:cNvCxnSpPr>
+            <a:cxnSpLocks/>
+          </p:cNvCxnSpPr>
+          <p:nvPr/>
+        </p:nvCxnSpPr>
+        <p:spPr>
+          <a:xfrm>
+            <a:off x="762943" y="627875"/>
+            <a:ext cx="11395853" cy="0"/>
+          </a:xfrm>
+          <a:prstGeom prst="line">
+            <a:avLst/>
+          </a:prstGeom>
+          <a:ln w="28575"/>
+        </p:spPr>
+        <p:style>
+          <a:lnRef idx="2">
+            <a:schemeClr val="dk1"/>
+          </a:lnRef>
+          <a:fillRef idx="0">
+            <a:schemeClr val="dk1"/>
+          </a:fillRef>
+          <a:effectRef idx="1">
+            <a:schemeClr val="dk1"/>
+          </a:effectRef>
+          <a:fontRef idx="minor">
+            <a:schemeClr val="tx1"/>
+          </a:fontRef>
+        </p:style>
+      </p:cxnSp>
+      <p:cxnSp>
+        <p:nvCxnSpPr>
+          <p:cNvPr id="22" name="Straight Connector 21">
+            <a:extLst>
+              <a:ext uri="{FF2B5EF4-FFF2-40B4-BE49-F238E27FC236}">
+                <a16:creationId xmlns:a16="http://schemas.microsoft.com/office/drawing/2014/main" id="{1263DBA2-B82D-7E66-19F5-784ECD7CC177}"/>
+              </a:ext>
+            </a:extLst>
+          </p:cNvPr>
+          <p:cNvCxnSpPr>
+            <a:cxnSpLocks/>
+          </p:cNvCxnSpPr>
+          <p:nvPr/>
+        </p:nvCxnSpPr>
+        <p:spPr>
+          <a:xfrm>
+            <a:off x="2408210" y="0"/>
+            <a:ext cx="9052" cy="7064845"/>
+          </a:xfrm>
+          <a:prstGeom prst="line">
+            <a:avLst/>
+          </a:prstGeom>
+          <a:ln/>
+        </p:spPr>
+        <p:style>
+          <a:lnRef idx="3">
+            <a:schemeClr val="dk1"/>
+          </a:lnRef>
+          <a:fillRef idx="0">
+            <a:schemeClr val="dk1"/>
+          </a:fillRef>
+          <a:effectRef idx="2">
+            <a:schemeClr val="dk1"/>
+          </a:effectRef>
+          <a:fontRef idx="minor">
+            <a:schemeClr val="tx1"/>
+          </a:fontRef>
+        </p:style>
+      </p:cxnSp>
+      <p:pic>
+        <p:nvPicPr>
+          <p:cNvPr id="23" name="Picture 22">
+            <a:extLst>
+              <a:ext uri="{FF2B5EF4-FFF2-40B4-BE49-F238E27FC236}">
+                <a16:creationId xmlns:a16="http://schemas.microsoft.com/office/drawing/2014/main" id="{DFCD9F7B-3417-08F1-69C8-E6A06B79E8F7}"/>
+              </a:ext>
+            </a:extLst>
+          </p:cNvPr>
+          <p:cNvPicPr>
+            <a:picLocks noChangeAspect="1"/>
+          </p:cNvPicPr>
+          <p:nvPr/>
+        </p:nvPicPr>
+        <p:blipFill rotWithShape="1">
+          <a:blip r:embed="rId9"/>
+          <a:srcRect l="35957"/>
+          <a:stretch/>
+        </p:blipFill>
+        <p:spPr>
+          <a:xfrm>
+            <a:off x="10911253" y="3916330"/>
+            <a:ext cx="1031149" cy="3163824"/>
+          </a:xfrm>
+          <a:prstGeom prst="rect">
+            <a:avLst/>
+          </a:prstGeom>
+        </p:spPr>
+      </p:pic>
+      <p:cxnSp>
+        <p:nvCxnSpPr>
+          <p:cNvPr id="24" name="Straight Connector 23">
+            <a:extLst>
+              <a:ext uri="{FF2B5EF4-FFF2-40B4-BE49-F238E27FC236}">
+                <a16:creationId xmlns:a16="http://schemas.microsoft.com/office/drawing/2014/main" id="{38804AB4-1D71-3C1D-E794-30A2514B4F54}"/>
+              </a:ext>
+            </a:extLst>
+          </p:cNvPr>
+          <p:cNvCxnSpPr>
+            <a:cxnSpLocks/>
+          </p:cNvCxnSpPr>
+          <p:nvPr/>
+        </p:nvCxnSpPr>
+        <p:spPr>
+          <a:xfrm>
+            <a:off x="762943" y="0"/>
+            <a:ext cx="0" cy="7080154"/>
+          </a:xfrm>
+          <a:prstGeom prst="line">
+            <a:avLst/>
+          </a:prstGeom>
+          <a:ln/>
+        </p:spPr>
+        <p:style>
+          <a:lnRef idx="3">
+            <a:schemeClr val="dk1"/>
+          </a:lnRef>
+          <a:fillRef idx="0">
+            <a:schemeClr val="dk1"/>
+          </a:fillRef>
+          <a:effectRef idx="2">
+            <a:schemeClr val="dk1"/>
+          </a:effectRef>
+          <a:fontRef idx="minor">
+            <a:schemeClr val="tx1"/>
+          </a:fontRef>
+        </p:style>
+      </p:cxnSp>
+      <p:pic>
+        <p:nvPicPr>
+          <p:cNvPr id="25" name="Picture 24">
+            <a:extLst>
+              <a:ext uri="{FF2B5EF4-FFF2-40B4-BE49-F238E27FC236}">
+                <a16:creationId xmlns:a16="http://schemas.microsoft.com/office/drawing/2014/main" id="{BF48ED94-2F7F-ACC5-5B97-FA7BB834006F}"/>
+              </a:ext>
+            </a:extLst>
+          </p:cNvPr>
+          <p:cNvPicPr>
+            <a:picLocks noChangeAspect="1"/>
+          </p:cNvPicPr>
+          <p:nvPr/>
+        </p:nvPicPr>
+        <p:blipFill rotWithShape="1">
+          <a:blip r:embed="rId10"/>
+          <a:srcRect t="57158" r="83763"/>
+          <a:stretch/>
+        </p:blipFill>
+        <p:spPr>
+          <a:xfrm>
+            <a:off x="5061195" y="5712737"/>
+            <a:ext cx="488549" cy="1355449"/>
+          </a:xfrm>
+          <a:prstGeom prst="rect">
+            <a:avLst/>
+          </a:prstGeom>
+        </p:spPr>
+      </p:pic>
+      <p:pic>
+        <p:nvPicPr>
+          <p:cNvPr id="26" name="Picture 25">
+            <a:extLst>
+              <a:ext uri="{FF2B5EF4-FFF2-40B4-BE49-F238E27FC236}">
+                <a16:creationId xmlns:a16="http://schemas.microsoft.com/office/drawing/2014/main" id="{9C0ADBD7-E380-84FC-7EAF-1E34400260B7}"/>
+              </a:ext>
+            </a:extLst>
+          </p:cNvPr>
+          <p:cNvPicPr>
+            <a:picLocks noChangeAspect="1"/>
+          </p:cNvPicPr>
+          <p:nvPr/>
+        </p:nvPicPr>
+        <p:blipFill rotWithShape="1">
+          <a:blip r:embed="rId11"/>
+          <a:srcRect l="19894" r="43347"/>
+          <a:stretch/>
+        </p:blipFill>
+        <p:spPr>
+          <a:xfrm>
+            <a:off x="5507517" y="3901021"/>
+            <a:ext cx="1104707" cy="3163824"/>
+          </a:xfrm>
+          <a:prstGeom prst="rect">
+            <a:avLst/>
+          </a:prstGeom>
+        </p:spPr>
+      </p:pic>
+      <p:pic>
+        <p:nvPicPr>
+          <p:cNvPr id="27" name="Picture 26">
+            <a:extLst>
+              <a:ext uri="{FF2B5EF4-FFF2-40B4-BE49-F238E27FC236}">
+                <a16:creationId xmlns:a16="http://schemas.microsoft.com/office/drawing/2014/main" id="{0583B6DD-FCC8-42C2-BBBE-EA0A50FCF8A1}"/>
+              </a:ext>
+            </a:extLst>
+          </p:cNvPr>
+          <p:cNvPicPr>
+            <a:picLocks noChangeAspect="1"/>
+          </p:cNvPicPr>
+          <p:nvPr/>
+        </p:nvPicPr>
+        <p:blipFill rotWithShape="1">
+          <a:blip r:embed="rId11"/>
+          <a:srcRect l="305" r="83428" b="60086"/>
+          <a:stretch/>
+        </p:blipFill>
+        <p:spPr>
+          <a:xfrm>
+            <a:off x="5060891" y="3901020"/>
+            <a:ext cx="488853" cy="1262803"/>
+          </a:xfrm>
+          <a:prstGeom prst="rect">
+            <a:avLst/>
+          </a:prstGeom>
+        </p:spPr>
+      </p:pic>
+      <p:pic>
+        <p:nvPicPr>
+          <p:cNvPr id="28" name="Picture 27">
+            <a:extLst>
+              <a:ext uri="{FF2B5EF4-FFF2-40B4-BE49-F238E27FC236}">
+                <a16:creationId xmlns:a16="http://schemas.microsoft.com/office/drawing/2014/main" id="{8502F849-1A18-67D5-1CBC-68B154F9289D}"/>
+              </a:ext>
+            </a:extLst>
+          </p:cNvPr>
+          <p:cNvPicPr>
+            <a:picLocks noChangeAspect="1"/>
+          </p:cNvPicPr>
+          <p:nvPr/>
+        </p:nvPicPr>
+        <p:blipFill rotWithShape="1">
+          <a:blip r:embed="rId10"/>
+          <a:srcRect l="21511" r="557"/>
+          <a:stretch/>
+        </p:blipFill>
+        <p:spPr>
+          <a:xfrm>
+            <a:off x="6711805" y="3901995"/>
+            <a:ext cx="2344852" cy="3163824"/>
+          </a:xfrm>
+          <a:prstGeom prst="rect">
+            <a:avLst/>
+          </a:prstGeom>
+        </p:spPr>
+      </p:pic>
+      <p:pic>
+        <p:nvPicPr>
+          <p:cNvPr id="29" name="Picture 28" descr="\documentclass{article}&#10;\usepackage{amsmath}&#10;\pagestyle{empty}&#10;\begin{document}&#10;e-v coupling&#10;&#10;&#10;&#10;\end{document}" title="IguanaTex Bitmap Display">
+            <a:extLst>
+              <a:ext uri="{FF2B5EF4-FFF2-40B4-BE49-F238E27FC236}">
+                <a16:creationId xmlns:a16="http://schemas.microsoft.com/office/drawing/2014/main" id="{76D096BC-8E5E-C002-A641-5608BDC5D9C5}"/>
+              </a:ext>
+            </a:extLst>
+          </p:cNvPr>
+          <p:cNvPicPr>
+            <a:picLocks noChangeAspect="1"/>
+          </p:cNvPicPr>
+          <p:nvPr>
+            <p:custDataLst>
+              <p:tags r:id="rId1"/>
+            </p:custDataLst>
+          </p:nvPr>
+        </p:nvPicPr>
+        <p:blipFill>
+          <a:blip r:embed="rId12">
+            <a:extLst>
+              <a:ext uri="{28A0092B-C50C-407E-A947-70E740481C1C}">
+                <a14:useLocalDpi xmlns:a14="http://schemas.microsoft.com/office/drawing/2010/main" val="0"/>
+              </a:ext>
+            </a:extLst>
+          </a:blip>
+          <a:stretch>
+            <a:fillRect/>
+          </a:stretch>
+        </p:blipFill>
+        <p:spPr>
+          <a:xfrm>
+            <a:off x="811608" y="1964467"/>
+            <a:ext cx="1545195" cy="263426"/>
+          </a:xfrm>
+          <a:prstGeom prst="rect">
+            <a:avLst/>
+          </a:prstGeom>
+        </p:spPr>
+      </p:pic>
+      <p:pic>
+        <p:nvPicPr>
+          <p:cNvPr id="30" name="Picture 29" descr="\documentclass{article}&#10;\usepackage{amsmath}&#10;\pagestyle{empty}&#10;\begin{document}&#10;e-v-x coupling&#10;&#10;&#10;&#10;\end{document}" title="IguanaTex Bitmap Display">
+            <a:extLst>
+              <a:ext uri="{FF2B5EF4-FFF2-40B4-BE49-F238E27FC236}">
+                <a16:creationId xmlns:a16="http://schemas.microsoft.com/office/drawing/2014/main" id="{71BB69CF-8451-EE4D-7A98-F74A2452D021}"/>
+              </a:ext>
+            </a:extLst>
+          </p:cNvPr>
+          <p:cNvPicPr>
+            <a:picLocks noChangeAspect="1"/>
+          </p:cNvPicPr>
+          <p:nvPr>
+            <p:custDataLst>
+              <p:tags r:id="rId2"/>
+            </p:custDataLst>
+          </p:nvPr>
+        </p:nvPicPr>
+        <p:blipFill>
+          <a:blip r:embed="rId13">
+            <a:extLst>
+              <a:ext uri="{28A0092B-C50C-407E-A947-70E740481C1C}">
+                <a14:useLocalDpi xmlns:a14="http://schemas.microsoft.com/office/drawing/2010/main" val="0"/>
+              </a:ext>
+            </a:extLst>
+          </a:blip>
+          <a:stretch>
+            <a:fillRect/>
+          </a:stretch>
+        </p:blipFill>
+        <p:spPr>
+          <a:xfrm>
+            <a:off x="808554" y="5271519"/>
+            <a:ext cx="1545336" cy="226407"/>
+          </a:xfrm>
+          <a:prstGeom prst="rect">
+            <a:avLst/>
+          </a:prstGeom>
+        </p:spPr>
+      </p:pic>
+      <p:pic>
+        <p:nvPicPr>
+          <p:cNvPr id="31" name="Picture 30" descr="\documentclass{article}&#10;\usepackage{amsmath}&#10;\pagestyle{empty}&#10;\begin{document}&#10;$\chi^{(2)}$&#10;&#10;&#10;&#10;\end{document}" title="IguanaTex Bitmap Display">
+            <a:extLst>
+              <a:ext uri="{FF2B5EF4-FFF2-40B4-BE49-F238E27FC236}">
+                <a16:creationId xmlns:a16="http://schemas.microsoft.com/office/drawing/2014/main" id="{D65BFFB7-BB83-1C4C-CCA1-3065B6C6C397}"/>
+              </a:ext>
+            </a:extLst>
+          </p:cNvPr>
+          <p:cNvPicPr>
+            <a:picLocks noChangeAspect="1"/>
+          </p:cNvPicPr>
+          <p:nvPr>
+            <p:custDataLst>
+              <p:tags r:id="rId3"/>
+            </p:custDataLst>
+          </p:nvPr>
+        </p:nvPicPr>
+        <p:blipFill>
+          <a:blip r:embed="rId14">
+            <a:extLst>
+              <a:ext uri="{28A0092B-C50C-407E-A947-70E740481C1C}">
+                <a14:useLocalDpi xmlns:a14="http://schemas.microsoft.com/office/drawing/2010/main" val="0"/>
+              </a:ext>
+            </a:extLst>
+          </a:blip>
+          <a:stretch>
+            <a:fillRect/>
+          </a:stretch>
+        </p:blipFill>
+        <p:spPr>
+          <a:xfrm>
+            <a:off x="3444679" y="30739"/>
+            <a:ext cx="780190" cy="551619"/>
+          </a:xfrm>
+          <a:prstGeom prst="rect">
+            <a:avLst/>
+          </a:prstGeom>
+        </p:spPr>
+      </p:pic>
+      <p:pic>
+        <p:nvPicPr>
+          <p:cNvPr id="32" name="Picture 31" descr="\documentclass{article}&#10;\usepackage{amsmath}&#10;\pagestyle{empty}&#10;\begin{document}&#10;$\chi^{(3)}$&#10;&#10;&#10;&#10;\end{document}" title="IguanaTex Bitmap Display">
+            <a:extLst>
+              <a:ext uri="{FF2B5EF4-FFF2-40B4-BE49-F238E27FC236}">
+                <a16:creationId xmlns:a16="http://schemas.microsoft.com/office/drawing/2014/main" id="{89A9F822-98DE-62D6-2352-13EF762F0018}"/>
+              </a:ext>
+            </a:extLst>
+          </p:cNvPr>
+          <p:cNvPicPr>
+            <a:picLocks noChangeAspect="1"/>
+          </p:cNvPicPr>
+          <p:nvPr>
+            <p:custDataLst>
+              <p:tags r:id="rId4"/>
+            </p:custDataLst>
+          </p:nvPr>
+        </p:nvPicPr>
+        <p:blipFill>
+          <a:blip r:embed="rId15">
+            <a:extLst>
+              <a:ext uri="{28A0092B-C50C-407E-A947-70E740481C1C}">
+                <a14:useLocalDpi xmlns:a14="http://schemas.microsoft.com/office/drawing/2010/main" val="0"/>
+              </a:ext>
+            </a:extLst>
+          </a:blip>
+          <a:stretch>
+            <a:fillRect/>
+          </a:stretch>
+        </p:blipFill>
+        <p:spPr>
+          <a:xfrm>
+            <a:off x="6711805" y="27941"/>
+            <a:ext cx="780190" cy="551619"/>
+          </a:xfrm>
+          <a:prstGeom prst="rect">
+            <a:avLst/>
+          </a:prstGeom>
+        </p:spPr>
+      </p:pic>
+      <p:pic>
+        <p:nvPicPr>
+          <p:cNvPr id="33" name="Picture 32" descr="\documentclass{article}&#10;\usepackage{amsmath}&#10;\pagestyle{empty}&#10;\begin{document}&#10;$\chi^{(5)}$&#10;&#10;&#10;&#10;\end{document}" title="IguanaTex Bitmap Display">
+            <a:extLst>
+              <a:ext uri="{FF2B5EF4-FFF2-40B4-BE49-F238E27FC236}">
+                <a16:creationId xmlns:a16="http://schemas.microsoft.com/office/drawing/2014/main" id="{9059FEC9-07E1-EE2E-457C-067AC75BB37D}"/>
+              </a:ext>
+            </a:extLst>
+          </p:cNvPr>
+          <p:cNvPicPr>
+            <a:picLocks noChangeAspect="1"/>
+          </p:cNvPicPr>
+          <p:nvPr>
+            <p:custDataLst>
+              <p:tags r:id="rId5"/>
+            </p:custDataLst>
+          </p:nvPr>
+        </p:nvPicPr>
+        <p:blipFill>
+          <a:blip r:embed="rId16">
+            <a:extLst>
+              <a:ext uri="{28A0092B-C50C-407E-A947-70E740481C1C}">
+                <a14:useLocalDpi xmlns:a14="http://schemas.microsoft.com/office/drawing/2010/main" val="0"/>
+              </a:ext>
+            </a:extLst>
+          </a:blip>
+          <a:stretch>
+            <a:fillRect/>
+          </a:stretch>
+        </p:blipFill>
+        <p:spPr>
+          <a:xfrm>
+            <a:off x="10369047" y="27941"/>
+            <a:ext cx="780190" cy="551619"/>
+          </a:xfrm>
+          <a:prstGeom prst="rect">
+            <a:avLst/>
+          </a:prstGeom>
+        </p:spPr>
+      </p:pic>
+      <p:pic>
+        <p:nvPicPr>
+          <p:cNvPr id="34" name="Picture 33">
+            <a:extLst>
+              <a:ext uri="{FF2B5EF4-FFF2-40B4-BE49-F238E27FC236}">
+                <a16:creationId xmlns:a16="http://schemas.microsoft.com/office/drawing/2014/main" id="{17F8F2FA-DE62-7428-521A-A74EA4101737}"/>
+              </a:ext>
+            </a:extLst>
+          </p:cNvPr>
+          <p:cNvPicPr>
+            <a:picLocks noChangeAspect="1"/>
+          </p:cNvPicPr>
+          <p:nvPr/>
+        </p:nvPicPr>
+        <p:blipFill rotWithShape="1">
+          <a:blip r:embed="rId17"/>
+          <a:srcRect l="8508" r="70189"/>
+          <a:stretch/>
+        </p:blipFill>
+        <p:spPr>
+          <a:xfrm>
+            <a:off x="9481157" y="3907538"/>
+            <a:ext cx="362414" cy="3163824"/>
+          </a:xfrm>
+          <a:prstGeom prst="rect">
+            <a:avLst/>
+          </a:prstGeom>
+        </p:spPr>
+      </p:pic>
+      <p:cxnSp>
+        <p:nvCxnSpPr>
+          <p:cNvPr id="36" name="Straight Connector 35">
+            <a:extLst>
+              <a:ext uri="{FF2B5EF4-FFF2-40B4-BE49-F238E27FC236}">
+                <a16:creationId xmlns:a16="http://schemas.microsoft.com/office/drawing/2014/main" id="{2AFC931F-99A1-1753-01B4-699D78AAEAF6}"/>
+              </a:ext>
+            </a:extLst>
+          </p:cNvPr>
+          <p:cNvCxnSpPr/>
+          <p:nvPr/>
+        </p:nvCxnSpPr>
+        <p:spPr>
+          <a:xfrm>
+            <a:off x="762943" y="0"/>
+            <a:ext cx="11429057" cy="0"/>
+          </a:xfrm>
+          <a:prstGeom prst="line">
+            <a:avLst/>
+          </a:prstGeom>
+          <a:ln w="28575"/>
+        </p:spPr>
+        <p:style>
+          <a:lnRef idx="2">
+            <a:schemeClr val="dk1"/>
+          </a:lnRef>
+          <a:fillRef idx="0">
+            <a:schemeClr val="dk1"/>
+          </a:fillRef>
+          <a:effectRef idx="1">
+            <a:schemeClr val="dk1"/>
+          </a:effectRef>
+          <a:fontRef idx="minor">
+            <a:schemeClr val="tx1"/>
+          </a:fontRef>
+        </p:style>
+      </p:cxnSp>
+      <p:cxnSp>
+        <p:nvCxnSpPr>
+          <p:cNvPr id="37" name="Straight Connector 36">
+            <a:extLst>
+              <a:ext uri="{FF2B5EF4-FFF2-40B4-BE49-F238E27FC236}">
+                <a16:creationId xmlns:a16="http://schemas.microsoft.com/office/drawing/2014/main" id="{BE696B8D-246E-9C67-894D-76CD58FD281C}"/>
+              </a:ext>
+            </a:extLst>
+          </p:cNvPr>
+          <p:cNvCxnSpPr>
+            <a:cxnSpLocks/>
+          </p:cNvCxnSpPr>
+          <p:nvPr/>
+        </p:nvCxnSpPr>
+        <p:spPr>
+          <a:xfrm>
+            <a:off x="12192000" y="-8792"/>
+            <a:ext cx="0" cy="7088946"/>
+          </a:xfrm>
+          <a:prstGeom prst="line">
+            <a:avLst/>
+          </a:prstGeom>
+          <a:ln/>
+        </p:spPr>
+        <p:style>
+          <a:lnRef idx="3">
+            <a:schemeClr val="dk1"/>
+          </a:lnRef>
+          <a:fillRef idx="0">
+            <a:schemeClr val="dk1"/>
+          </a:fillRef>
+          <a:effectRef idx="2">
+            <a:schemeClr val="dk1"/>
+          </a:effectRef>
+          <a:fontRef idx="minor">
+            <a:schemeClr val="tx1"/>
+          </a:fontRef>
+        </p:style>
+      </p:cxnSp>
+      <p:pic>
+        <p:nvPicPr>
+          <p:cNvPr id="42" name="Picture 41">
+            <a:extLst>
+              <a:ext uri="{FF2B5EF4-FFF2-40B4-BE49-F238E27FC236}">
+                <a16:creationId xmlns:a16="http://schemas.microsoft.com/office/drawing/2014/main" id="{C9190273-B60A-4634-DE65-8FFAAF54685E}"/>
+              </a:ext>
+            </a:extLst>
+          </p:cNvPr>
+          <p:cNvPicPr>
+            <a:picLocks noChangeAspect="1"/>
+          </p:cNvPicPr>
+          <p:nvPr/>
+        </p:nvPicPr>
+        <p:blipFill rotWithShape="1">
+          <a:blip r:embed="rId18"/>
+          <a:srcRect l="5069" t="56483" r="86336" b="7011"/>
+          <a:stretch/>
+        </p:blipFill>
+        <p:spPr>
+          <a:xfrm>
+            <a:off x="5138105" y="5712737"/>
+            <a:ext cx="278004" cy="1154973"/>
+          </a:xfrm>
+          <a:prstGeom prst="rect">
+            <a:avLst/>
+          </a:prstGeom>
+        </p:spPr>
+      </p:pic>
+      <p:pic>
+        <p:nvPicPr>
+          <p:cNvPr id="43" name="Picture 42">
+            <a:extLst>
+              <a:ext uri="{FF2B5EF4-FFF2-40B4-BE49-F238E27FC236}">
+                <a16:creationId xmlns:a16="http://schemas.microsoft.com/office/drawing/2014/main" id="{BB64ACE1-51A8-6626-2DE3-1AFD8670EA1E}"/>
+              </a:ext>
+            </a:extLst>
+          </p:cNvPr>
+          <p:cNvPicPr>
+            <a:picLocks noChangeAspect="1"/>
+          </p:cNvPicPr>
+          <p:nvPr/>
+        </p:nvPicPr>
+        <p:blipFill rotWithShape="1">
+          <a:blip r:embed="rId18"/>
+          <a:srcRect l="4421" t="7837" r="86083" b="66596"/>
+          <a:stretch/>
+        </p:blipFill>
+        <p:spPr>
+          <a:xfrm>
+            <a:off x="5156050" y="4284906"/>
+            <a:ext cx="307156" cy="808891"/>
+          </a:xfrm>
+          <a:prstGeom prst="rect">
+            <a:avLst/>
+          </a:prstGeom>
+        </p:spPr>
+      </p:pic>
+      <p:pic>
+        <p:nvPicPr>
+          <p:cNvPr id="49" name="Picture 48">
+            <a:extLst>
+              <a:ext uri="{FF2B5EF4-FFF2-40B4-BE49-F238E27FC236}">
+                <a16:creationId xmlns:a16="http://schemas.microsoft.com/office/drawing/2014/main" id="{78504EF0-C84B-BF49-E165-BE824CA768ED}"/>
+              </a:ext>
+            </a:extLst>
+          </p:cNvPr>
+          <p:cNvPicPr>
+            <a:picLocks noChangeAspect="1"/>
+          </p:cNvPicPr>
+          <p:nvPr/>
+        </p:nvPicPr>
+        <p:blipFill rotWithShape="1">
+          <a:blip r:embed="rId19"/>
+          <a:srcRect l="22888" r="9197"/>
+          <a:stretch/>
+        </p:blipFill>
+        <p:spPr>
+          <a:xfrm>
+            <a:off x="7941344" y="688357"/>
+            <a:ext cx="1188784" cy="3163824"/>
+          </a:xfrm>
+          <a:prstGeom prst="rect">
+            <a:avLst/>
+          </a:prstGeom>
+        </p:spPr>
+      </p:pic>
+      <p:pic>
+        <p:nvPicPr>
+          <p:cNvPr id="51" name="Picture 50">
+            <a:extLst>
+              <a:ext uri="{FF2B5EF4-FFF2-40B4-BE49-F238E27FC236}">
+                <a16:creationId xmlns:a16="http://schemas.microsoft.com/office/drawing/2014/main" id="{562436AD-EB83-9EE7-A856-54089F7E037F}"/>
+              </a:ext>
+            </a:extLst>
+          </p:cNvPr>
+          <p:cNvPicPr>
+            <a:picLocks noChangeAspect="1"/>
+          </p:cNvPicPr>
+          <p:nvPr/>
+        </p:nvPicPr>
+        <p:blipFill rotWithShape="1">
+          <a:blip r:embed="rId20"/>
+          <a:srcRect l="3634" r="88568"/>
+          <a:stretch/>
+        </p:blipFill>
+        <p:spPr>
+          <a:xfrm>
+            <a:off x="2711314" y="679019"/>
+            <a:ext cx="233324" cy="3163824"/>
+          </a:xfrm>
+          <a:prstGeom prst="rect">
+            <a:avLst/>
+          </a:prstGeom>
+        </p:spPr>
+      </p:pic>
+      <p:pic>
+        <p:nvPicPr>
+          <p:cNvPr id="52" name="Picture 51">
+            <a:extLst>
+              <a:ext uri="{FF2B5EF4-FFF2-40B4-BE49-F238E27FC236}">
+                <a16:creationId xmlns:a16="http://schemas.microsoft.com/office/drawing/2014/main" id="{E1065491-121E-A853-7B22-23A834AA5AC9}"/>
+              </a:ext>
+            </a:extLst>
+          </p:cNvPr>
+          <p:cNvPicPr>
+            <a:picLocks noChangeAspect="1"/>
+          </p:cNvPicPr>
+          <p:nvPr/>
+        </p:nvPicPr>
+        <p:blipFill rotWithShape="1">
+          <a:blip r:embed="rId20"/>
+          <a:srcRect l="20691" r="52609"/>
+          <a:stretch/>
+        </p:blipFill>
+        <p:spPr>
+          <a:xfrm>
+            <a:off x="2986069" y="674009"/>
+            <a:ext cx="798886" cy="3163824"/>
+          </a:xfrm>
+          <a:prstGeom prst="rect">
+            <a:avLst/>
+          </a:prstGeom>
+        </p:spPr>
+      </p:pic>
+      <p:pic>
+        <p:nvPicPr>
+          <p:cNvPr id="53" name="Picture 52">
+            <a:extLst>
+              <a:ext uri="{FF2B5EF4-FFF2-40B4-BE49-F238E27FC236}">
+                <a16:creationId xmlns:a16="http://schemas.microsoft.com/office/drawing/2014/main" id="{193EFCD2-5272-BC79-061F-4C57D7D29FA9}"/>
+              </a:ext>
+            </a:extLst>
+          </p:cNvPr>
+          <p:cNvPicPr>
+            <a:picLocks noChangeAspect="1"/>
+          </p:cNvPicPr>
+          <p:nvPr/>
+        </p:nvPicPr>
+        <p:blipFill rotWithShape="1">
+          <a:blip r:embed="rId20"/>
+          <a:srcRect l="60434" r="12866"/>
+          <a:stretch/>
+        </p:blipFill>
+        <p:spPr>
+          <a:xfrm>
+            <a:off x="3896775" y="669621"/>
+            <a:ext cx="798886" cy="3163824"/>
+          </a:xfrm>
+          <a:prstGeom prst="rect">
+            <a:avLst/>
+          </a:prstGeom>
+        </p:spPr>
+      </p:pic>
+      <p:pic>
+        <p:nvPicPr>
+          <p:cNvPr id="54" name="Picture 53">
+            <a:extLst>
+              <a:ext uri="{FF2B5EF4-FFF2-40B4-BE49-F238E27FC236}">
+                <a16:creationId xmlns:a16="http://schemas.microsoft.com/office/drawing/2014/main" id="{5F167C12-EC4B-2EF8-87DC-CCE4314EE6CE}"/>
+              </a:ext>
+            </a:extLst>
+          </p:cNvPr>
+          <p:cNvPicPr>
+            <a:picLocks noChangeAspect="1"/>
+          </p:cNvPicPr>
+          <p:nvPr/>
+        </p:nvPicPr>
+        <p:blipFill rotWithShape="1">
+          <a:blip r:embed="rId20"/>
+          <a:srcRect l="20691" r="52609" b="87236"/>
+          <a:stretch/>
+        </p:blipFill>
+        <p:spPr>
+          <a:xfrm>
+            <a:off x="2872356" y="676191"/>
+            <a:ext cx="798886" cy="403832"/>
+          </a:xfrm>
+          <a:prstGeom prst="rect">
+            <a:avLst/>
+          </a:prstGeom>
+        </p:spPr>
+      </p:pic>
+      <p:pic>
+        <p:nvPicPr>
+          <p:cNvPr id="56" name="Picture 55">
+            <a:extLst>
+              <a:ext uri="{FF2B5EF4-FFF2-40B4-BE49-F238E27FC236}">
+                <a16:creationId xmlns:a16="http://schemas.microsoft.com/office/drawing/2014/main" id="{AB887B33-4405-6970-FCD7-BA549E3BFC09}"/>
+              </a:ext>
+            </a:extLst>
+          </p:cNvPr>
+          <p:cNvPicPr>
+            <a:picLocks noChangeAspect="1"/>
+          </p:cNvPicPr>
+          <p:nvPr/>
+        </p:nvPicPr>
+        <p:blipFill rotWithShape="1">
+          <a:blip r:embed="rId20"/>
+          <a:srcRect l="60434" r="12866" b="87730"/>
+          <a:stretch/>
+        </p:blipFill>
+        <p:spPr>
+          <a:xfrm>
+            <a:off x="3792111" y="676744"/>
+            <a:ext cx="798886" cy="388209"/>
+          </a:xfrm>
+          <a:prstGeom prst="rect">
+            <a:avLst/>
+          </a:prstGeom>
+        </p:spPr>
+      </p:pic>
+      <p:sp>
+        <p:nvSpPr>
+          <p:cNvPr id="57" name="Rectangle 56">
+            <a:extLst>
+              <a:ext uri="{FF2B5EF4-FFF2-40B4-BE49-F238E27FC236}">
+                <a16:creationId xmlns:a16="http://schemas.microsoft.com/office/drawing/2014/main" id="{A8953EE2-0EBB-1292-5148-88400F93DE84}"/>
+              </a:ext>
+            </a:extLst>
+          </p:cNvPr>
+          <p:cNvSpPr/>
+          <p:nvPr/>
+        </p:nvSpPr>
+        <p:spPr>
+          <a:xfrm>
+            <a:off x="3671242" y="782515"/>
+            <a:ext cx="87050" cy="193431"/>
+          </a:xfrm>
+          <a:prstGeom prst="rect">
+            <a:avLst/>
+          </a:prstGeom>
+          <a:solidFill>
+            <a:schemeClr val="bg1"/>
+          </a:solidFill>
+          <a:ln>
+            <a:noFill/>
+          </a:ln>
+        </p:spPr>
+        <p:style>
+          <a:lnRef idx="2">
+            <a:schemeClr val="accent1">
+              <a:shade val="50000"/>
+            </a:schemeClr>
+          </a:lnRef>
+          <a:fillRef idx="1">
+            <a:schemeClr val="accent1"/>
+          </a:fillRef>
+          <a:effectRef idx="0">
+            <a:schemeClr val="accent1"/>
+          </a:effectRef>
+          <a:fontRef idx="minor">
+            <a:schemeClr val="lt1"/>
+          </a:fontRef>
+        </p:style>
+        <p:txBody>
+          <a:bodyPr rtlCol="0" anchor="ctr"/>
+          <a:lstStyle/>
+          <a:p>
+            <a:pPr algn="ctr"/>
+            <a:endParaRPr lang="en-US"/>
+          </a:p>
+        </p:txBody>
+      </p:sp>
+      <p:sp>
+        <p:nvSpPr>
+          <p:cNvPr id="58" name="Rectangle 57">
+            <a:extLst>
+              <a:ext uri="{FF2B5EF4-FFF2-40B4-BE49-F238E27FC236}">
+                <a16:creationId xmlns:a16="http://schemas.microsoft.com/office/drawing/2014/main" id="{3B24F31D-50D1-01C9-851D-49FAC54BC24E}"/>
+              </a:ext>
+            </a:extLst>
+          </p:cNvPr>
+          <p:cNvSpPr/>
+          <p:nvPr/>
+        </p:nvSpPr>
+        <p:spPr>
+          <a:xfrm>
+            <a:off x="4579374" y="741484"/>
+            <a:ext cx="87050" cy="193431"/>
+          </a:xfrm>
+          <a:prstGeom prst="rect">
+            <a:avLst/>
+          </a:prstGeom>
+          <a:solidFill>
+            <a:schemeClr val="bg1"/>
+          </a:solidFill>
+          <a:ln>
+            <a:noFill/>
+          </a:ln>
+        </p:spPr>
+        <p:style>
+          <a:lnRef idx="2">
+            <a:schemeClr val="accent1">
+              <a:shade val="50000"/>
+            </a:schemeClr>
+          </a:lnRef>
+          <a:fillRef idx="1">
+            <a:schemeClr val="accent1"/>
+          </a:fillRef>
+          <a:effectRef idx="0">
+            <a:schemeClr val="accent1"/>
+          </a:effectRef>
+          <a:fontRef idx="minor">
+            <a:schemeClr val="lt1"/>
+          </a:fontRef>
+        </p:style>
+        <p:txBody>
+          <a:bodyPr rtlCol="0" anchor="ctr"/>
+          <a:lstStyle/>
+          <a:p>
+            <a:pPr algn="ctr"/>
+            <a:endParaRPr lang="en-US"/>
+          </a:p>
+        </p:txBody>
+      </p:sp>
+      <p:pic>
+        <p:nvPicPr>
+          <p:cNvPr id="61" name="Picture 60">
+            <a:extLst>
+              <a:ext uri="{FF2B5EF4-FFF2-40B4-BE49-F238E27FC236}">
+                <a16:creationId xmlns:a16="http://schemas.microsoft.com/office/drawing/2014/main" id="{26B3E7D2-90A2-4503-6B34-58844056B442}"/>
+              </a:ext>
+            </a:extLst>
+          </p:cNvPr>
+          <p:cNvPicPr>
+            <a:picLocks noChangeAspect="1"/>
+          </p:cNvPicPr>
+          <p:nvPr/>
+        </p:nvPicPr>
+        <p:blipFill rotWithShape="1">
+          <a:blip r:embed="rId21"/>
+          <a:srcRect l="29926" r="7082"/>
+          <a:stretch/>
+        </p:blipFill>
+        <p:spPr>
+          <a:xfrm>
+            <a:off x="9803059" y="3916330"/>
+            <a:ext cx="1087474" cy="3163824"/>
+          </a:xfrm>
+          <a:prstGeom prst="rect">
+            <a:avLst/>
+          </a:prstGeom>
+        </p:spPr>
+      </p:pic>
+      <p:cxnSp>
+        <p:nvCxnSpPr>
+          <p:cNvPr id="38" name="Straight Connector 37">
+            <a:extLst>
+              <a:ext uri="{FF2B5EF4-FFF2-40B4-BE49-F238E27FC236}">
+                <a16:creationId xmlns:a16="http://schemas.microsoft.com/office/drawing/2014/main" id="{F4EE991C-6879-FBDE-1306-E03D08C738F4}"/>
+              </a:ext>
+            </a:extLst>
+          </p:cNvPr>
+          <p:cNvCxnSpPr>
+            <a:cxnSpLocks/>
+          </p:cNvCxnSpPr>
+          <p:nvPr/>
+        </p:nvCxnSpPr>
+        <p:spPr>
+          <a:xfrm flipH="1">
+            <a:off x="762943" y="7080154"/>
+            <a:ext cx="11429057" cy="0"/>
+          </a:xfrm>
+          <a:prstGeom prst="line">
+            <a:avLst/>
+          </a:prstGeom>
+          <a:ln w="28575">
+            <a:solidFill>
+              <a:schemeClr val="tx1"/>
+            </a:solidFill>
+          </a:ln>
+        </p:spPr>
+        <p:style>
+          <a:lnRef idx="2">
+            <a:schemeClr val="dk1"/>
+          </a:lnRef>
+          <a:fillRef idx="0">
+            <a:schemeClr val="dk1"/>
+          </a:fillRef>
+          <a:effectRef idx="1">
+            <a:schemeClr val="dk1"/>
+          </a:effectRef>
+          <a:fontRef idx="minor">
+            <a:schemeClr val="tx1"/>
+          </a:fontRef>
+        </p:style>
+      </p:cxnSp>
+      <p:cxnSp>
+        <p:nvCxnSpPr>
+          <p:cNvPr id="39" name="Straight Connector 38">
+            <a:extLst>
+              <a:ext uri="{FF2B5EF4-FFF2-40B4-BE49-F238E27FC236}">
+                <a16:creationId xmlns:a16="http://schemas.microsoft.com/office/drawing/2014/main" id="{75109762-4DDA-D43D-01FF-47B9F56EBC83}"/>
+              </a:ext>
+            </a:extLst>
+          </p:cNvPr>
+          <p:cNvCxnSpPr>
+            <a:cxnSpLocks/>
+          </p:cNvCxnSpPr>
+          <p:nvPr/>
+        </p:nvCxnSpPr>
+        <p:spPr>
+          <a:xfrm>
+            <a:off x="5036722" y="604296"/>
+            <a:ext cx="0" cy="3291840"/>
+          </a:xfrm>
+          <a:prstGeom prst="line">
+            <a:avLst/>
+          </a:prstGeom>
+          <a:ln w="38100">
+            <a:solidFill>
+              <a:srgbClr val="FF0000"/>
+            </a:solidFill>
+          </a:ln>
+        </p:spPr>
+        <p:style>
+          <a:lnRef idx="2">
+            <a:schemeClr val="accent1"/>
+          </a:lnRef>
+          <a:fillRef idx="0">
+            <a:schemeClr val="accent1"/>
+          </a:fillRef>
+          <a:effectRef idx="1">
+            <a:schemeClr val="accent1"/>
+          </a:effectRef>
+          <a:fontRef idx="minor">
+            <a:schemeClr val="tx1"/>
+          </a:fontRef>
+        </p:style>
+      </p:cxnSp>
+      <p:cxnSp>
+        <p:nvCxnSpPr>
+          <p:cNvPr id="40" name="Straight Connector 39">
+            <a:extLst>
+              <a:ext uri="{FF2B5EF4-FFF2-40B4-BE49-F238E27FC236}">
+                <a16:creationId xmlns:a16="http://schemas.microsoft.com/office/drawing/2014/main" id="{631B65FF-72BF-A127-F92B-64BE1AA3C4ED}"/>
+              </a:ext>
+            </a:extLst>
+          </p:cNvPr>
+          <p:cNvCxnSpPr/>
+          <p:nvPr/>
+        </p:nvCxnSpPr>
+        <p:spPr>
+          <a:xfrm>
+            <a:off x="9174089" y="611358"/>
+            <a:ext cx="0" cy="3291840"/>
+          </a:xfrm>
+          <a:prstGeom prst="line">
+            <a:avLst/>
+          </a:prstGeom>
+          <a:ln w="38100">
+            <a:solidFill>
+              <a:srgbClr val="FF0000"/>
+            </a:solidFill>
+          </a:ln>
+        </p:spPr>
+        <p:style>
+          <a:lnRef idx="2">
+            <a:schemeClr val="accent1"/>
+          </a:lnRef>
+          <a:fillRef idx="0">
+            <a:schemeClr val="accent1"/>
+          </a:fillRef>
+          <a:effectRef idx="1">
+            <a:schemeClr val="accent1"/>
+          </a:effectRef>
+          <a:fontRef idx="minor">
+            <a:schemeClr val="tx1"/>
+          </a:fontRef>
+        </p:style>
+      </p:cxnSp>
+      <p:cxnSp>
+        <p:nvCxnSpPr>
+          <p:cNvPr id="41" name="Straight Connector 40">
+            <a:extLst>
+              <a:ext uri="{FF2B5EF4-FFF2-40B4-BE49-F238E27FC236}">
+                <a16:creationId xmlns:a16="http://schemas.microsoft.com/office/drawing/2014/main" id="{B0A30FD0-CA0A-0469-CB3F-E4F732B307D3}"/>
+              </a:ext>
+            </a:extLst>
+          </p:cNvPr>
+          <p:cNvCxnSpPr>
+            <a:cxnSpLocks/>
+          </p:cNvCxnSpPr>
+          <p:nvPr/>
+        </p:nvCxnSpPr>
+        <p:spPr>
+          <a:xfrm flipH="1">
+            <a:off x="5038523" y="630784"/>
+            <a:ext cx="4135566" cy="0"/>
+          </a:xfrm>
+          <a:prstGeom prst="line">
+            <a:avLst/>
+          </a:prstGeom>
+          <a:ln w="38100">
+            <a:solidFill>
+              <a:srgbClr val="FF0000"/>
+            </a:solidFill>
+          </a:ln>
+        </p:spPr>
+        <p:style>
+          <a:lnRef idx="2">
+            <a:schemeClr val="accent1"/>
+          </a:lnRef>
+          <a:fillRef idx="0">
+            <a:schemeClr val="accent1"/>
+          </a:fillRef>
+          <a:effectRef idx="1">
+            <a:schemeClr val="accent1"/>
+          </a:effectRef>
+          <a:fontRef idx="minor">
+            <a:schemeClr val="tx1"/>
+          </a:fontRef>
+        </p:style>
+      </p:cxnSp>
+      <p:cxnSp>
+        <p:nvCxnSpPr>
+          <p:cNvPr id="44" name="Straight Connector 43">
+            <a:extLst>
+              <a:ext uri="{FF2B5EF4-FFF2-40B4-BE49-F238E27FC236}">
+                <a16:creationId xmlns:a16="http://schemas.microsoft.com/office/drawing/2014/main" id="{60BDA44C-6624-3C3A-6DFD-14C9046DB2A3}"/>
+              </a:ext>
+            </a:extLst>
+          </p:cNvPr>
+          <p:cNvCxnSpPr>
+            <a:cxnSpLocks/>
+          </p:cNvCxnSpPr>
+          <p:nvPr/>
+        </p:nvCxnSpPr>
+        <p:spPr>
+          <a:xfrm>
+            <a:off x="5038523" y="3874644"/>
+            <a:ext cx="4135566" cy="0"/>
+          </a:xfrm>
+          <a:prstGeom prst="line">
+            <a:avLst/>
+          </a:prstGeom>
+          <a:ln w="38100">
+            <a:solidFill>
+              <a:srgbClr val="FF0000"/>
+            </a:solidFill>
+          </a:ln>
+        </p:spPr>
+        <p:style>
+          <a:lnRef idx="2">
+            <a:schemeClr val="accent1"/>
+          </a:lnRef>
+          <a:fillRef idx="0">
+            <a:schemeClr val="accent1"/>
+          </a:fillRef>
+          <a:effectRef idx="1">
+            <a:schemeClr val="accent1"/>
+          </a:effectRef>
+          <a:fontRef idx="minor">
+            <a:schemeClr val="tx1"/>
+          </a:fontRef>
+        </p:style>
+      </p:cxnSp>
+      <p:sp>
+        <p:nvSpPr>
+          <p:cNvPr id="2" name="Rectangle 1">
+            <a:extLst>
+              <a:ext uri="{FF2B5EF4-FFF2-40B4-BE49-F238E27FC236}">
+                <a16:creationId xmlns:a16="http://schemas.microsoft.com/office/drawing/2014/main" id="{DEA501B8-8121-7A6B-4518-9704E8317B9F}"/>
+              </a:ext>
+            </a:extLst>
+          </p:cNvPr>
+          <p:cNvSpPr/>
+          <p:nvPr/>
+        </p:nvSpPr>
+        <p:spPr>
+          <a:xfrm>
+            <a:off x="5156050" y="1964467"/>
+            <a:ext cx="341661" cy="310706"/>
+          </a:xfrm>
+          <a:prstGeom prst="rect">
+            <a:avLst/>
+          </a:prstGeom>
+          <a:solidFill>
+            <a:schemeClr val="bg1"/>
+          </a:solidFill>
+          <a:ln>
+            <a:solidFill>
+              <a:schemeClr val="bg1"/>
+            </a:solidFill>
+          </a:ln>
+        </p:spPr>
+        <p:style>
+          <a:lnRef idx="2">
+            <a:schemeClr val="accent1">
+              <a:shade val="50000"/>
+            </a:schemeClr>
+          </a:lnRef>
+          <a:fillRef idx="1">
+            <a:schemeClr val="accent1"/>
+          </a:fillRef>
+          <a:effectRef idx="0">
+            <a:schemeClr val="accent1"/>
+          </a:effectRef>
+          <a:fontRef idx="minor">
+            <a:schemeClr val="lt1"/>
+          </a:fontRef>
+        </p:style>
+        <p:txBody>
+          <a:bodyPr rtlCol="0" anchor="ctr"/>
+          <a:lstStyle/>
+          <a:p>
+            <a:pPr algn="ctr"/>
+            <a:endParaRPr lang="en-US"/>
+          </a:p>
+        </p:txBody>
+      </p:sp>
+      <p:sp>
+        <p:nvSpPr>
+          <p:cNvPr id="45" name="Rectangle 44">
+            <a:extLst>
+              <a:ext uri="{FF2B5EF4-FFF2-40B4-BE49-F238E27FC236}">
+                <a16:creationId xmlns:a16="http://schemas.microsoft.com/office/drawing/2014/main" id="{2AE3A40A-4F4D-6411-63CF-69B1804CCF0E}"/>
+              </a:ext>
+            </a:extLst>
+          </p:cNvPr>
+          <p:cNvSpPr/>
+          <p:nvPr/>
+        </p:nvSpPr>
+        <p:spPr>
+          <a:xfrm>
+            <a:off x="9993617" y="1917187"/>
+            <a:ext cx="341661" cy="310706"/>
+          </a:xfrm>
+          <a:prstGeom prst="rect">
+            <a:avLst/>
+          </a:prstGeom>
+          <a:solidFill>
+            <a:schemeClr val="bg1"/>
+          </a:solidFill>
+          <a:ln>
+            <a:solidFill>
+              <a:schemeClr val="bg1"/>
+            </a:solidFill>
+          </a:ln>
+        </p:spPr>
+        <p:style>
+          <a:lnRef idx="2">
+            <a:schemeClr val="accent1">
+              <a:shade val="50000"/>
+            </a:schemeClr>
+          </a:lnRef>
+          <a:fillRef idx="1">
+            <a:schemeClr val="accent1"/>
+          </a:fillRef>
+          <a:effectRef idx="0">
+            <a:schemeClr val="accent1"/>
+          </a:effectRef>
+          <a:fontRef idx="minor">
+            <a:schemeClr val="lt1"/>
+          </a:fontRef>
+        </p:style>
+        <p:txBody>
+          <a:bodyPr rtlCol="0" anchor="ctr"/>
+          <a:lstStyle/>
+          <a:p>
+            <a:pPr algn="ctr"/>
+            <a:endParaRPr lang="en-US"/>
+          </a:p>
+        </p:txBody>
+      </p:sp>
+      <p:sp>
+        <p:nvSpPr>
+          <p:cNvPr id="46" name="Rectangle 45">
+            <a:extLst>
+              <a:ext uri="{FF2B5EF4-FFF2-40B4-BE49-F238E27FC236}">
+                <a16:creationId xmlns:a16="http://schemas.microsoft.com/office/drawing/2014/main" id="{60DBE1A7-3AD5-67D8-564C-E0318065CD50}"/>
+              </a:ext>
+            </a:extLst>
+          </p:cNvPr>
+          <p:cNvSpPr/>
+          <p:nvPr/>
+        </p:nvSpPr>
+        <p:spPr>
+          <a:xfrm>
+            <a:off x="9422225" y="5213791"/>
+            <a:ext cx="341661" cy="310706"/>
+          </a:xfrm>
+          <a:prstGeom prst="rect">
+            <a:avLst/>
+          </a:prstGeom>
+          <a:solidFill>
+            <a:schemeClr val="bg1"/>
+          </a:solidFill>
+          <a:ln>
+            <a:solidFill>
+              <a:schemeClr val="bg1"/>
+            </a:solidFill>
+          </a:ln>
+        </p:spPr>
+        <p:style>
+          <a:lnRef idx="2">
+            <a:schemeClr val="accent1">
+              <a:shade val="50000"/>
+            </a:schemeClr>
+          </a:lnRef>
+          <a:fillRef idx="1">
+            <a:schemeClr val="accent1"/>
+          </a:fillRef>
+          <a:effectRef idx="0">
+            <a:schemeClr val="accent1"/>
+          </a:effectRef>
+          <a:fontRef idx="minor">
+            <a:schemeClr val="lt1"/>
+          </a:fontRef>
+        </p:style>
+        <p:txBody>
+          <a:bodyPr rtlCol="0" anchor="ctr"/>
+          <a:lstStyle/>
+          <a:p>
+            <a:pPr algn="ctr"/>
+            <a:endParaRPr lang="en-US"/>
+          </a:p>
+        </p:txBody>
+      </p:sp>
+    </p:spTree>
+    <p:extLst>
+      <p:ext uri="{BB962C8B-B14F-4D97-AF65-F5344CB8AC3E}">
+        <p14:creationId xmlns:p14="http://schemas.microsoft.com/office/powerpoint/2010/main" val="325474094"/>
       </p:ext>
     </p:extLst>
   </p:cSld>
@@ -4964,151 +6429,12 @@
           <a:chExt cx="0" cy="0"/>
         </a:xfrm>
       </p:grpSpPr>
-      <p:sp>
-        <p:nvSpPr>
-          <p:cNvPr id="14" name="Rectangle 13">
-            <a:extLst>
-              <a:ext uri="{FF2B5EF4-FFF2-40B4-BE49-F238E27FC236}">
-                <a16:creationId xmlns:a16="http://schemas.microsoft.com/office/drawing/2014/main" id="{9666CDA2-3022-EC0E-E727-8867ABEDFF91}"/>
-              </a:ext>
-            </a:extLst>
-          </p:cNvPr>
-          <p:cNvSpPr/>
-          <p:nvPr/>
-        </p:nvSpPr>
-        <p:spPr>
-          <a:xfrm>
-            <a:off x="749857" y="-26377"/>
-            <a:ext cx="11442143" cy="7097739"/>
-          </a:xfrm>
-          <a:prstGeom prst="rect">
-            <a:avLst/>
-          </a:prstGeom>
-          <a:solidFill>
-            <a:schemeClr val="bg1"/>
-          </a:solidFill>
-          <a:ln>
-            <a:noFill/>
-          </a:ln>
-        </p:spPr>
-        <p:style>
-          <a:lnRef idx="2">
-            <a:schemeClr val="accent1">
-              <a:shade val="50000"/>
-            </a:schemeClr>
-          </a:lnRef>
-          <a:fillRef idx="1">
-            <a:schemeClr val="accent1"/>
-          </a:fillRef>
-          <a:effectRef idx="0">
-            <a:schemeClr val="accent1"/>
-          </a:effectRef>
-          <a:fontRef idx="minor">
-            <a:schemeClr val="lt1"/>
-          </a:fontRef>
-        </p:style>
-        <p:txBody>
-          <a:bodyPr rtlCol="0" anchor="ctr"/>
-          <a:lstStyle/>
-          <a:p>
-            <a:pPr algn="ctr"/>
-            <a:endParaRPr lang="en-US">
-              <a:ln>
-                <a:solidFill>
-                  <a:schemeClr val="bg1"/>
-                </a:solidFill>
-              </a:ln>
-              <a:solidFill>
-                <a:schemeClr val="bg1"/>
-              </a:solidFill>
-            </a:endParaRPr>
-          </a:p>
-        </p:txBody>
-      </p:sp>
-      <p:cxnSp>
-        <p:nvCxnSpPr>
-          <p:cNvPr id="15" name="Straight Connector 14">
-            <a:extLst>
-              <a:ext uri="{FF2B5EF4-FFF2-40B4-BE49-F238E27FC236}">
-                <a16:creationId xmlns:a16="http://schemas.microsoft.com/office/drawing/2014/main" id="{BAD74419-5D78-224C-4266-B531AE9EF3AE}"/>
-              </a:ext>
-            </a:extLst>
-          </p:cNvPr>
-          <p:cNvCxnSpPr>
-            <a:cxnSpLocks/>
-          </p:cNvCxnSpPr>
-          <p:nvPr/>
-        </p:nvCxnSpPr>
-        <p:spPr>
-          <a:xfrm>
-            <a:off x="5038523" y="0"/>
-            <a:ext cx="0" cy="7080154"/>
-          </a:xfrm>
-          <a:prstGeom prst="line">
-            <a:avLst/>
-          </a:prstGeom>
-          <a:ln/>
-        </p:spPr>
-        <p:style>
-          <a:lnRef idx="3">
-            <a:schemeClr val="dk1"/>
-          </a:lnRef>
-          <a:fillRef idx="0">
-            <a:schemeClr val="dk1"/>
-          </a:fillRef>
-          <a:effectRef idx="2">
-            <a:schemeClr val="dk1"/>
-          </a:effectRef>
-          <a:fontRef idx="minor">
-            <a:schemeClr val="tx1"/>
-          </a:fontRef>
-        </p:style>
-      </p:cxnSp>
-      <p:cxnSp>
-        <p:nvCxnSpPr>
-          <p:cNvPr id="17" name="Straight Connector 16">
-            <a:extLst>
-              <a:ext uri="{FF2B5EF4-FFF2-40B4-BE49-F238E27FC236}">
-                <a16:creationId xmlns:a16="http://schemas.microsoft.com/office/drawing/2014/main" id="{186ECEC7-B345-DE56-1D1B-9CD773FD91D9}"/>
-              </a:ext>
-            </a:extLst>
-          </p:cNvPr>
-          <p:cNvCxnSpPr>
-            <a:cxnSpLocks/>
-          </p:cNvCxnSpPr>
-          <p:nvPr/>
-        </p:nvCxnSpPr>
-        <p:spPr>
-          <a:xfrm>
-            <a:off x="9165297" y="0"/>
-            <a:ext cx="0" cy="7071362"/>
-          </a:xfrm>
-          <a:prstGeom prst="line">
-            <a:avLst/>
-          </a:prstGeom>
-          <a:ln/>
-        </p:spPr>
-        <p:style>
-          <a:lnRef idx="3">
-            <a:schemeClr val="dk1"/>
-          </a:lnRef>
-          <a:fillRef idx="0">
-            <a:schemeClr val="dk1"/>
-          </a:fillRef>
-          <a:effectRef idx="2">
-            <a:schemeClr val="dk1"/>
-          </a:effectRef>
-          <a:fontRef idx="minor">
-            <a:schemeClr val="tx1"/>
-          </a:fontRef>
-        </p:style>
-      </p:cxnSp>
       <p:pic>
         <p:nvPicPr>
-          <p:cNvPr id="18" name="Picture 17">
-            <a:extLst>
-              <a:ext uri="{FF2B5EF4-FFF2-40B4-BE49-F238E27FC236}">
-                <a16:creationId xmlns:a16="http://schemas.microsoft.com/office/drawing/2014/main" id="{3C490C27-FB8D-54B8-294A-D176B6F2F9ED}"/>
+          <p:cNvPr id="11" name="Picture 10">
+            <a:extLst>
+              <a:ext uri="{FF2B5EF4-FFF2-40B4-BE49-F238E27FC236}">
+                <a16:creationId xmlns:a16="http://schemas.microsoft.com/office/drawing/2014/main" id="{13EBC111-6D6E-76E9-2D5E-46A2EB5811AB}"/>
               </a:ext>
             </a:extLst>
           </p:cNvPr>
@@ -5118,15 +6444,15 @@
           <p:nvPr/>
         </p:nvPicPr>
         <p:blipFill>
-          <a:blip r:embed="rId7"/>
+          <a:blip r:embed="rId2"/>
           <a:stretch>
             <a:fillRect/>
           </a:stretch>
         </p:blipFill>
         <p:spPr>
           <a:xfrm>
-            <a:off x="5061195" y="696603"/>
-            <a:ext cx="3008804" cy="3163824"/>
+            <a:off x="219981" y="868912"/>
+            <a:ext cx="3182641" cy="3262267"/>
           </a:xfrm>
           <a:prstGeom prst="rect">
             <a:avLst/>
@@ -5135,10 +6461,10 @@
       </p:pic>
       <p:pic>
         <p:nvPicPr>
-          <p:cNvPr id="19" name="Picture 18">
-            <a:extLst>
-              <a:ext uri="{FF2B5EF4-FFF2-40B4-BE49-F238E27FC236}">
-                <a16:creationId xmlns:a16="http://schemas.microsoft.com/office/drawing/2014/main" id="{F902E57A-9260-4624-74FE-2432595689CE}"/>
+          <p:cNvPr id="13" name="Picture 12">
+            <a:extLst>
+              <a:ext uri="{FF2B5EF4-FFF2-40B4-BE49-F238E27FC236}">
+                <a16:creationId xmlns:a16="http://schemas.microsoft.com/office/drawing/2014/main" id="{3A242035-5B84-14A4-57EF-35D0C52E7D55}"/>
               </a:ext>
             </a:extLst>
           </p:cNvPr>
@@ -5147,144 +6473,28 @@
           </p:cNvPicPr>
           <p:nvPr/>
         </p:nvPicPr>
-        <p:blipFill rotWithShape="1">
-          <a:blip r:embed="rId8"/>
-          <a:srcRect r="5696"/>
-          <a:stretch/>
+        <p:blipFill>
+          <a:blip r:embed="rId3"/>
+          <a:stretch>
+            <a:fillRect/>
+          </a:stretch>
         </p:blipFill>
         <p:spPr>
           <a:xfrm>
-            <a:off x="9893635" y="645981"/>
-            <a:ext cx="1731014" cy="3163824"/>
+            <a:off x="3279532" y="868912"/>
+            <a:ext cx="4249658" cy="3262266"/>
           </a:xfrm>
           <a:prstGeom prst="rect">
             <a:avLst/>
           </a:prstGeom>
         </p:spPr>
       </p:pic>
-      <p:cxnSp>
-        <p:nvCxnSpPr>
-          <p:cNvPr id="20" name="Straight Connector 19">
-            <a:extLst>
-              <a:ext uri="{FF2B5EF4-FFF2-40B4-BE49-F238E27FC236}">
-                <a16:creationId xmlns:a16="http://schemas.microsoft.com/office/drawing/2014/main" id="{B943A6C7-A957-4805-8548-81190A9C7E1A}"/>
-              </a:ext>
-            </a:extLst>
-          </p:cNvPr>
-          <p:cNvCxnSpPr>
-            <a:cxnSpLocks/>
-          </p:cNvCxnSpPr>
-          <p:nvPr/>
-        </p:nvCxnSpPr>
-        <p:spPr>
-          <a:xfrm>
-            <a:off x="762943" y="3875190"/>
-            <a:ext cx="11395853" cy="0"/>
-          </a:xfrm>
-          <a:prstGeom prst="line">
-            <a:avLst/>
-          </a:prstGeom>
-          <a:ln w="28575"/>
-        </p:spPr>
-        <p:style>
-          <a:lnRef idx="2">
-            <a:schemeClr val="dk1"/>
-          </a:lnRef>
-          <a:fillRef idx="0">
-            <a:schemeClr val="dk1"/>
-          </a:fillRef>
-          <a:effectRef idx="1">
-            <a:schemeClr val="dk1"/>
-          </a:effectRef>
-          <a:fontRef idx="minor">
-            <a:schemeClr val="tx1"/>
-          </a:fontRef>
-        </p:style>
-      </p:cxnSp>
-      <p:cxnSp>
-        <p:nvCxnSpPr>
-          <p:cNvPr id="21" name="Straight Connector 20">
-            <a:extLst>
-              <a:ext uri="{FF2B5EF4-FFF2-40B4-BE49-F238E27FC236}">
-                <a16:creationId xmlns:a16="http://schemas.microsoft.com/office/drawing/2014/main" id="{024A166E-F645-BA4C-892D-373AE572595E}"/>
-              </a:ext>
-            </a:extLst>
-          </p:cNvPr>
-          <p:cNvCxnSpPr>
-            <a:cxnSpLocks/>
-          </p:cNvCxnSpPr>
-          <p:nvPr/>
-        </p:nvCxnSpPr>
-        <p:spPr>
-          <a:xfrm>
-            <a:off x="762943" y="627875"/>
-            <a:ext cx="11395853" cy="0"/>
-          </a:xfrm>
-          <a:prstGeom prst="line">
-            <a:avLst/>
-          </a:prstGeom>
-          <a:ln w="28575"/>
-        </p:spPr>
-        <p:style>
-          <a:lnRef idx="2">
-            <a:schemeClr val="dk1"/>
-          </a:lnRef>
-          <a:fillRef idx="0">
-            <a:schemeClr val="dk1"/>
-          </a:fillRef>
-          <a:effectRef idx="1">
-            <a:schemeClr val="dk1"/>
-          </a:effectRef>
-          <a:fontRef idx="minor">
-            <a:schemeClr val="tx1"/>
-          </a:fontRef>
-        </p:style>
-      </p:cxnSp>
-      <p:cxnSp>
-        <p:nvCxnSpPr>
-          <p:cNvPr id="22" name="Straight Connector 21">
-            <a:extLst>
-              <a:ext uri="{FF2B5EF4-FFF2-40B4-BE49-F238E27FC236}">
-                <a16:creationId xmlns:a16="http://schemas.microsoft.com/office/drawing/2014/main" id="{1263DBA2-B82D-7E66-19F5-784ECD7CC177}"/>
-              </a:ext>
-            </a:extLst>
-          </p:cNvPr>
-          <p:cNvCxnSpPr>
-            <a:cxnSpLocks/>
-          </p:cNvCxnSpPr>
-          <p:nvPr/>
-        </p:nvCxnSpPr>
-        <p:spPr>
-          <a:xfrm>
-            <a:off x="2408210" y="0"/>
-            <a:ext cx="9052" cy="7064845"/>
-          </a:xfrm>
-          <a:prstGeom prst="line">
-            <a:avLst/>
-          </a:prstGeom>
-          <a:ln/>
-        </p:spPr>
-        <p:style>
-          <a:lnRef idx="3">
-            <a:schemeClr val="dk1"/>
-          </a:lnRef>
-          <a:fillRef idx="0">
-            <a:schemeClr val="dk1"/>
-          </a:fillRef>
-          <a:effectRef idx="2">
-            <a:schemeClr val="dk1"/>
-          </a:effectRef>
-          <a:fontRef idx="minor">
-            <a:schemeClr val="tx1"/>
-          </a:fontRef>
-        </p:style>
-      </p:cxnSp>
       <p:pic>
         <p:nvPicPr>
-          <p:cNvPr id="23" name="Picture 22">
-            <a:extLst>
-              <a:ext uri="{FF2B5EF4-FFF2-40B4-BE49-F238E27FC236}">
-                <a16:creationId xmlns:a16="http://schemas.microsoft.com/office/drawing/2014/main" id="{DFCD9F7B-3417-08F1-69C8-E6A06B79E8F7}"/>
+          <p:cNvPr id="3" name="Picture 2" descr="A diagram of a graph&#10;&#10;Description automatically generated with medium confidence">
+            <a:extLst>
+              <a:ext uri="{FF2B5EF4-FFF2-40B4-BE49-F238E27FC236}">
+                <a16:creationId xmlns:a16="http://schemas.microsoft.com/office/drawing/2014/main" id="{F81A097A-9F92-7ECF-89EC-DAC4C220B1BD}"/>
               </a:ext>
             </a:extLst>
           </p:cNvPr>
@@ -5293,196 +6503,8 @@
           </p:cNvPicPr>
           <p:nvPr/>
         </p:nvPicPr>
-        <p:blipFill rotWithShape="1">
-          <a:blip r:embed="rId9"/>
-          <a:srcRect l="35957"/>
-          <a:stretch/>
-        </p:blipFill>
-        <p:spPr>
-          <a:xfrm>
-            <a:off x="10911253" y="3916330"/>
-            <a:ext cx="1031149" cy="3163824"/>
-          </a:xfrm>
-          <a:prstGeom prst="rect">
-            <a:avLst/>
-          </a:prstGeom>
-        </p:spPr>
-      </p:pic>
-      <p:cxnSp>
-        <p:nvCxnSpPr>
-          <p:cNvPr id="24" name="Straight Connector 23">
-            <a:extLst>
-              <a:ext uri="{FF2B5EF4-FFF2-40B4-BE49-F238E27FC236}">
-                <a16:creationId xmlns:a16="http://schemas.microsoft.com/office/drawing/2014/main" id="{38804AB4-1D71-3C1D-E794-30A2514B4F54}"/>
-              </a:ext>
-            </a:extLst>
-          </p:cNvPr>
-          <p:cNvCxnSpPr>
-            <a:cxnSpLocks/>
-          </p:cNvCxnSpPr>
-          <p:nvPr/>
-        </p:nvCxnSpPr>
-        <p:spPr>
-          <a:xfrm>
-            <a:off x="762943" y="0"/>
-            <a:ext cx="0" cy="7080154"/>
-          </a:xfrm>
-          <a:prstGeom prst="line">
-            <a:avLst/>
-          </a:prstGeom>
-          <a:ln/>
-        </p:spPr>
-        <p:style>
-          <a:lnRef idx="3">
-            <a:schemeClr val="dk1"/>
-          </a:lnRef>
-          <a:fillRef idx="0">
-            <a:schemeClr val="dk1"/>
-          </a:fillRef>
-          <a:effectRef idx="2">
-            <a:schemeClr val="dk1"/>
-          </a:effectRef>
-          <a:fontRef idx="minor">
-            <a:schemeClr val="tx1"/>
-          </a:fontRef>
-        </p:style>
-      </p:cxnSp>
-      <p:pic>
-        <p:nvPicPr>
-          <p:cNvPr id="25" name="Picture 24">
-            <a:extLst>
-              <a:ext uri="{FF2B5EF4-FFF2-40B4-BE49-F238E27FC236}">
-                <a16:creationId xmlns:a16="http://schemas.microsoft.com/office/drawing/2014/main" id="{BF48ED94-2F7F-ACC5-5B97-FA7BB834006F}"/>
-              </a:ext>
-            </a:extLst>
-          </p:cNvPr>
-          <p:cNvPicPr>
-            <a:picLocks noChangeAspect="1"/>
-          </p:cNvPicPr>
-          <p:nvPr/>
-        </p:nvPicPr>
-        <p:blipFill rotWithShape="1">
-          <a:blip r:embed="rId10"/>
-          <a:srcRect t="57158" r="83763"/>
-          <a:stretch/>
-        </p:blipFill>
-        <p:spPr>
-          <a:xfrm>
-            <a:off x="5061195" y="5712737"/>
-            <a:ext cx="488549" cy="1355449"/>
-          </a:xfrm>
-          <a:prstGeom prst="rect">
-            <a:avLst/>
-          </a:prstGeom>
-        </p:spPr>
-      </p:pic>
-      <p:pic>
-        <p:nvPicPr>
-          <p:cNvPr id="26" name="Picture 25">
-            <a:extLst>
-              <a:ext uri="{FF2B5EF4-FFF2-40B4-BE49-F238E27FC236}">
-                <a16:creationId xmlns:a16="http://schemas.microsoft.com/office/drawing/2014/main" id="{9C0ADBD7-E380-84FC-7EAF-1E34400260B7}"/>
-              </a:ext>
-            </a:extLst>
-          </p:cNvPr>
-          <p:cNvPicPr>
-            <a:picLocks noChangeAspect="1"/>
-          </p:cNvPicPr>
-          <p:nvPr/>
-        </p:nvPicPr>
-        <p:blipFill rotWithShape="1">
-          <a:blip r:embed="rId11"/>
-          <a:srcRect l="19894" r="43347"/>
-          <a:stretch/>
-        </p:blipFill>
-        <p:spPr>
-          <a:xfrm>
-            <a:off x="5507517" y="3901021"/>
-            <a:ext cx="1104707" cy="3163824"/>
-          </a:xfrm>
-          <a:prstGeom prst="rect">
-            <a:avLst/>
-          </a:prstGeom>
-        </p:spPr>
-      </p:pic>
-      <p:pic>
-        <p:nvPicPr>
-          <p:cNvPr id="27" name="Picture 26">
-            <a:extLst>
-              <a:ext uri="{FF2B5EF4-FFF2-40B4-BE49-F238E27FC236}">
-                <a16:creationId xmlns:a16="http://schemas.microsoft.com/office/drawing/2014/main" id="{0583B6DD-FCC8-42C2-BBBE-EA0A50FCF8A1}"/>
-              </a:ext>
-            </a:extLst>
-          </p:cNvPr>
-          <p:cNvPicPr>
-            <a:picLocks noChangeAspect="1"/>
-          </p:cNvPicPr>
-          <p:nvPr/>
-        </p:nvPicPr>
-        <p:blipFill rotWithShape="1">
-          <a:blip r:embed="rId11"/>
-          <a:srcRect l="305" r="83428" b="60086"/>
-          <a:stretch/>
-        </p:blipFill>
-        <p:spPr>
-          <a:xfrm>
-            <a:off x="5060891" y="3901020"/>
-            <a:ext cx="488853" cy="1262803"/>
-          </a:xfrm>
-          <a:prstGeom prst="rect">
-            <a:avLst/>
-          </a:prstGeom>
-        </p:spPr>
-      </p:pic>
-      <p:pic>
-        <p:nvPicPr>
-          <p:cNvPr id="28" name="Picture 27">
-            <a:extLst>
-              <a:ext uri="{FF2B5EF4-FFF2-40B4-BE49-F238E27FC236}">
-                <a16:creationId xmlns:a16="http://schemas.microsoft.com/office/drawing/2014/main" id="{8502F849-1A18-67D5-1CBC-68B154F9289D}"/>
-              </a:ext>
-            </a:extLst>
-          </p:cNvPr>
-          <p:cNvPicPr>
-            <a:picLocks noChangeAspect="1"/>
-          </p:cNvPicPr>
-          <p:nvPr/>
-        </p:nvPicPr>
-        <p:blipFill rotWithShape="1">
-          <a:blip r:embed="rId10"/>
-          <a:srcRect l="21511" r="557"/>
-          <a:stretch/>
-        </p:blipFill>
-        <p:spPr>
-          <a:xfrm>
-            <a:off x="6711805" y="3901995"/>
-            <a:ext cx="2344852" cy="3163824"/>
-          </a:xfrm>
-          <a:prstGeom prst="rect">
-            <a:avLst/>
-          </a:prstGeom>
-        </p:spPr>
-      </p:pic>
-      <p:pic>
-        <p:nvPicPr>
-          <p:cNvPr id="29" name="Picture 28" descr="\documentclass{article}&#10;\usepackage{amsmath}&#10;\pagestyle{empty}&#10;\begin{document}&#10;e-v coupling&#10;&#10;&#10;&#10;\end{document}" title="IguanaTex Bitmap Display">
-            <a:extLst>
-              <a:ext uri="{FF2B5EF4-FFF2-40B4-BE49-F238E27FC236}">
-                <a16:creationId xmlns:a16="http://schemas.microsoft.com/office/drawing/2014/main" id="{76D096BC-8E5E-C002-A641-5608BDC5D9C5}"/>
-              </a:ext>
-            </a:extLst>
-          </p:cNvPr>
-          <p:cNvPicPr>
-            <a:picLocks noChangeAspect="1"/>
-          </p:cNvPicPr>
-          <p:nvPr>
-            <p:custDataLst>
-              <p:tags r:id="rId1"/>
-            </p:custDataLst>
-          </p:nvPr>
-        </p:nvPicPr>
         <p:blipFill>
-          <a:blip r:embed="rId12">
+          <a:blip r:embed="rId4">
             <a:extLst>
               <a:ext uri="{28A0092B-C50C-407E-A947-70E740481C1C}">
                 <a14:useLocalDpi xmlns:a14="http://schemas.microsoft.com/office/drawing/2010/main" val="0"/>
@@ -5495,1023 +6517,18 @@
         </p:blipFill>
         <p:spPr>
           <a:xfrm>
-            <a:off x="811608" y="1964467"/>
-            <a:ext cx="1545195" cy="263426"/>
+            <a:off x="8567913" y="2149491"/>
+            <a:ext cx="2020828" cy="2052832"/>
           </a:xfrm>
           <a:prstGeom prst="rect">
             <a:avLst/>
           </a:prstGeom>
         </p:spPr>
       </p:pic>
-      <p:pic>
-        <p:nvPicPr>
-          <p:cNvPr id="30" name="Picture 29" descr="\documentclass{article}&#10;\usepackage{amsmath}&#10;\pagestyle{empty}&#10;\begin{document}&#10;e-v-x coupling&#10;&#10;&#10;&#10;\end{document}" title="IguanaTex Bitmap Display">
-            <a:extLst>
-              <a:ext uri="{FF2B5EF4-FFF2-40B4-BE49-F238E27FC236}">
-                <a16:creationId xmlns:a16="http://schemas.microsoft.com/office/drawing/2014/main" id="{71BB69CF-8451-EE4D-7A98-F74A2452D021}"/>
-              </a:ext>
-            </a:extLst>
-          </p:cNvPr>
-          <p:cNvPicPr>
-            <a:picLocks noChangeAspect="1"/>
-          </p:cNvPicPr>
-          <p:nvPr>
-            <p:custDataLst>
-              <p:tags r:id="rId2"/>
-            </p:custDataLst>
-          </p:nvPr>
-        </p:nvPicPr>
-        <p:blipFill>
-          <a:blip r:embed="rId13">
-            <a:extLst>
-              <a:ext uri="{28A0092B-C50C-407E-A947-70E740481C1C}">
-                <a14:useLocalDpi xmlns:a14="http://schemas.microsoft.com/office/drawing/2010/main" val="0"/>
-              </a:ext>
-            </a:extLst>
-          </a:blip>
-          <a:stretch>
-            <a:fillRect/>
-          </a:stretch>
-        </p:blipFill>
-        <p:spPr>
-          <a:xfrm>
-            <a:off x="808554" y="5271519"/>
-            <a:ext cx="1545336" cy="226407"/>
-          </a:xfrm>
-          <a:prstGeom prst="rect">
-            <a:avLst/>
-          </a:prstGeom>
-        </p:spPr>
-      </p:pic>
-      <p:pic>
-        <p:nvPicPr>
-          <p:cNvPr id="31" name="Picture 30" descr="\documentclass{article}&#10;\usepackage{amsmath}&#10;\pagestyle{empty}&#10;\begin{document}&#10;$\chi^{(2)}$&#10;&#10;&#10;&#10;\end{document}" title="IguanaTex Bitmap Display">
-            <a:extLst>
-              <a:ext uri="{FF2B5EF4-FFF2-40B4-BE49-F238E27FC236}">
-                <a16:creationId xmlns:a16="http://schemas.microsoft.com/office/drawing/2014/main" id="{D65BFFB7-BB83-1C4C-CCA1-3065B6C6C397}"/>
-              </a:ext>
-            </a:extLst>
-          </p:cNvPr>
-          <p:cNvPicPr>
-            <a:picLocks noChangeAspect="1"/>
-          </p:cNvPicPr>
-          <p:nvPr>
-            <p:custDataLst>
-              <p:tags r:id="rId3"/>
-            </p:custDataLst>
-          </p:nvPr>
-        </p:nvPicPr>
-        <p:blipFill>
-          <a:blip r:embed="rId14">
-            <a:extLst>
-              <a:ext uri="{28A0092B-C50C-407E-A947-70E740481C1C}">
-                <a14:useLocalDpi xmlns:a14="http://schemas.microsoft.com/office/drawing/2010/main" val="0"/>
-              </a:ext>
-            </a:extLst>
-          </a:blip>
-          <a:stretch>
-            <a:fillRect/>
-          </a:stretch>
-        </p:blipFill>
-        <p:spPr>
-          <a:xfrm>
-            <a:off x="3444679" y="30739"/>
-            <a:ext cx="780190" cy="551619"/>
-          </a:xfrm>
-          <a:prstGeom prst="rect">
-            <a:avLst/>
-          </a:prstGeom>
-        </p:spPr>
-      </p:pic>
-      <p:pic>
-        <p:nvPicPr>
-          <p:cNvPr id="32" name="Picture 31" descr="\documentclass{article}&#10;\usepackage{amsmath}&#10;\pagestyle{empty}&#10;\begin{document}&#10;$\chi^{(3)}$&#10;&#10;&#10;&#10;\end{document}" title="IguanaTex Bitmap Display">
-            <a:extLst>
-              <a:ext uri="{FF2B5EF4-FFF2-40B4-BE49-F238E27FC236}">
-                <a16:creationId xmlns:a16="http://schemas.microsoft.com/office/drawing/2014/main" id="{89A9F822-98DE-62D6-2352-13EF762F0018}"/>
-              </a:ext>
-            </a:extLst>
-          </p:cNvPr>
-          <p:cNvPicPr>
-            <a:picLocks noChangeAspect="1"/>
-          </p:cNvPicPr>
-          <p:nvPr>
-            <p:custDataLst>
-              <p:tags r:id="rId4"/>
-            </p:custDataLst>
-          </p:nvPr>
-        </p:nvPicPr>
-        <p:blipFill>
-          <a:blip r:embed="rId15">
-            <a:extLst>
-              <a:ext uri="{28A0092B-C50C-407E-A947-70E740481C1C}">
-                <a14:useLocalDpi xmlns:a14="http://schemas.microsoft.com/office/drawing/2010/main" val="0"/>
-              </a:ext>
-            </a:extLst>
-          </a:blip>
-          <a:stretch>
-            <a:fillRect/>
-          </a:stretch>
-        </p:blipFill>
-        <p:spPr>
-          <a:xfrm>
-            <a:off x="6711805" y="27941"/>
-            <a:ext cx="780190" cy="551619"/>
-          </a:xfrm>
-          <a:prstGeom prst="rect">
-            <a:avLst/>
-          </a:prstGeom>
-        </p:spPr>
-      </p:pic>
-      <p:pic>
-        <p:nvPicPr>
-          <p:cNvPr id="33" name="Picture 32" descr="\documentclass{article}&#10;\usepackage{amsmath}&#10;\pagestyle{empty}&#10;\begin{document}&#10;$\chi^{(5)}$&#10;&#10;&#10;&#10;\end{document}" title="IguanaTex Bitmap Display">
-            <a:extLst>
-              <a:ext uri="{FF2B5EF4-FFF2-40B4-BE49-F238E27FC236}">
-                <a16:creationId xmlns:a16="http://schemas.microsoft.com/office/drawing/2014/main" id="{9059FEC9-07E1-EE2E-457C-067AC75BB37D}"/>
-              </a:ext>
-            </a:extLst>
-          </p:cNvPr>
-          <p:cNvPicPr>
-            <a:picLocks noChangeAspect="1"/>
-          </p:cNvPicPr>
-          <p:nvPr>
-            <p:custDataLst>
-              <p:tags r:id="rId5"/>
-            </p:custDataLst>
-          </p:nvPr>
-        </p:nvPicPr>
-        <p:blipFill>
-          <a:blip r:embed="rId16">
-            <a:extLst>
-              <a:ext uri="{28A0092B-C50C-407E-A947-70E740481C1C}">
-                <a14:useLocalDpi xmlns:a14="http://schemas.microsoft.com/office/drawing/2010/main" val="0"/>
-              </a:ext>
-            </a:extLst>
-          </a:blip>
-          <a:stretch>
-            <a:fillRect/>
-          </a:stretch>
-        </p:blipFill>
-        <p:spPr>
-          <a:xfrm>
-            <a:off x="10369047" y="27941"/>
-            <a:ext cx="780190" cy="551619"/>
-          </a:xfrm>
-          <a:prstGeom prst="rect">
-            <a:avLst/>
-          </a:prstGeom>
-        </p:spPr>
-      </p:pic>
-      <p:pic>
-        <p:nvPicPr>
-          <p:cNvPr id="34" name="Picture 33">
-            <a:extLst>
-              <a:ext uri="{FF2B5EF4-FFF2-40B4-BE49-F238E27FC236}">
-                <a16:creationId xmlns:a16="http://schemas.microsoft.com/office/drawing/2014/main" id="{17F8F2FA-DE62-7428-521A-A74EA4101737}"/>
-              </a:ext>
-            </a:extLst>
-          </p:cNvPr>
-          <p:cNvPicPr>
-            <a:picLocks noChangeAspect="1"/>
-          </p:cNvPicPr>
-          <p:nvPr/>
-        </p:nvPicPr>
-        <p:blipFill rotWithShape="1">
-          <a:blip r:embed="rId17"/>
-          <a:srcRect l="8508" r="70189"/>
-          <a:stretch/>
-        </p:blipFill>
-        <p:spPr>
-          <a:xfrm>
-            <a:off x="9481157" y="3907538"/>
-            <a:ext cx="362414" cy="3163824"/>
-          </a:xfrm>
-          <a:prstGeom prst="rect">
-            <a:avLst/>
-          </a:prstGeom>
-        </p:spPr>
-      </p:pic>
-      <p:cxnSp>
-        <p:nvCxnSpPr>
-          <p:cNvPr id="36" name="Straight Connector 35">
-            <a:extLst>
-              <a:ext uri="{FF2B5EF4-FFF2-40B4-BE49-F238E27FC236}">
-                <a16:creationId xmlns:a16="http://schemas.microsoft.com/office/drawing/2014/main" id="{2AFC931F-99A1-1753-01B4-699D78AAEAF6}"/>
-              </a:ext>
-            </a:extLst>
-          </p:cNvPr>
-          <p:cNvCxnSpPr/>
-          <p:nvPr/>
-        </p:nvCxnSpPr>
-        <p:spPr>
-          <a:xfrm>
-            <a:off x="762943" y="0"/>
-            <a:ext cx="11429057" cy="0"/>
-          </a:xfrm>
-          <a:prstGeom prst="line">
-            <a:avLst/>
-          </a:prstGeom>
-          <a:ln w="28575"/>
-        </p:spPr>
-        <p:style>
-          <a:lnRef idx="2">
-            <a:schemeClr val="dk1"/>
-          </a:lnRef>
-          <a:fillRef idx="0">
-            <a:schemeClr val="dk1"/>
-          </a:fillRef>
-          <a:effectRef idx="1">
-            <a:schemeClr val="dk1"/>
-          </a:effectRef>
-          <a:fontRef idx="minor">
-            <a:schemeClr val="tx1"/>
-          </a:fontRef>
-        </p:style>
-      </p:cxnSp>
-      <p:cxnSp>
-        <p:nvCxnSpPr>
-          <p:cNvPr id="37" name="Straight Connector 36">
-            <a:extLst>
-              <a:ext uri="{FF2B5EF4-FFF2-40B4-BE49-F238E27FC236}">
-                <a16:creationId xmlns:a16="http://schemas.microsoft.com/office/drawing/2014/main" id="{BE696B8D-246E-9C67-894D-76CD58FD281C}"/>
-              </a:ext>
-            </a:extLst>
-          </p:cNvPr>
-          <p:cNvCxnSpPr>
-            <a:cxnSpLocks/>
-          </p:cNvCxnSpPr>
-          <p:nvPr/>
-        </p:nvCxnSpPr>
-        <p:spPr>
-          <a:xfrm>
-            <a:off x="12192000" y="-8792"/>
-            <a:ext cx="0" cy="7088946"/>
-          </a:xfrm>
-          <a:prstGeom prst="line">
-            <a:avLst/>
-          </a:prstGeom>
-          <a:ln/>
-        </p:spPr>
-        <p:style>
-          <a:lnRef idx="3">
-            <a:schemeClr val="dk1"/>
-          </a:lnRef>
-          <a:fillRef idx="0">
-            <a:schemeClr val="dk1"/>
-          </a:fillRef>
-          <a:effectRef idx="2">
-            <a:schemeClr val="dk1"/>
-          </a:effectRef>
-          <a:fontRef idx="minor">
-            <a:schemeClr val="tx1"/>
-          </a:fontRef>
-        </p:style>
-      </p:cxnSp>
-      <p:pic>
-        <p:nvPicPr>
-          <p:cNvPr id="42" name="Picture 41">
-            <a:extLst>
-              <a:ext uri="{FF2B5EF4-FFF2-40B4-BE49-F238E27FC236}">
-                <a16:creationId xmlns:a16="http://schemas.microsoft.com/office/drawing/2014/main" id="{C9190273-B60A-4634-DE65-8FFAAF54685E}"/>
-              </a:ext>
-            </a:extLst>
-          </p:cNvPr>
-          <p:cNvPicPr>
-            <a:picLocks noChangeAspect="1"/>
-          </p:cNvPicPr>
-          <p:nvPr/>
-        </p:nvPicPr>
-        <p:blipFill rotWithShape="1">
-          <a:blip r:embed="rId18"/>
-          <a:srcRect l="5069" t="56483" r="86336" b="7011"/>
-          <a:stretch/>
-        </p:blipFill>
-        <p:spPr>
-          <a:xfrm>
-            <a:off x="5138105" y="5712737"/>
-            <a:ext cx="278004" cy="1154973"/>
-          </a:xfrm>
-          <a:prstGeom prst="rect">
-            <a:avLst/>
-          </a:prstGeom>
-        </p:spPr>
-      </p:pic>
-      <p:pic>
-        <p:nvPicPr>
-          <p:cNvPr id="43" name="Picture 42">
-            <a:extLst>
-              <a:ext uri="{FF2B5EF4-FFF2-40B4-BE49-F238E27FC236}">
-                <a16:creationId xmlns:a16="http://schemas.microsoft.com/office/drawing/2014/main" id="{BB64ACE1-51A8-6626-2DE3-1AFD8670EA1E}"/>
-              </a:ext>
-            </a:extLst>
-          </p:cNvPr>
-          <p:cNvPicPr>
-            <a:picLocks noChangeAspect="1"/>
-          </p:cNvPicPr>
-          <p:nvPr/>
-        </p:nvPicPr>
-        <p:blipFill rotWithShape="1">
-          <a:blip r:embed="rId18"/>
-          <a:srcRect l="4421" t="7837" r="86083" b="66596"/>
-          <a:stretch/>
-        </p:blipFill>
-        <p:spPr>
-          <a:xfrm>
-            <a:off x="5156050" y="4284906"/>
-            <a:ext cx="307156" cy="808891"/>
-          </a:xfrm>
-          <a:prstGeom prst="rect">
-            <a:avLst/>
-          </a:prstGeom>
-        </p:spPr>
-      </p:pic>
-      <p:pic>
-        <p:nvPicPr>
-          <p:cNvPr id="49" name="Picture 48">
-            <a:extLst>
-              <a:ext uri="{FF2B5EF4-FFF2-40B4-BE49-F238E27FC236}">
-                <a16:creationId xmlns:a16="http://schemas.microsoft.com/office/drawing/2014/main" id="{78504EF0-C84B-BF49-E165-BE824CA768ED}"/>
-              </a:ext>
-            </a:extLst>
-          </p:cNvPr>
-          <p:cNvPicPr>
-            <a:picLocks noChangeAspect="1"/>
-          </p:cNvPicPr>
-          <p:nvPr/>
-        </p:nvPicPr>
-        <p:blipFill rotWithShape="1">
-          <a:blip r:embed="rId19"/>
-          <a:srcRect l="22888" r="9197"/>
-          <a:stretch/>
-        </p:blipFill>
-        <p:spPr>
-          <a:xfrm>
-            <a:off x="7941344" y="688357"/>
-            <a:ext cx="1188784" cy="3163824"/>
-          </a:xfrm>
-          <a:prstGeom prst="rect">
-            <a:avLst/>
-          </a:prstGeom>
-        </p:spPr>
-      </p:pic>
-      <p:pic>
-        <p:nvPicPr>
-          <p:cNvPr id="51" name="Picture 50">
-            <a:extLst>
-              <a:ext uri="{FF2B5EF4-FFF2-40B4-BE49-F238E27FC236}">
-                <a16:creationId xmlns:a16="http://schemas.microsoft.com/office/drawing/2014/main" id="{562436AD-EB83-9EE7-A856-54089F7E037F}"/>
-              </a:ext>
-            </a:extLst>
-          </p:cNvPr>
-          <p:cNvPicPr>
-            <a:picLocks noChangeAspect="1"/>
-          </p:cNvPicPr>
-          <p:nvPr/>
-        </p:nvPicPr>
-        <p:blipFill rotWithShape="1">
-          <a:blip r:embed="rId20"/>
-          <a:srcRect l="3634" r="88568"/>
-          <a:stretch/>
-        </p:blipFill>
-        <p:spPr>
-          <a:xfrm>
-            <a:off x="2711314" y="679019"/>
-            <a:ext cx="233324" cy="3163824"/>
-          </a:xfrm>
-          <a:prstGeom prst="rect">
-            <a:avLst/>
-          </a:prstGeom>
-        </p:spPr>
-      </p:pic>
-      <p:pic>
-        <p:nvPicPr>
-          <p:cNvPr id="52" name="Picture 51">
-            <a:extLst>
-              <a:ext uri="{FF2B5EF4-FFF2-40B4-BE49-F238E27FC236}">
-                <a16:creationId xmlns:a16="http://schemas.microsoft.com/office/drawing/2014/main" id="{E1065491-121E-A853-7B22-23A834AA5AC9}"/>
-              </a:ext>
-            </a:extLst>
-          </p:cNvPr>
-          <p:cNvPicPr>
-            <a:picLocks noChangeAspect="1"/>
-          </p:cNvPicPr>
-          <p:nvPr/>
-        </p:nvPicPr>
-        <p:blipFill rotWithShape="1">
-          <a:blip r:embed="rId20"/>
-          <a:srcRect l="20691" r="52609"/>
-          <a:stretch/>
-        </p:blipFill>
-        <p:spPr>
-          <a:xfrm>
-            <a:off x="2986069" y="674009"/>
-            <a:ext cx="798886" cy="3163824"/>
-          </a:xfrm>
-          <a:prstGeom prst="rect">
-            <a:avLst/>
-          </a:prstGeom>
-        </p:spPr>
-      </p:pic>
-      <p:pic>
-        <p:nvPicPr>
-          <p:cNvPr id="53" name="Picture 52">
-            <a:extLst>
-              <a:ext uri="{FF2B5EF4-FFF2-40B4-BE49-F238E27FC236}">
-                <a16:creationId xmlns:a16="http://schemas.microsoft.com/office/drawing/2014/main" id="{193EFCD2-5272-BC79-061F-4C57D7D29FA9}"/>
-              </a:ext>
-            </a:extLst>
-          </p:cNvPr>
-          <p:cNvPicPr>
-            <a:picLocks noChangeAspect="1"/>
-          </p:cNvPicPr>
-          <p:nvPr/>
-        </p:nvPicPr>
-        <p:blipFill rotWithShape="1">
-          <a:blip r:embed="rId20"/>
-          <a:srcRect l="60434" r="12866"/>
-          <a:stretch/>
-        </p:blipFill>
-        <p:spPr>
-          <a:xfrm>
-            <a:off x="3896775" y="669621"/>
-            <a:ext cx="798886" cy="3163824"/>
-          </a:xfrm>
-          <a:prstGeom prst="rect">
-            <a:avLst/>
-          </a:prstGeom>
-        </p:spPr>
-      </p:pic>
-      <p:pic>
-        <p:nvPicPr>
-          <p:cNvPr id="54" name="Picture 53">
-            <a:extLst>
-              <a:ext uri="{FF2B5EF4-FFF2-40B4-BE49-F238E27FC236}">
-                <a16:creationId xmlns:a16="http://schemas.microsoft.com/office/drawing/2014/main" id="{5F167C12-EC4B-2EF8-87DC-CCE4314EE6CE}"/>
-              </a:ext>
-            </a:extLst>
-          </p:cNvPr>
-          <p:cNvPicPr>
-            <a:picLocks noChangeAspect="1"/>
-          </p:cNvPicPr>
-          <p:nvPr/>
-        </p:nvPicPr>
-        <p:blipFill rotWithShape="1">
-          <a:blip r:embed="rId20"/>
-          <a:srcRect l="20691" r="52609" b="87236"/>
-          <a:stretch/>
-        </p:blipFill>
-        <p:spPr>
-          <a:xfrm>
-            <a:off x="2872356" y="676191"/>
-            <a:ext cx="798886" cy="403832"/>
-          </a:xfrm>
-          <a:prstGeom prst="rect">
-            <a:avLst/>
-          </a:prstGeom>
-        </p:spPr>
-      </p:pic>
-      <p:pic>
-        <p:nvPicPr>
-          <p:cNvPr id="56" name="Picture 55">
-            <a:extLst>
-              <a:ext uri="{FF2B5EF4-FFF2-40B4-BE49-F238E27FC236}">
-                <a16:creationId xmlns:a16="http://schemas.microsoft.com/office/drawing/2014/main" id="{AB887B33-4405-6970-FCD7-BA549E3BFC09}"/>
-              </a:ext>
-            </a:extLst>
-          </p:cNvPr>
-          <p:cNvPicPr>
-            <a:picLocks noChangeAspect="1"/>
-          </p:cNvPicPr>
-          <p:nvPr/>
-        </p:nvPicPr>
-        <p:blipFill rotWithShape="1">
-          <a:blip r:embed="rId20"/>
-          <a:srcRect l="60434" r="12866" b="87730"/>
-          <a:stretch/>
-        </p:blipFill>
-        <p:spPr>
-          <a:xfrm>
-            <a:off x="3792111" y="676744"/>
-            <a:ext cx="798886" cy="388209"/>
-          </a:xfrm>
-          <a:prstGeom prst="rect">
-            <a:avLst/>
-          </a:prstGeom>
-        </p:spPr>
-      </p:pic>
-      <p:sp>
-        <p:nvSpPr>
-          <p:cNvPr id="57" name="Rectangle 56">
-            <a:extLst>
-              <a:ext uri="{FF2B5EF4-FFF2-40B4-BE49-F238E27FC236}">
-                <a16:creationId xmlns:a16="http://schemas.microsoft.com/office/drawing/2014/main" id="{A8953EE2-0EBB-1292-5148-88400F93DE84}"/>
-              </a:ext>
-            </a:extLst>
-          </p:cNvPr>
-          <p:cNvSpPr/>
-          <p:nvPr/>
-        </p:nvSpPr>
-        <p:spPr>
-          <a:xfrm>
-            <a:off x="3671242" y="782515"/>
-            <a:ext cx="87050" cy="193431"/>
-          </a:xfrm>
-          <a:prstGeom prst="rect">
-            <a:avLst/>
-          </a:prstGeom>
-          <a:solidFill>
-            <a:schemeClr val="bg1"/>
-          </a:solidFill>
-          <a:ln>
-            <a:noFill/>
-          </a:ln>
-        </p:spPr>
-        <p:style>
-          <a:lnRef idx="2">
-            <a:schemeClr val="accent1">
-              <a:shade val="50000"/>
-            </a:schemeClr>
-          </a:lnRef>
-          <a:fillRef idx="1">
-            <a:schemeClr val="accent1"/>
-          </a:fillRef>
-          <a:effectRef idx="0">
-            <a:schemeClr val="accent1"/>
-          </a:effectRef>
-          <a:fontRef idx="minor">
-            <a:schemeClr val="lt1"/>
-          </a:fontRef>
-        </p:style>
-        <p:txBody>
-          <a:bodyPr rtlCol="0" anchor="ctr"/>
-          <a:lstStyle/>
-          <a:p>
-            <a:pPr algn="ctr"/>
-            <a:endParaRPr lang="en-US"/>
-          </a:p>
-        </p:txBody>
-      </p:sp>
-      <p:sp>
-        <p:nvSpPr>
-          <p:cNvPr id="58" name="Rectangle 57">
-            <a:extLst>
-              <a:ext uri="{FF2B5EF4-FFF2-40B4-BE49-F238E27FC236}">
-                <a16:creationId xmlns:a16="http://schemas.microsoft.com/office/drawing/2014/main" id="{3B24F31D-50D1-01C9-851D-49FAC54BC24E}"/>
-              </a:ext>
-            </a:extLst>
-          </p:cNvPr>
-          <p:cNvSpPr/>
-          <p:nvPr/>
-        </p:nvSpPr>
-        <p:spPr>
-          <a:xfrm>
-            <a:off x="4579374" y="741484"/>
-            <a:ext cx="87050" cy="193431"/>
-          </a:xfrm>
-          <a:prstGeom prst="rect">
-            <a:avLst/>
-          </a:prstGeom>
-          <a:solidFill>
-            <a:schemeClr val="bg1"/>
-          </a:solidFill>
-          <a:ln>
-            <a:noFill/>
-          </a:ln>
-        </p:spPr>
-        <p:style>
-          <a:lnRef idx="2">
-            <a:schemeClr val="accent1">
-              <a:shade val="50000"/>
-            </a:schemeClr>
-          </a:lnRef>
-          <a:fillRef idx="1">
-            <a:schemeClr val="accent1"/>
-          </a:fillRef>
-          <a:effectRef idx="0">
-            <a:schemeClr val="accent1"/>
-          </a:effectRef>
-          <a:fontRef idx="minor">
-            <a:schemeClr val="lt1"/>
-          </a:fontRef>
-        </p:style>
-        <p:txBody>
-          <a:bodyPr rtlCol="0" anchor="ctr"/>
-          <a:lstStyle/>
-          <a:p>
-            <a:pPr algn="ctr"/>
-            <a:endParaRPr lang="en-US"/>
-          </a:p>
-        </p:txBody>
-      </p:sp>
-      <p:pic>
-        <p:nvPicPr>
-          <p:cNvPr id="61" name="Picture 60">
-            <a:extLst>
-              <a:ext uri="{FF2B5EF4-FFF2-40B4-BE49-F238E27FC236}">
-                <a16:creationId xmlns:a16="http://schemas.microsoft.com/office/drawing/2014/main" id="{26B3E7D2-90A2-4503-6B34-58844056B442}"/>
-              </a:ext>
-            </a:extLst>
-          </p:cNvPr>
-          <p:cNvPicPr>
-            <a:picLocks noChangeAspect="1"/>
-          </p:cNvPicPr>
-          <p:nvPr/>
-        </p:nvPicPr>
-        <p:blipFill rotWithShape="1">
-          <a:blip r:embed="rId21"/>
-          <a:srcRect l="29926" r="7082"/>
-          <a:stretch/>
-        </p:blipFill>
-        <p:spPr>
-          <a:xfrm>
-            <a:off x="9803059" y="3916330"/>
-            <a:ext cx="1087474" cy="3163824"/>
-          </a:xfrm>
-          <a:prstGeom prst="rect">
-            <a:avLst/>
-          </a:prstGeom>
-        </p:spPr>
-      </p:pic>
-      <p:cxnSp>
-        <p:nvCxnSpPr>
-          <p:cNvPr id="38" name="Straight Connector 37">
-            <a:extLst>
-              <a:ext uri="{FF2B5EF4-FFF2-40B4-BE49-F238E27FC236}">
-                <a16:creationId xmlns:a16="http://schemas.microsoft.com/office/drawing/2014/main" id="{F4EE991C-6879-FBDE-1306-E03D08C738F4}"/>
-              </a:ext>
-            </a:extLst>
-          </p:cNvPr>
-          <p:cNvCxnSpPr>
-            <a:cxnSpLocks/>
-          </p:cNvCxnSpPr>
-          <p:nvPr/>
-        </p:nvCxnSpPr>
-        <p:spPr>
-          <a:xfrm flipH="1">
-            <a:off x="762943" y="7080154"/>
-            <a:ext cx="11429057" cy="0"/>
-          </a:xfrm>
-          <a:prstGeom prst="line">
-            <a:avLst/>
-          </a:prstGeom>
-          <a:ln w="28575">
-            <a:solidFill>
-              <a:schemeClr val="tx1"/>
-            </a:solidFill>
-          </a:ln>
-        </p:spPr>
-        <p:style>
-          <a:lnRef idx="2">
-            <a:schemeClr val="dk1"/>
-          </a:lnRef>
-          <a:fillRef idx="0">
-            <a:schemeClr val="dk1"/>
-          </a:fillRef>
-          <a:effectRef idx="1">
-            <a:schemeClr val="dk1"/>
-          </a:effectRef>
-          <a:fontRef idx="minor">
-            <a:schemeClr val="tx1"/>
-          </a:fontRef>
-        </p:style>
-      </p:cxnSp>
-      <p:cxnSp>
-        <p:nvCxnSpPr>
-          <p:cNvPr id="39" name="Straight Connector 38">
-            <a:extLst>
-              <a:ext uri="{FF2B5EF4-FFF2-40B4-BE49-F238E27FC236}">
-                <a16:creationId xmlns:a16="http://schemas.microsoft.com/office/drawing/2014/main" id="{75109762-4DDA-D43D-01FF-47B9F56EBC83}"/>
-              </a:ext>
-            </a:extLst>
-          </p:cNvPr>
-          <p:cNvCxnSpPr>
-            <a:cxnSpLocks/>
-          </p:cNvCxnSpPr>
-          <p:nvPr/>
-        </p:nvCxnSpPr>
-        <p:spPr>
-          <a:xfrm>
-            <a:off x="5036722" y="604296"/>
-            <a:ext cx="0" cy="3291840"/>
-          </a:xfrm>
-          <a:prstGeom prst="line">
-            <a:avLst/>
-          </a:prstGeom>
-          <a:ln w="38100">
-            <a:solidFill>
-              <a:srgbClr val="FF0000"/>
-            </a:solidFill>
-          </a:ln>
-        </p:spPr>
-        <p:style>
-          <a:lnRef idx="2">
-            <a:schemeClr val="accent1"/>
-          </a:lnRef>
-          <a:fillRef idx="0">
-            <a:schemeClr val="accent1"/>
-          </a:fillRef>
-          <a:effectRef idx="1">
-            <a:schemeClr val="accent1"/>
-          </a:effectRef>
-          <a:fontRef idx="minor">
-            <a:schemeClr val="tx1"/>
-          </a:fontRef>
-        </p:style>
-      </p:cxnSp>
-      <p:cxnSp>
-        <p:nvCxnSpPr>
-          <p:cNvPr id="40" name="Straight Connector 39">
-            <a:extLst>
-              <a:ext uri="{FF2B5EF4-FFF2-40B4-BE49-F238E27FC236}">
-                <a16:creationId xmlns:a16="http://schemas.microsoft.com/office/drawing/2014/main" id="{631B65FF-72BF-A127-F92B-64BE1AA3C4ED}"/>
-              </a:ext>
-            </a:extLst>
-          </p:cNvPr>
-          <p:cNvCxnSpPr/>
-          <p:nvPr/>
-        </p:nvCxnSpPr>
-        <p:spPr>
-          <a:xfrm>
-            <a:off x="9174089" y="611358"/>
-            <a:ext cx="0" cy="3291840"/>
-          </a:xfrm>
-          <a:prstGeom prst="line">
-            <a:avLst/>
-          </a:prstGeom>
-          <a:ln w="38100">
-            <a:solidFill>
-              <a:srgbClr val="FF0000"/>
-            </a:solidFill>
-          </a:ln>
-        </p:spPr>
-        <p:style>
-          <a:lnRef idx="2">
-            <a:schemeClr val="accent1"/>
-          </a:lnRef>
-          <a:fillRef idx="0">
-            <a:schemeClr val="accent1"/>
-          </a:fillRef>
-          <a:effectRef idx="1">
-            <a:schemeClr val="accent1"/>
-          </a:effectRef>
-          <a:fontRef idx="minor">
-            <a:schemeClr val="tx1"/>
-          </a:fontRef>
-        </p:style>
-      </p:cxnSp>
-      <p:cxnSp>
-        <p:nvCxnSpPr>
-          <p:cNvPr id="41" name="Straight Connector 40">
-            <a:extLst>
-              <a:ext uri="{FF2B5EF4-FFF2-40B4-BE49-F238E27FC236}">
-                <a16:creationId xmlns:a16="http://schemas.microsoft.com/office/drawing/2014/main" id="{B0A30FD0-CA0A-0469-CB3F-E4F732B307D3}"/>
-              </a:ext>
-            </a:extLst>
-          </p:cNvPr>
-          <p:cNvCxnSpPr>
-            <a:cxnSpLocks/>
-          </p:cNvCxnSpPr>
-          <p:nvPr/>
-        </p:nvCxnSpPr>
-        <p:spPr>
-          <a:xfrm flipH="1">
-            <a:off x="5038523" y="630784"/>
-            <a:ext cx="4135566" cy="0"/>
-          </a:xfrm>
-          <a:prstGeom prst="line">
-            <a:avLst/>
-          </a:prstGeom>
-          <a:ln w="38100">
-            <a:solidFill>
-              <a:srgbClr val="FF0000"/>
-            </a:solidFill>
-          </a:ln>
-        </p:spPr>
-        <p:style>
-          <a:lnRef idx="2">
-            <a:schemeClr val="accent1"/>
-          </a:lnRef>
-          <a:fillRef idx="0">
-            <a:schemeClr val="accent1"/>
-          </a:fillRef>
-          <a:effectRef idx="1">
-            <a:schemeClr val="accent1"/>
-          </a:effectRef>
-          <a:fontRef idx="minor">
-            <a:schemeClr val="tx1"/>
-          </a:fontRef>
-        </p:style>
-      </p:cxnSp>
-      <p:cxnSp>
-        <p:nvCxnSpPr>
-          <p:cNvPr id="44" name="Straight Connector 43">
-            <a:extLst>
-              <a:ext uri="{FF2B5EF4-FFF2-40B4-BE49-F238E27FC236}">
-                <a16:creationId xmlns:a16="http://schemas.microsoft.com/office/drawing/2014/main" id="{60BDA44C-6624-3C3A-6DFD-14C9046DB2A3}"/>
-              </a:ext>
-            </a:extLst>
-          </p:cNvPr>
-          <p:cNvCxnSpPr>
-            <a:cxnSpLocks/>
-          </p:cNvCxnSpPr>
-          <p:nvPr/>
-        </p:nvCxnSpPr>
-        <p:spPr>
-          <a:xfrm>
-            <a:off x="5038523" y="3874644"/>
-            <a:ext cx="4135566" cy="0"/>
-          </a:xfrm>
-          <a:prstGeom prst="line">
-            <a:avLst/>
-          </a:prstGeom>
-          <a:ln w="38100">
-            <a:solidFill>
-              <a:srgbClr val="FF0000"/>
-            </a:solidFill>
-          </a:ln>
-        </p:spPr>
-        <p:style>
-          <a:lnRef idx="2">
-            <a:schemeClr val="accent1"/>
-          </a:lnRef>
-          <a:fillRef idx="0">
-            <a:schemeClr val="accent1"/>
-          </a:fillRef>
-          <a:effectRef idx="1">
-            <a:schemeClr val="accent1"/>
-          </a:effectRef>
-          <a:fontRef idx="minor">
-            <a:schemeClr val="tx1"/>
-          </a:fontRef>
-        </p:style>
-      </p:cxnSp>
-      <p:sp>
-        <p:nvSpPr>
-          <p:cNvPr id="2" name="Rectangle 1">
-            <a:extLst>
-              <a:ext uri="{FF2B5EF4-FFF2-40B4-BE49-F238E27FC236}">
-                <a16:creationId xmlns:a16="http://schemas.microsoft.com/office/drawing/2014/main" id="{DEA501B8-8121-7A6B-4518-9704E8317B9F}"/>
-              </a:ext>
-            </a:extLst>
-          </p:cNvPr>
-          <p:cNvSpPr/>
-          <p:nvPr/>
-        </p:nvSpPr>
-        <p:spPr>
-          <a:xfrm>
-            <a:off x="5156050" y="1964467"/>
-            <a:ext cx="341661" cy="310706"/>
-          </a:xfrm>
-          <a:prstGeom prst="rect">
-            <a:avLst/>
-          </a:prstGeom>
-          <a:solidFill>
-            <a:schemeClr val="bg1"/>
-          </a:solidFill>
-          <a:ln>
-            <a:solidFill>
-              <a:schemeClr val="bg1"/>
-            </a:solidFill>
-          </a:ln>
-        </p:spPr>
-        <p:style>
-          <a:lnRef idx="2">
-            <a:schemeClr val="accent1">
-              <a:shade val="50000"/>
-            </a:schemeClr>
-          </a:lnRef>
-          <a:fillRef idx="1">
-            <a:schemeClr val="accent1"/>
-          </a:fillRef>
-          <a:effectRef idx="0">
-            <a:schemeClr val="accent1"/>
-          </a:effectRef>
-          <a:fontRef idx="minor">
-            <a:schemeClr val="lt1"/>
-          </a:fontRef>
-        </p:style>
-        <p:txBody>
-          <a:bodyPr rtlCol="0" anchor="ctr"/>
-          <a:lstStyle/>
-          <a:p>
-            <a:pPr algn="ctr"/>
-            <a:endParaRPr lang="en-US"/>
-          </a:p>
-        </p:txBody>
-      </p:sp>
-      <p:sp>
-        <p:nvSpPr>
-          <p:cNvPr id="45" name="Rectangle 44">
-            <a:extLst>
-              <a:ext uri="{FF2B5EF4-FFF2-40B4-BE49-F238E27FC236}">
-                <a16:creationId xmlns:a16="http://schemas.microsoft.com/office/drawing/2014/main" id="{2AE3A40A-4F4D-6411-63CF-69B1804CCF0E}"/>
-              </a:ext>
-            </a:extLst>
-          </p:cNvPr>
-          <p:cNvSpPr/>
-          <p:nvPr/>
-        </p:nvSpPr>
-        <p:spPr>
-          <a:xfrm>
-            <a:off x="9993617" y="1917187"/>
-            <a:ext cx="341661" cy="310706"/>
-          </a:xfrm>
-          <a:prstGeom prst="rect">
-            <a:avLst/>
-          </a:prstGeom>
-          <a:solidFill>
-            <a:schemeClr val="bg1"/>
-          </a:solidFill>
-          <a:ln>
-            <a:solidFill>
-              <a:schemeClr val="bg1"/>
-            </a:solidFill>
-          </a:ln>
-        </p:spPr>
-        <p:style>
-          <a:lnRef idx="2">
-            <a:schemeClr val="accent1">
-              <a:shade val="50000"/>
-            </a:schemeClr>
-          </a:lnRef>
-          <a:fillRef idx="1">
-            <a:schemeClr val="accent1"/>
-          </a:fillRef>
-          <a:effectRef idx="0">
-            <a:schemeClr val="accent1"/>
-          </a:effectRef>
-          <a:fontRef idx="minor">
-            <a:schemeClr val="lt1"/>
-          </a:fontRef>
-        </p:style>
-        <p:txBody>
-          <a:bodyPr rtlCol="0" anchor="ctr"/>
-          <a:lstStyle/>
-          <a:p>
-            <a:pPr algn="ctr"/>
-            <a:endParaRPr lang="en-US"/>
-          </a:p>
-        </p:txBody>
-      </p:sp>
-      <p:sp>
-        <p:nvSpPr>
-          <p:cNvPr id="46" name="Rectangle 45">
-            <a:extLst>
-              <a:ext uri="{FF2B5EF4-FFF2-40B4-BE49-F238E27FC236}">
-                <a16:creationId xmlns:a16="http://schemas.microsoft.com/office/drawing/2014/main" id="{60DBE1A7-3AD5-67D8-564C-E0318065CD50}"/>
-              </a:ext>
-            </a:extLst>
-          </p:cNvPr>
-          <p:cNvSpPr/>
-          <p:nvPr/>
-        </p:nvSpPr>
-        <p:spPr>
-          <a:xfrm>
-            <a:off x="9422225" y="5213791"/>
-            <a:ext cx="341661" cy="310706"/>
-          </a:xfrm>
-          <a:prstGeom prst="rect">
-            <a:avLst/>
-          </a:prstGeom>
-          <a:solidFill>
-            <a:schemeClr val="bg1"/>
-          </a:solidFill>
-          <a:ln>
-            <a:solidFill>
-              <a:schemeClr val="bg1"/>
-            </a:solidFill>
-          </a:ln>
-        </p:spPr>
-        <p:style>
-          <a:lnRef idx="2">
-            <a:schemeClr val="accent1">
-              <a:shade val="50000"/>
-            </a:schemeClr>
-          </a:lnRef>
-          <a:fillRef idx="1">
-            <a:schemeClr val="accent1"/>
-          </a:fillRef>
-          <a:effectRef idx="0">
-            <a:schemeClr val="accent1"/>
-          </a:effectRef>
-          <a:fontRef idx="minor">
-            <a:schemeClr val="lt1"/>
-          </a:fontRef>
-        </p:style>
-        <p:txBody>
-          <a:bodyPr rtlCol="0" anchor="ctr"/>
-          <a:lstStyle/>
-          <a:p>
-            <a:pPr algn="ctr"/>
-            <a:endParaRPr lang="en-US"/>
-          </a:p>
-        </p:txBody>
-      </p:sp>
     </p:spTree>
     <p:extLst>
       <p:ext uri="{BB962C8B-B14F-4D97-AF65-F5344CB8AC3E}">
-        <p14:creationId xmlns:p14="http://schemas.microsoft.com/office/powerpoint/2010/main" val="325474094"/>
+        <p14:creationId xmlns:p14="http://schemas.microsoft.com/office/powerpoint/2010/main" val="104188236"/>
       </p:ext>
     </p:extLst>
   </p:cSld>
@@ -6600,10 +6617,10 @@
       </p:pic>
       <p:pic>
         <p:nvPicPr>
-          <p:cNvPr id="3" name="Picture 2" descr="A diagram of a graph&#10;&#10;Description automatically generated with medium confidence">
-            <a:extLst>
-              <a:ext uri="{FF2B5EF4-FFF2-40B4-BE49-F238E27FC236}">
-                <a16:creationId xmlns:a16="http://schemas.microsoft.com/office/drawing/2014/main" id="{F81A097A-9F92-7ECF-89EC-DAC4C220B1BD}"/>
+          <p:cNvPr id="4" name="Picture 3" descr="A diagram of a graph&#10;&#10;Description automatically generated with medium confidence">
+            <a:extLst>
+              <a:ext uri="{FF2B5EF4-FFF2-40B4-BE49-F238E27FC236}">
+                <a16:creationId xmlns:a16="http://schemas.microsoft.com/office/drawing/2014/main" id="{BF0E3701-6A1D-6C1A-4ACA-A638F10CBBED}"/>
               </a:ext>
             </a:extLst>
           </p:cNvPr>
@@ -6620,14 +6637,48 @@
               </a:ext>
             </a:extLst>
           </a:blip>
-          <a:stretch>
-            <a:fillRect/>
-          </a:stretch>
+          <a:srcRect l="2314" t="13899" r="81312" b="78098"/>
+          <a:stretch/>
         </p:blipFill>
         <p:spPr>
           <a:xfrm>
-            <a:off x="8567913" y="2149491"/>
-            <a:ext cx="2020828" cy="2052832"/>
+            <a:off x="3402621" y="1330778"/>
+            <a:ext cx="524399" cy="261255"/>
+          </a:xfrm>
+          <a:prstGeom prst="rect">
+            <a:avLst/>
+          </a:prstGeom>
+        </p:spPr>
+      </p:pic>
+      <p:pic>
+        <p:nvPicPr>
+          <p:cNvPr id="5" name="Picture 4" descr="A diagram of a graph&#10;&#10;Description automatically generated with medium confidence">
+            <a:extLst>
+              <a:ext uri="{FF2B5EF4-FFF2-40B4-BE49-F238E27FC236}">
+                <a16:creationId xmlns:a16="http://schemas.microsoft.com/office/drawing/2014/main" id="{4CEF1E40-9C59-5C67-0AE3-BFE25DA49478}"/>
+              </a:ext>
+            </a:extLst>
+          </p:cNvPr>
+          <p:cNvPicPr>
+            <a:picLocks noChangeAspect="1"/>
+          </p:cNvPicPr>
+          <p:nvPr/>
+        </p:nvPicPr>
+        <p:blipFill>
+          <a:blip r:embed="rId4">
+            <a:extLst>
+              <a:ext uri="{28A0092B-C50C-407E-A947-70E740481C1C}">
+                <a14:useLocalDpi xmlns:a14="http://schemas.microsoft.com/office/drawing/2010/main" val="0"/>
+              </a:ext>
+            </a:extLst>
+          </a:blip>
+          <a:srcRect l="2314" t="13899" r="81312" b="78098"/>
+          <a:stretch/>
+        </p:blipFill>
+        <p:spPr>
+          <a:xfrm>
+            <a:off x="305635" y="1330778"/>
+            <a:ext cx="524399" cy="261255"/>
           </a:xfrm>
           <a:prstGeom prst="rect">
             <a:avLst/>
@@ -6637,7 +6688,7 @@
     </p:spTree>
     <p:extLst>
       <p:ext uri="{BB962C8B-B14F-4D97-AF65-F5344CB8AC3E}">
-        <p14:creationId xmlns:p14="http://schemas.microsoft.com/office/powerpoint/2010/main" val="104188236"/>
+        <p14:creationId xmlns:p14="http://schemas.microsoft.com/office/powerpoint/2010/main" val="3343121141"/>
       </p:ext>
     </p:extLst>
   </p:cSld>
@@ -6664,12 +6715,66 @@
           <a:chExt cx="0" cy="0"/>
         </a:xfrm>
       </p:grpSpPr>
+      <p:sp>
+        <p:nvSpPr>
+          <p:cNvPr id="23" name="Rectangle 22">
+            <a:extLst>
+              <a:ext uri="{FF2B5EF4-FFF2-40B4-BE49-F238E27FC236}">
+                <a16:creationId xmlns:a16="http://schemas.microsoft.com/office/drawing/2014/main" id="{7B32776B-57E2-03D4-5F8D-65046A8BC7D9}"/>
+              </a:ext>
+            </a:extLst>
+          </p:cNvPr>
+          <p:cNvSpPr/>
+          <p:nvPr/>
+        </p:nvSpPr>
+        <p:spPr>
+          <a:xfrm>
+            <a:off x="1438102" y="881149"/>
+            <a:ext cx="8249568" cy="3749040"/>
+          </a:xfrm>
+          <a:prstGeom prst="rect">
+            <a:avLst/>
+          </a:prstGeom>
+          <a:solidFill>
+            <a:schemeClr val="bg1"/>
+          </a:solidFill>
+          <a:ln>
+            <a:solidFill>
+              <a:schemeClr val="bg1"/>
+            </a:solidFill>
+          </a:ln>
+        </p:spPr>
+        <p:style>
+          <a:lnRef idx="2">
+            <a:schemeClr val="accent1">
+              <a:shade val="50000"/>
+            </a:schemeClr>
+          </a:lnRef>
+          <a:fillRef idx="1">
+            <a:schemeClr val="accent1"/>
+          </a:fillRef>
+          <a:effectRef idx="0">
+            <a:schemeClr val="accent1"/>
+          </a:effectRef>
+          <a:fontRef idx="minor">
+            <a:schemeClr val="lt1"/>
+          </a:fontRef>
+        </p:style>
+        <p:txBody>
+          <a:bodyPr rtlCol="0" anchor="ctr"/>
+          <a:lstStyle/>
+          <a:p>
+            <a:pPr algn="ctr"/>
+            <a:endParaRPr lang="en-US"/>
+          </a:p>
+        </p:txBody>
+      </p:sp>
       <p:pic>
         <p:nvPicPr>
-          <p:cNvPr id="11" name="Picture 10">
-            <a:extLst>
-              <a:ext uri="{FF2B5EF4-FFF2-40B4-BE49-F238E27FC236}">
-                <a16:creationId xmlns:a16="http://schemas.microsoft.com/office/drawing/2014/main" id="{13EBC111-6D6E-76E9-2D5E-46A2EB5811AB}"/>
+          <p:cNvPr id="3" name="Picture 2">
+            <a:extLst>
+              <a:ext uri="{FF2B5EF4-FFF2-40B4-BE49-F238E27FC236}">
+                <a16:creationId xmlns:a16="http://schemas.microsoft.com/office/drawing/2014/main" id="{C509839A-1ADF-3A19-0BEF-7864019D8827}"/>
               </a:ext>
             </a:extLst>
           </p:cNvPr>
@@ -6678,16 +6783,15 @@
           </p:cNvPicPr>
           <p:nvPr/>
         </p:nvPicPr>
-        <p:blipFill>
+        <p:blipFill rotWithShape="1">
           <a:blip r:embed="rId2"/>
-          <a:stretch>
-            <a:fillRect/>
-          </a:stretch>
+          <a:srcRect r="41590"/>
+          <a:stretch/>
         </p:blipFill>
         <p:spPr>
           <a:xfrm>
-            <a:off x="219981" y="868912"/>
-            <a:ext cx="3182641" cy="3262267"/>
+            <a:off x="1438104" y="855662"/>
+            <a:ext cx="2136370" cy="3749040"/>
           </a:xfrm>
           <a:prstGeom prst="rect">
             <a:avLst/>
@@ -6696,10 +6800,10 @@
       </p:pic>
       <p:pic>
         <p:nvPicPr>
-          <p:cNvPr id="13" name="Picture 12">
-            <a:extLst>
-              <a:ext uri="{FF2B5EF4-FFF2-40B4-BE49-F238E27FC236}">
-                <a16:creationId xmlns:a16="http://schemas.microsoft.com/office/drawing/2014/main" id="{3A242035-5B84-14A4-57EF-35D0C52E7D55}"/>
+          <p:cNvPr id="9" name="Picture 8">
+            <a:extLst>
+              <a:ext uri="{FF2B5EF4-FFF2-40B4-BE49-F238E27FC236}">
+                <a16:creationId xmlns:a16="http://schemas.microsoft.com/office/drawing/2014/main" id="{121AEAAD-50FA-61B4-FC17-38302EEFA557}"/>
               </a:ext>
             </a:extLst>
           </p:cNvPr>
@@ -6708,16 +6812,15 @@
           </p:cNvPicPr>
           <p:nvPr/>
         </p:nvPicPr>
-        <p:blipFill>
+        <p:blipFill rotWithShape="1">
           <a:blip r:embed="rId3"/>
-          <a:stretch>
-            <a:fillRect/>
-          </a:stretch>
+          <a:srcRect l="60910"/>
+          <a:stretch/>
         </p:blipFill>
         <p:spPr>
           <a:xfrm>
-            <a:off x="3279532" y="868912"/>
-            <a:ext cx="4249658" cy="3262266"/>
+            <a:off x="3665914" y="860368"/>
+            <a:ext cx="1429721" cy="3749040"/>
           </a:xfrm>
           <a:prstGeom prst="rect">
             <a:avLst/>
@@ -6726,10 +6829,10 @@
       </p:pic>
       <p:pic>
         <p:nvPicPr>
-          <p:cNvPr id="4" name="Picture 3" descr="A diagram of a graph&#10;&#10;Description automatically generated with medium confidence">
-            <a:extLst>
-              <a:ext uri="{FF2B5EF4-FFF2-40B4-BE49-F238E27FC236}">
-                <a16:creationId xmlns:a16="http://schemas.microsoft.com/office/drawing/2014/main" id="{BF0E3701-6A1D-6C1A-4ACA-A638F10CBBED}"/>
+          <p:cNvPr id="12" name="Picture 11">
+            <a:extLst>
+              <a:ext uri="{FF2B5EF4-FFF2-40B4-BE49-F238E27FC236}">
+                <a16:creationId xmlns:a16="http://schemas.microsoft.com/office/drawing/2014/main" id="{EE04190B-E15F-DAFE-2427-C9FF035CC886}"/>
               </a:ext>
             </a:extLst>
           </p:cNvPr>
@@ -6738,33 +6841,81 @@
           </p:cNvPicPr>
           <p:nvPr/>
         </p:nvPicPr>
-        <p:blipFill>
-          <a:blip r:embed="rId4">
-            <a:extLst>
-              <a:ext uri="{28A0092B-C50C-407E-A947-70E740481C1C}">
-                <a14:useLocalDpi xmlns:a14="http://schemas.microsoft.com/office/drawing/2010/main" val="0"/>
-              </a:ext>
-            </a:extLst>
-          </a:blip>
-          <a:srcRect l="2314" t="13899" r="81312" b="78098"/>
+        <p:blipFill rotWithShape="1">
+          <a:blip r:embed="rId3"/>
+          <a:srcRect t="42195" r="80000" b="50266"/>
           <a:stretch/>
         </p:blipFill>
         <p:spPr>
           <a:xfrm>
-            <a:off x="3402621" y="1330778"/>
-            <a:ext cx="524399" cy="261255"/>
+            <a:off x="1438102" y="2447000"/>
+            <a:ext cx="731522" cy="282633"/>
           </a:xfrm>
           <a:prstGeom prst="rect">
             <a:avLst/>
           </a:prstGeom>
         </p:spPr>
       </p:pic>
+      <p:sp>
+        <p:nvSpPr>
+          <p:cNvPr id="15" name="Rectangle 14">
+            <a:extLst>
+              <a:ext uri="{FF2B5EF4-FFF2-40B4-BE49-F238E27FC236}">
+                <a16:creationId xmlns:a16="http://schemas.microsoft.com/office/drawing/2014/main" id="{2A596A03-97D1-2AC9-9663-B0BE5C2DDAA4}"/>
+              </a:ext>
+            </a:extLst>
+          </p:cNvPr>
+          <p:cNvSpPr/>
+          <p:nvPr/>
+        </p:nvSpPr>
+        <p:spPr>
+          <a:xfrm>
+            <a:off x="1562285" y="2447000"/>
+            <a:ext cx="531845" cy="766976"/>
+          </a:xfrm>
+          <a:prstGeom prst="rect">
+            <a:avLst/>
+          </a:prstGeom>
+          <a:solidFill>
+            <a:schemeClr val="bg1"/>
+          </a:solidFill>
+          <a:ln>
+            <a:solidFill>
+              <a:schemeClr val="bg1"/>
+            </a:solidFill>
+          </a:ln>
+        </p:spPr>
+        <p:style>
+          <a:lnRef idx="2">
+            <a:schemeClr val="accent1">
+              <a:shade val="50000"/>
+            </a:schemeClr>
+          </a:lnRef>
+          <a:fillRef idx="1">
+            <a:schemeClr val="accent1"/>
+          </a:fillRef>
+          <a:effectRef idx="0">
+            <a:schemeClr val="accent1"/>
+          </a:effectRef>
+          <a:fontRef idx="minor">
+            <a:schemeClr val="lt1"/>
+          </a:fontRef>
+        </p:style>
+        <p:txBody>
+          <a:bodyPr rtlCol="0" anchor="ctr"/>
+          <a:lstStyle/>
+          <a:p>
+            <a:pPr algn="ctr"/>
+            <a:endParaRPr lang="en-US"/>
+          </a:p>
+        </p:txBody>
+      </p:sp>
       <p:pic>
         <p:nvPicPr>
-          <p:cNvPr id="5" name="Picture 4" descr="A diagram of a graph&#10;&#10;Description automatically generated with medium confidence">
-            <a:extLst>
-              <a:ext uri="{FF2B5EF4-FFF2-40B4-BE49-F238E27FC236}">
-                <a16:creationId xmlns:a16="http://schemas.microsoft.com/office/drawing/2014/main" id="{4CEF1E40-9C59-5C67-0AE3-BFE25DA49478}"/>
+          <p:cNvPr id="22" name="Picture 21">
+            <a:extLst>
+              <a:ext uri="{FF2B5EF4-FFF2-40B4-BE49-F238E27FC236}">
+                <a16:creationId xmlns:a16="http://schemas.microsoft.com/office/drawing/2014/main" id="{ADFA512B-C864-3D6A-D0BA-CA31D6369D26}"/>
               </a:ext>
             </a:extLst>
           </p:cNvPr>
@@ -6773,21 +6924,15 @@
           </p:cNvPicPr>
           <p:nvPr/>
         </p:nvPicPr>
-        <p:blipFill>
-          <a:blip r:embed="rId4">
-            <a:extLst>
-              <a:ext uri="{28A0092B-C50C-407E-A947-70E740481C1C}">
-                <a14:useLocalDpi xmlns:a14="http://schemas.microsoft.com/office/drawing/2010/main" val="0"/>
-              </a:ext>
-            </a:extLst>
-          </a:blip>
-          <a:srcRect l="2314" t="13899" r="81312" b="78098"/>
+        <p:blipFill rotWithShape="1">
+          <a:blip r:embed="rId4"/>
+          <a:srcRect l="2402"/>
           <a:stretch/>
         </p:blipFill>
         <p:spPr>
           <a:xfrm>
-            <a:off x="305635" y="1330778"/>
-            <a:ext cx="524399" cy="261255"/>
+            <a:off x="4959221" y="865074"/>
+            <a:ext cx="4728449" cy="3749040"/>
           </a:xfrm>
           <a:prstGeom prst="rect">
             <a:avLst/>
@@ -6797,7 +6942,7 @@
     </p:spTree>
     <p:extLst>
       <p:ext uri="{BB962C8B-B14F-4D97-AF65-F5344CB8AC3E}">
-        <p14:creationId xmlns:p14="http://schemas.microsoft.com/office/powerpoint/2010/main" val="3343121141"/>
+        <p14:creationId xmlns:p14="http://schemas.microsoft.com/office/powerpoint/2010/main" val="4205783335"/>
       </p:ext>
     </p:extLst>
   </p:cSld>
@@ -6824,6 +6969,66 @@
           <a:chExt cx="0" cy="0"/>
         </a:xfrm>
       </p:grpSpPr>
+      <p:pic>
+        <p:nvPicPr>
+          <p:cNvPr id="6" name="Picture 5">
+            <a:extLst>
+              <a:ext uri="{FF2B5EF4-FFF2-40B4-BE49-F238E27FC236}">
+                <a16:creationId xmlns:a16="http://schemas.microsoft.com/office/drawing/2014/main" id="{4144544A-6188-CD4B-0EA1-A3FB262D1CC2}"/>
+              </a:ext>
+            </a:extLst>
+          </p:cNvPr>
+          <p:cNvPicPr>
+            <a:picLocks noChangeAspect="1"/>
+          </p:cNvPicPr>
+          <p:nvPr/>
+        </p:nvPicPr>
+        <p:blipFill>
+          <a:blip r:embed="rId2"/>
+          <a:stretch>
+            <a:fillRect/>
+          </a:stretch>
+        </p:blipFill>
+        <p:spPr>
+          <a:xfrm>
+            <a:off x="0" y="166734"/>
+            <a:ext cx="4249658" cy="3262266"/>
+          </a:xfrm>
+          <a:prstGeom prst="rect">
+            <a:avLst/>
+          </a:prstGeom>
+        </p:spPr>
+      </p:pic>
+    </p:spTree>
+    <p:extLst>
+      <p:ext uri="{BB962C8B-B14F-4D97-AF65-F5344CB8AC3E}">
+        <p14:creationId xmlns:p14="http://schemas.microsoft.com/office/powerpoint/2010/main" val="3257794501"/>
+      </p:ext>
+    </p:extLst>
+  </p:cSld>
+  <p:clrMapOvr>
+    <a:masterClrMapping/>
+  </p:clrMapOvr>
+</p:sld>
+</file>
+
+<file path=ppt/slides/slide8.xml><?xml version="1.0" encoding="utf-8"?>
+<p:sld xmlns:a="http://schemas.openxmlformats.org/drawingml/2006/main" xmlns:r="http://schemas.openxmlformats.org/officeDocument/2006/relationships" xmlns:p="http://schemas.openxmlformats.org/presentationml/2006/main">
+  <p:cSld>
+    <p:spTree>
+      <p:nvGrpSpPr>
+        <p:cNvPr id="1" name=""/>
+        <p:cNvGrpSpPr/>
+        <p:nvPr/>
+      </p:nvGrpSpPr>
+      <p:grpSpPr>
+        <a:xfrm>
+          <a:off x="0" y="0"/>
+          <a:ext cx="0" cy="0"/>
+          <a:chOff x="0" y="0"/>
+          <a:chExt cx="0" cy="0"/>
+        </a:xfrm>
+      </p:grpSpPr>
       <p:sp>
         <p:nvSpPr>
           <p:cNvPr id="4" name="Rectangle 3">
@@ -6950,7 +7155,7 @@
 </p:sld>
 </file>
 
-<file path=ppt/slides/slide8.xml><?xml version="1.0" encoding="utf-8"?>
+<file path=ppt/slides/slide9.xml><?xml version="1.0" encoding="utf-8"?>
 <p:sld xmlns:a="http://schemas.openxmlformats.org/drawingml/2006/main" xmlns:r="http://schemas.openxmlformats.org/officeDocument/2006/relationships" xmlns:p="http://schemas.openxmlformats.org/presentationml/2006/main">
   <p:cSld>
     <p:spTree>

--- a/figures/figs.pptx
+++ b/figures/figs.pptx
@@ -205,7 +205,7 @@
           <a:p>
             <a:fld id="{2EEC62BD-4933-4F6B-959D-B89BFB4EE157}" type="datetimeFigureOut">
               <a:rPr lang="en-US" smtClean="0"/>
-              <a:t>10/6/2024</a:t>
+              <a:t>10/8/2024</a:t>
             </a:fld>
             <a:endParaRPr lang="en-US"/>
           </a:p>
@@ -703,7 +703,7 @@
           <a:p>
             <a:fld id="{68285EB9-E676-4C25-92BE-BE2B99F733C4}" type="datetimeFigureOut">
               <a:rPr lang="en-US" smtClean="0"/>
-              <a:t>10/6/2024</a:t>
+              <a:t>10/8/2024</a:t>
             </a:fld>
             <a:endParaRPr lang="en-US"/>
           </a:p>
@@ -901,7 +901,7 @@
           <a:p>
             <a:fld id="{68285EB9-E676-4C25-92BE-BE2B99F733C4}" type="datetimeFigureOut">
               <a:rPr lang="en-US" smtClean="0"/>
-              <a:t>10/6/2024</a:t>
+              <a:t>10/8/2024</a:t>
             </a:fld>
             <a:endParaRPr lang="en-US"/>
           </a:p>
@@ -1109,7 +1109,7 @@
           <a:p>
             <a:fld id="{68285EB9-E676-4C25-92BE-BE2B99F733C4}" type="datetimeFigureOut">
               <a:rPr lang="en-US" smtClean="0"/>
-              <a:t>10/6/2024</a:t>
+              <a:t>10/8/2024</a:t>
             </a:fld>
             <a:endParaRPr lang="en-US"/>
           </a:p>
@@ -1307,7 +1307,7 @@
           <a:p>
             <a:fld id="{68285EB9-E676-4C25-92BE-BE2B99F733C4}" type="datetimeFigureOut">
               <a:rPr lang="en-US" smtClean="0"/>
-              <a:t>10/6/2024</a:t>
+              <a:t>10/8/2024</a:t>
             </a:fld>
             <a:endParaRPr lang="en-US"/>
           </a:p>
@@ -1582,7 +1582,7 @@
           <a:p>
             <a:fld id="{68285EB9-E676-4C25-92BE-BE2B99F733C4}" type="datetimeFigureOut">
               <a:rPr lang="en-US" smtClean="0"/>
-              <a:t>10/6/2024</a:t>
+              <a:t>10/8/2024</a:t>
             </a:fld>
             <a:endParaRPr lang="en-US"/>
           </a:p>
@@ -1847,7 +1847,7 @@
           <a:p>
             <a:fld id="{68285EB9-E676-4C25-92BE-BE2B99F733C4}" type="datetimeFigureOut">
               <a:rPr lang="en-US" smtClean="0"/>
-              <a:t>10/6/2024</a:t>
+              <a:t>10/8/2024</a:t>
             </a:fld>
             <a:endParaRPr lang="en-US"/>
           </a:p>
@@ -2259,7 +2259,7 @@
           <a:p>
             <a:fld id="{68285EB9-E676-4C25-92BE-BE2B99F733C4}" type="datetimeFigureOut">
               <a:rPr lang="en-US" smtClean="0"/>
-              <a:t>10/6/2024</a:t>
+              <a:t>10/8/2024</a:t>
             </a:fld>
             <a:endParaRPr lang="en-US"/>
           </a:p>
@@ -2400,7 +2400,7 @@
           <a:p>
             <a:fld id="{68285EB9-E676-4C25-92BE-BE2B99F733C4}" type="datetimeFigureOut">
               <a:rPr lang="en-US" smtClean="0"/>
-              <a:t>10/6/2024</a:t>
+              <a:t>10/8/2024</a:t>
             </a:fld>
             <a:endParaRPr lang="en-US"/>
           </a:p>
@@ -2513,7 +2513,7 @@
           <a:p>
             <a:fld id="{68285EB9-E676-4C25-92BE-BE2B99F733C4}" type="datetimeFigureOut">
               <a:rPr lang="en-US" smtClean="0"/>
-              <a:t>10/6/2024</a:t>
+              <a:t>10/8/2024</a:t>
             </a:fld>
             <a:endParaRPr lang="en-US"/>
           </a:p>
@@ -2824,7 +2824,7 @@
           <a:p>
             <a:fld id="{68285EB9-E676-4C25-92BE-BE2B99F733C4}" type="datetimeFigureOut">
               <a:rPr lang="en-US" smtClean="0"/>
-              <a:t>10/6/2024</a:t>
+              <a:t>10/8/2024</a:t>
             </a:fld>
             <a:endParaRPr lang="en-US"/>
           </a:p>
@@ -3112,7 +3112,7 @@
           <a:p>
             <a:fld id="{68285EB9-E676-4C25-92BE-BE2B99F733C4}" type="datetimeFigureOut">
               <a:rPr lang="en-US" smtClean="0"/>
-              <a:t>10/6/2024</a:t>
+              <a:t>10/8/2024</a:t>
             </a:fld>
             <a:endParaRPr lang="en-US"/>
           </a:p>
@@ -3353,7 +3353,7 @@
           <a:p>
             <a:fld id="{68285EB9-E676-4C25-92BE-BE2B99F733C4}" type="datetimeFigureOut">
               <a:rPr lang="en-US" smtClean="0"/>
-              <a:t>10/6/2024</a:t>
+              <a:t>10/8/2024</a:t>
             </a:fld>
             <a:endParaRPr lang="en-US"/>
           </a:p>
@@ -5170,35 +5170,6 @@
           </a:fontRef>
         </p:style>
       </p:cxnSp>
-      <p:pic>
-        <p:nvPicPr>
-          <p:cNvPr id="23" name="Picture 22">
-            <a:extLst>
-              <a:ext uri="{FF2B5EF4-FFF2-40B4-BE49-F238E27FC236}">
-                <a16:creationId xmlns:a16="http://schemas.microsoft.com/office/drawing/2014/main" id="{DFCD9F7B-3417-08F1-69C8-E6A06B79E8F7}"/>
-              </a:ext>
-            </a:extLst>
-          </p:cNvPr>
-          <p:cNvPicPr>
-            <a:picLocks noChangeAspect="1"/>
-          </p:cNvPicPr>
-          <p:nvPr/>
-        </p:nvPicPr>
-        <p:blipFill rotWithShape="1">
-          <a:blip r:embed="rId9"/>
-          <a:srcRect l="35957"/>
-          <a:stretch/>
-        </p:blipFill>
-        <p:spPr>
-          <a:xfrm>
-            <a:off x="10911253" y="3916330"/>
-            <a:ext cx="1031149" cy="3163824"/>
-          </a:xfrm>
-          <a:prstGeom prst="rect">
-            <a:avLst/>
-          </a:prstGeom>
-        </p:spPr>
-      </p:pic>
       <p:cxnSp>
         <p:nvCxnSpPr>
           <p:cNvPr id="24" name="Straight Connector 23">
@@ -5253,7 +5224,7 @@
           <p:nvPr/>
         </p:nvPicPr>
         <p:blipFill rotWithShape="1">
-          <a:blip r:embed="rId10"/>
+          <a:blip r:embed="rId9"/>
           <a:srcRect t="57158" r="83763"/>
           <a:stretch/>
         </p:blipFill>
@@ -5273,64 +5244,6 @@
             <a:extLst>
               <a:ext uri="{FF2B5EF4-FFF2-40B4-BE49-F238E27FC236}">
                 <a16:creationId xmlns:a16="http://schemas.microsoft.com/office/drawing/2014/main" id="{9C0ADBD7-E380-84FC-7EAF-1E34400260B7}"/>
-              </a:ext>
-            </a:extLst>
-          </p:cNvPr>
-          <p:cNvPicPr>
-            <a:picLocks noChangeAspect="1"/>
-          </p:cNvPicPr>
-          <p:nvPr/>
-        </p:nvPicPr>
-        <p:blipFill rotWithShape="1">
-          <a:blip r:embed="rId11"/>
-          <a:srcRect l="19894" r="43347"/>
-          <a:stretch/>
-        </p:blipFill>
-        <p:spPr>
-          <a:xfrm>
-            <a:off x="5507517" y="3901021"/>
-            <a:ext cx="1104707" cy="3163824"/>
-          </a:xfrm>
-          <a:prstGeom prst="rect">
-            <a:avLst/>
-          </a:prstGeom>
-        </p:spPr>
-      </p:pic>
-      <p:pic>
-        <p:nvPicPr>
-          <p:cNvPr id="27" name="Picture 26">
-            <a:extLst>
-              <a:ext uri="{FF2B5EF4-FFF2-40B4-BE49-F238E27FC236}">
-                <a16:creationId xmlns:a16="http://schemas.microsoft.com/office/drawing/2014/main" id="{0583B6DD-FCC8-42C2-BBBE-EA0A50FCF8A1}"/>
-              </a:ext>
-            </a:extLst>
-          </p:cNvPr>
-          <p:cNvPicPr>
-            <a:picLocks noChangeAspect="1"/>
-          </p:cNvPicPr>
-          <p:nvPr/>
-        </p:nvPicPr>
-        <p:blipFill rotWithShape="1">
-          <a:blip r:embed="rId11"/>
-          <a:srcRect l="305" r="83428" b="60086"/>
-          <a:stretch/>
-        </p:blipFill>
-        <p:spPr>
-          <a:xfrm>
-            <a:off x="5060891" y="3901020"/>
-            <a:ext cx="488853" cy="1262803"/>
-          </a:xfrm>
-          <a:prstGeom prst="rect">
-            <a:avLst/>
-          </a:prstGeom>
-        </p:spPr>
-      </p:pic>
-      <p:pic>
-        <p:nvPicPr>
-          <p:cNvPr id="28" name="Picture 27">
-            <a:extLst>
-              <a:ext uri="{FF2B5EF4-FFF2-40B4-BE49-F238E27FC236}">
-                <a16:creationId xmlns:a16="http://schemas.microsoft.com/office/drawing/2014/main" id="{8502F849-1A18-67D5-1CBC-68B154F9289D}"/>
               </a:ext>
             </a:extLst>
           </p:cNvPr>
@@ -5341,13 +5254,13 @@
         </p:nvPicPr>
         <p:blipFill rotWithShape="1">
           <a:blip r:embed="rId10"/>
-          <a:srcRect l="21511" r="557"/>
+          <a:srcRect l="19894" r="43347"/>
           <a:stretch/>
         </p:blipFill>
         <p:spPr>
           <a:xfrm>
-            <a:off x="6711805" y="3901995"/>
-            <a:ext cx="2344852" cy="3163824"/>
+            <a:off x="5507517" y="3901021"/>
+            <a:ext cx="1104707" cy="3163824"/>
           </a:xfrm>
           <a:prstGeom prst="rect">
             <a:avLst/>
@@ -5356,210 +5269,10 @@
       </p:pic>
       <p:pic>
         <p:nvPicPr>
-          <p:cNvPr id="29" name="Picture 28" descr="\documentclass{article}&#10;\usepackage{amsmath}&#10;\pagestyle{empty}&#10;\begin{document}&#10;e-v coupling&#10;&#10;&#10;&#10;\end{document}" title="IguanaTex Bitmap Display">
-            <a:extLst>
-              <a:ext uri="{FF2B5EF4-FFF2-40B4-BE49-F238E27FC236}">
-                <a16:creationId xmlns:a16="http://schemas.microsoft.com/office/drawing/2014/main" id="{76D096BC-8E5E-C002-A641-5608BDC5D9C5}"/>
-              </a:ext>
-            </a:extLst>
-          </p:cNvPr>
-          <p:cNvPicPr>
-            <a:picLocks noChangeAspect="1"/>
-          </p:cNvPicPr>
-          <p:nvPr>
-            <p:custDataLst>
-              <p:tags r:id="rId1"/>
-            </p:custDataLst>
-          </p:nvPr>
-        </p:nvPicPr>
-        <p:blipFill>
-          <a:blip r:embed="rId12">
-            <a:extLst>
-              <a:ext uri="{28A0092B-C50C-407E-A947-70E740481C1C}">
-                <a14:useLocalDpi xmlns:a14="http://schemas.microsoft.com/office/drawing/2010/main" val="0"/>
-              </a:ext>
-            </a:extLst>
-          </a:blip>
-          <a:stretch>
-            <a:fillRect/>
-          </a:stretch>
-        </p:blipFill>
-        <p:spPr>
-          <a:xfrm>
-            <a:off x="811608" y="1964467"/>
-            <a:ext cx="1545195" cy="263426"/>
-          </a:xfrm>
-          <a:prstGeom prst="rect">
-            <a:avLst/>
-          </a:prstGeom>
-        </p:spPr>
-      </p:pic>
-      <p:pic>
-        <p:nvPicPr>
-          <p:cNvPr id="30" name="Picture 29" descr="\documentclass{article}&#10;\usepackage{amsmath}&#10;\pagestyle{empty}&#10;\begin{document}&#10;e-v-x coupling&#10;&#10;&#10;&#10;\end{document}" title="IguanaTex Bitmap Display">
-            <a:extLst>
-              <a:ext uri="{FF2B5EF4-FFF2-40B4-BE49-F238E27FC236}">
-                <a16:creationId xmlns:a16="http://schemas.microsoft.com/office/drawing/2014/main" id="{71BB69CF-8451-EE4D-7A98-F74A2452D021}"/>
-              </a:ext>
-            </a:extLst>
-          </p:cNvPr>
-          <p:cNvPicPr>
-            <a:picLocks noChangeAspect="1"/>
-          </p:cNvPicPr>
-          <p:nvPr>
-            <p:custDataLst>
-              <p:tags r:id="rId2"/>
-            </p:custDataLst>
-          </p:nvPr>
-        </p:nvPicPr>
-        <p:blipFill>
-          <a:blip r:embed="rId13">
-            <a:extLst>
-              <a:ext uri="{28A0092B-C50C-407E-A947-70E740481C1C}">
-                <a14:useLocalDpi xmlns:a14="http://schemas.microsoft.com/office/drawing/2010/main" val="0"/>
-              </a:ext>
-            </a:extLst>
-          </a:blip>
-          <a:stretch>
-            <a:fillRect/>
-          </a:stretch>
-        </p:blipFill>
-        <p:spPr>
-          <a:xfrm>
-            <a:off x="808554" y="5271519"/>
-            <a:ext cx="1545336" cy="226407"/>
-          </a:xfrm>
-          <a:prstGeom prst="rect">
-            <a:avLst/>
-          </a:prstGeom>
-        </p:spPr>
-      </p:pic>
-      <p:pic>
-        <p:nvPicPr>
-          <p:cNvPr id="31" name="Picture 30" descr="\documentclass{article}&#10;\usepackage{amsmath}&#10;\pagestyle{empty}&#10;\begin{document}&#10;$\chi^{(2)}$&#10;&#10;&#10;&#10;\end{document}" title="IguanaTex Bitmap Display">
-            <a:extLst>
-              <a:ext uri="{FF2B5EF4-FFF2-40B4-BE49-F238E27FC236}">
-                <a16:creationId xmlns:a16="http://schemas.microsoft.com/office/drawing/2014/main" id="{D65BFFB7-BB83-1C4C-CCA1-3065B6C6C397}"/>
-              </a:ext>
-            </a:extLst>
-          </p:cNvPr>
-          <p:cNvPicPr>
-            <a:picLocks noChangeAspect="1"/>
-          </p:cNvPicPr>
-          <p:nvPr>
-            <p:custDataLst>
-              <p:tags r:id="rId3"/>
-            </p:custDataLst>
-          </p:nvPr>
-        </p:nvPicPr>
-        <p:blipFill>
-          <a:blip r:embed="rId14">
-            <a:extLst>
-              <a:ext uri="{28A0092B-C50C-407E-A947-70E740481C1C}">
-                <a14:useLocalDpi xmlns:a14="http://schemas.microsoft.com/office/drawing/2010/main" val="0"/>
-              </a:ext>
-            </a:extLst>
-          </a:blip>
-          <a:stretch>
-            <a:fillRect/>
-          </a:stretch>
-        </p:blipFill>
-        <p:spPr>
-          <a:xfrm>
-            <a:off x="3444679" y="30739"/>
-            <a:ext cx="780190" cy="551619"/>
-          </a:xfrm>
-          <a:prstGeom prst="rect">
-            <a:avLst/>
-          </a:prstGeom>
-        </p:spPr>
-      </p:pic>
-      <p:pic>
-        <p:nvPicPr>
-          <p:cNvPr id="32" name="Picture 31" descr="\documentclass{article}&#10;\usepackage{amsmath}&#10;\pagestyle{empty}&#10;\begin{document}&#10;$\chi^{(3)}$&#10;&#10;&#10;&#10;\end{document}" title="IguanaTex Bitmap Display">
-            <a:extLst>
-              <a:ext uri="{FF2B5EF4-FFF2-40B4-BE49-F238E27FC236}">
-                <a16:creationId xmlns:a16="http://schemas.microsoft.com/office/drawing/2014/main" id="{89A9F822-98DE-62D6-2352-13EF762F0018}"/>
-              </a:ext>
-            </a:extLst>
-          </p:cNvPr>
-          <p:cNvPicPr>
-            <a:picLocks noChangeAspect="1"/>
-          </p:cNvPicPr>
-          <p:nvPr>
-            <p:custDataLst>
-              <p:tags r:id="rId4"/>
-            </p:custDataLst>
-          </p:nvPr>
-        </p:nvPicPr>
-        <p:blipFill>
-          <a:blip r:embed="rId15">
-            <a:extLst>
-              <a:ext uri="{28A0092B-C50C-407E-A947-70E740481C1C}">
-                <a14:useLocalDpi xmlns:a14="http://schemas.microsoft.com/office/drawing/2010/main" val="0"/>
-              </a:ext>
-            </a:extLst>
-          </a:blip>
-          <a:stretch>
-            <a:fillRect/>
-          </a:stretch>
-        </p:blipFill>
-        <p:spPr>
-          <a:xfrm>
-            <a:off x="6711805" y="27941"/>
-            <a:ext cx="780190" cy="551619"/>
-          </a:xfrm>
-          <a:prstGeom prst="rect">
-            <a:avLst/>
-          </a:prstGeom>
-        </p:spPr>
-      </p:pic>
-      <p:pic>
-        <p:nvPicPr>
-          <p:cNvPr id="33" name="Picture 32" descr="\documentclass{article}&#10;\usepackage{amsmath}&#10;\pagestyle{empty}&#10;\begin{document}&#10;$\chi^{(5)}$&#10;&#10;&#10;&#10;\end{document}" title="IguanaTex Bitmap Display">
-            <a:extLst>
-              <a:ext uri="{FF2B5EF4-FFF2-40B4-BE49-F238E27FC236}">
-                <a16:creationId xmlns:a16="http://schemas.microsoft.com/office/drawing/2014/main" id="{9059FEC9-07E1-EE2E-457C-067AC75BB37D}"/>
-              </a:ext>
-            </a:extLst>
-          </p:cNvPr>
-          <p:cNvPicPr>
-            <a:picLocks noChangeAspect="1"/>
-          </p:cNvPicPr>
-          <p:nvPr>
-            <p:custDataLst>
-              <p:tags r:id="rId5"/>
-            </p:custDataLst>
-          </p:nvPr>
-        </p:nvPicPr>
-        <p:blipFill>
-          <a:blip r:embed="rId16">
-            <a:extLst>
-              <a:ext uri="{28A0092B-C50C-407E-A947-70E740481C1C}">
-                <a14:useLocalDpi xmlns:a14="http://schemas.microsoft.com/office/drawing/2010/main" val="0"/>
-              </a:ext>
-            </a:extLst>
-          </a:blip>
-          <a:stretch>
-            <a:fillRect/>
-          </a:stretch>
-        </p:blipFill>
-        <p:spPr>
-          <a:xfrm>
-            <a:off x="10369047" y="27941"/>
-            <a:ext cx="780190" cy="551619"/>
-          </a:xfrm>
-          <a:prstGeom prst="rect">
-            <a:avLst/>
-          </a:prstGeom>
-        </p:spPr>
-      </p:pic>
-      <p:pic>
-        <p:nvPicPr>
-          <p:cNvPr id="34" name="Picture 33">
-            <a:extLst>
-              <a:ext uri="{FF2B5EF4-FFF2-40B4-BE49-F238E27FC236}">
-                <a16:creationId xmlns:a16="http://schemas.microsoft.com/office/drawing/2014/main" id="{17F8F2FA-DE62-7428-521A-A74EA4101737}"/>
+          <p:cNvPr id="27" name="Picture 26">
+            <a:extLst>
+              <a:ext uri="{FF2B5EF4-FFF2-40B4-BE49-F238E27FC236}">
+                <a16:creationId xmlns:a16="http://schemas.microsoft.com/office/drawing/2014/main" id="{0583B6DD-FCC8-42C2-BBBE-EA0A50FCF8A1}"/>
               </a:ext>
             </a:extLst>
           </p:cNvPr>
@@ -5569,14 +5282,272 @@
           <p:nvPr/>
         </p:nvPicPr>
         <p:blipFill rotWithShape="1">
-          <a:blip r:embed="rId17"/>
-          <a:srcRect l="8508" r="70189"/>
+          <a:blip r:embed="rId10"/>
+          <a:srcRect l="305" r="83428" b="60086"/>
           <a:stretch/>
         </p:blipFill>
         <p:spPr>
           <a:xfrm>
-            <a:off x="9481157" y="3907538"/>
-            <a:ext cx="362414" cy="3163824"/>
+            <a:off x="5060891" y="3901020"/>
+            <a:ext cx="488853" cy="1262803"/>
+          </a:xfrm>
+          <a:prstGeom prst="rect">
+            <a:avLst/>
+          </a:prstGeom>
+        </p:spPr>
+      </p:pic>
+      <p:pic>
+        <p:nvPicPr>
+          <p:cNvPr id="28" name="Picture 27">
+            <a:extLst>
+              <a:ext uri="{FF2B5EF4-FFF2-40B4-BE49-F238E27FC236}">
+                <a16:creationId xmlns:a16="http://schemas.microsoft.com/office/drawing/2014/main" id="{8502F849-1A18-67D5-1CBC-68B154F9289D}"/>
+              </a:ext>
+            </a:extLst>
+          </p:cNvPr>
+          <p:cNvPicPr>
+            <a:picLocks noChangeAspect="1"/>
+          </p:cNvPicPr>
+          <p:nvPr/>
+        </p:nvPicPr>
+        <p:blipFill rotWithShape="1">
+          <a:blip r:embed="rId9"/>
+          <a:srcRect l="21511" r="557"/>
+          <a:stretch/>
+        </p:blipFill>
+        <p:spPr>
+          <a:xfrm>
+            <a:off x="6711805" y="3901995"/>
+            <a:ext cx="2344852" cy="3163824"/>
+          </a:xfrm>
+          <a:prstGeom prst="rect">
+            <a:avLst/>
+          </a:prstGeom>
+        </p:spPr>
+      </p:pic>
+      <p:pic>
+        <p:nvPicPr>
+          <p:cNvPr id="29" name="Picture 28" descr="\documentclass{article}&#10;\usepackage{amsmath}&#10;\pagestyle{empty}&#10;\begin{document}&#10;e-v coupling&#10;&#10;&#10;&#10;\end{document}" title="IguanaTex Bitmap Display">
+            <a:extLst>
+              <a:ext uri="{FF2B5EF4-FFF2-40B4-BE49-F238E27FC236}">
+                <a16:creationId xmlns:a16="http://schemas.microsoft.com/office/drawing/2014/main" id="{76D096BC-8E5E-C002-A641-5608BDC5D9C5}"/>
+              </a:ext>
+            </a:extLst>
+          </p:cNvPr>
+          <p:cNvPicPr>
+            <a:picLocks noChangeAspect="1"/>
+          </p:cNvPicPr>
+          <p:nvPr>
+            <p:custDataLst>
+              <p:tags r:id="rId1"/>
+            </p:custDataLst>
+          </p:nvPr>
+        </p:nvPicPr>
+        <p:blipFill>
+          <a:blip r:embed="rId11">
+            <a:extLst>
+              <a:ext uri="{28A0092B-C50C-407E-A947-70E740481C1C}">
+                <a14:useLocalDpi xmlns:a14="http://schemas.microsoft.com/office/drawing/2010/main" val="0"/>
+              </a:ext>
+            </a:extLst>
+          </a:blip>
+          <a:stretch>
+            <a:fillRect/>
+          </a:stretch>
+        </p:blipFill>
+        <p:spPr>
+          <a:xfrm>
+            <a:off x="811608" y="1964467"/>
+            <a:ext cx="1545195" cy="263426"/>
+          </a:xfrm>
+          <a:prstGeom prst="rect">
+            <a:avLst/>
+          </a:prstGeom>
+        </p:spPr>
+      </p:pic>
+      <p:pic>
+        <p:nvPicPr>
+          <p:cNvPr id="30" name="Picture 29" descr="\documentclass{article}&#10;\usepackage{amsmath}&#10;\pagestyle{empty}&#10;\begin{document}&#10;e-v-x coupling&#10;&#10;&#10;&#10;\end{document}" title="IguanaTex Bitmap Display">
+            <a:extLst>
+              <a:ext uri="{FF2B5EF4-FFF2-40B4-BE49-F238E27FC236}">
+                <a16:creationId xmlns:a16="http://schemas.microsoft.com/office/drawing/2014/main" id="{71BB69CF-8451-EE4D-7A98-F74A2452D021}"/>
+              </a:ext>
+            </a:extLst>
+          </p:cNvPr>
+          <p:cNvPicPr>
+            <a:picLocks noChangeAspect="1"/>
+          </p:cNvPicPr>
+          <p:nvPr>
+            <p:custDataLst>
+              <p:tags r:id="rId2"/>
+            </p:custDataLst>
+          </p:nvPr>
+        </p:nvPicPr>
+        <p:blipFill>
+          <a:blip r:embed="rId12">
+            <a:extLst>
+              <a:ext uri="{28A0092B-C50C-407E-A947-70E740481C1C}">
+                <a14:useLocalDpi xmlns:a14="http://schemas.microsoft.com/office/drawing/2010/main" val="0"/>
+              </a:ext>
+            </a:extLst>
+          </a:blip>
+          <a:stretch>
+            <a:fillRect/>
+          </a:stretch>
+        </p:blipFill>
+        <p:spPr>
+          <a:xfrm>
+            <a:off x="808554" y="5271519"/>
+            <a:ext cx="1545336" cy="226407"/>
+          </a:xfrm>
+          <a:prstGeom prst="rect">
+            <a:avLst/>
+          </a:prstGeom>
+        </p:spPr>
+      </p:pic>
+      <p:pic>
+        <p:nvPicPr>
+          <p:cNvPr id="31" name="Picture 30" descr="\documentclass{article}&#10;\usepackage{amsmath}&#10;\pagestyle{empty}&#10;\begin{document}&#10;$\chi^{(2)}$&#10;&#10;&#10;&#10;\end{document}" title="IguanaTex Bitmap Display">
+            <a:extLst>
+              <a:ext uri="{FF2B5EF4-FFF2-40B4-BE49-F238E27FC236}">
+                <a16:creationId xmlns:a16="http://schemas.microsoft.com/office/drawing/2014/main" id="{D65BFFB7-BB83-1C4C-CCA1-3065B6C6C397}"/>
+              </a:ext>
+            </a:extLst>
+          </p:cNvPr>
+          <p:cNvPicPr>
+            <a:picLocks noChangeAspect="1"/>
+          </p:cNvPicPr>
+          <p:nvPr>
+            <p:custDataLst>
+              <p:tags r:id="rId3"/>
+            </p:custDataLst>
+          </p:nvPr>
+        </p:nvPicPr>
+        <p:blipFill>
+          <a:blip r:embed="rId13">
+            <a:extLst>
+              <a:ext uri="{28A0092B-C50C-407E-A947-70E740481C1C}">
+                <a14:useLocalDpi xmlns:a14="http://schemas.microsoft.com/office/drawing/2010/main" val="0"/>
+              </a:ext>
+            </a:extLst>
+          </a:blip>
+          <a:stretch>
+            <a:fillRect/>
+          </a:stretch>
+        </p:blipFill>
+        <p:spPr>
+          <a:xfrm>
+            <a:off x="3444679" y="30739"/>
+            <a:ext cx="780190" cy="551619"/>
+          </a:xfrm>
+          <a:prstGeom prst="rect">
+            <a:avLst/>
+          </a:prstGeom>
+        </p:spPr>
+      </p:pic>
+      <p:pic>
+        <p:nvPicPr>
+          <p:cNvPr id="32" name="Picture 31" descr="\documentclass{article}&#10;\usepackage{amsmath}&#10;\pagestyle{empty}&#10;\begin{document}&#10;$\chi^{(3)}$&#10;&#10;&#10;&#10;\end{document}" title="IguanaTex Bitmap Display">
+            <a:extLst>
+              <a:ext uri="{FF2B5EF4-FFF2-40B4-BE49-F238E27FC236}">
+                <a16:creationId xmlns:a16="http://schemas.microsoft.com/office/drawing/2014/main" id="{89A9F822-98DE-62D6-2352-13EF762F0018}"/>
+              </a:ext>
+            </a:extLst>
+          </p:cNvPr>
+          <p:cNvPicPr>
+            <a:picLocks noChangeAspect="1"/>
+          </p:cNvPicPr>
+          <p:nvPr>
+            <p:custDataLst>
+              <p:tags r:id="rId4"/>
+            </p:custDataLst>
+          </p:nvPr>
+        </p:nvPicPr>
+        <p:blipFill>
+          <a:blip r:embed="rId14">
+            <a:extLst>
+              <a:ext uri="{28A0092B-C50C-407E-A947-70E740481C1C}">
+                <a14:useLocalDpi xmlns:a14="http://schemas.microsoft.com/office/drawing/2010/main" val="0"/>
+              </a:ext>
+            </a:extLst>
+          </a:blip>
+          <a:stretch>
+            <a:fillRect/>
+          </a:stretch>
+        </p:blipFill>
+        <p:spPr>
+          <a:xfrm>
+            <a:off x="6711805" y="27941"/>
+            <a:ext cx="780190" cy="551619"/>
+          </a:xfrm>
+          <a:prstGeom prst="rect">
+            <a:avLst/>
+          </a:prstGeom>
+        </p:spPr>
+      </p:pic>
+      <p:pic>
+        <p:nvPicPr>
+          <p:cNvPr id="33" name="Picture 32" descr="\documentclass{article}&#10;\usepackage{amsmath}&#10;\pagestyle{empty}&#10;\begin{document}&#10;$\chi^{(5)}$&#10;&#10;&#10;&#10;\end{document}" title="IguanaTex Bitmap Display">
+            <a:extLst>
+              <a:ext uri="{FF2B5EF4-FFF2-40B4-BE49-F238E27FC236}">
+                <a16:creationId xmlns:a16="http://schemas.microsoft.com/office/drawing/2014/main" id="{9059FEC9-07E1-EE2E-457C-067AC75BB37D}"/>
+              </a:ext>
+            </a:extLst>
+          </p:cNvPr>
+          <p:cNvPicPr>
+            <a:picLocks noChangeAspect="1"/>
+          </p:cNvPicPr>
+          <p:nvPr>
+            <p:custDataLst>
+              <p:tags r:id="rId5"/>
+            </p:custDataLst>
+          </p:nvPr>
+        </p:nvPicPr>
+        <p:blipFill>
+          <a:blip r:embed="rId15">
+            <a:extLst>
+              <a:ext uri="{28A0092B-C50C-407E-A947-70E740481C1C}">
+                <a14:useLocalDpi xmlns:a14="http://schemas.microsoft.com/office/drawing/2010/main" val="0"/>
+              </a:ext>
+            </a:extLst>
+          </a:blip>
+          <a:stretch>
+            <a:fillRect/>
+          </a:stretch>
+        </p:blipFill>
+        <p:spPr>
+          <a:xfrm>
+            <a:off x="10369047" y="27941"/>
+            <a:ext cx="780190" cy="551619"/>
+          </a:xfrm>
+          <a:prstGeom prst="rect">
+            <a:avLst/>
+          </a:prstGeom>
+        </p:spPr>
+      </p:pic>
+      <p:pic>
+        <p:nvPicPr>
+          <p:cNvPr id="34" name="Picture 33">
+            <a:extLst>
+              <a:ext uri="{FF2B5EF4-FFF2-40B4-BE49-F238E27FC236}">
+                <a16:creationId xmlns:a16="http://schemas.microsoft.com/office/drawing/2014/main" id="{17F8F2FA-DE62-7428-521A-A74EA4101737}"/>
+              </a:ext>
+            </a:extLst>
+          </p:cNvPr>
+          <p:cNvPicPr>
+            <a:picLocks noChangeAspect="1"/>
+          </p:cNvPicPr>
+          <p:nvPr/>
+        </p:nvPicPr>
+        <p:blipFill rotWithShape="1">
+          <a:blip r:embed="rId16"/>
+          <a:srcRect l="5044" t="12265" r="70189"/>
+          <a:stretch/>
+        </p:blipFill>
+        <p:spPr>
+          <a:xfrm>
+            <a:off x="9422224" y="4284906"/>
+            <a:ext cx="421347" cy="2775782"/>
           </a:xfrm>
           <a:prstGeom prst="rect">
             <a:avLst/>
@@ -5674,7 +5645,7 @@
           <p:nvPr/>
         </p:nvPicPr>
         <p:blipFill rotWithShape="1">
-          <a:blip r:embed="rId18"/>
+          <a:blip r:embed="rId17"/>
           <a:srcRect l="5069" t="56483" r="86336" b="7011"/>
           <a:stretch/>
         </p:blipFill>
@@ -5694,6 +5665,35 @@
             <a:extLst>
               <a:ext uri="{FF2B5EF4-FFF2-40B4-BE49-F238E27FC236}">
                 <a16:creationId xmlns:a16="http://schemas.microsoft.com/office/drawing/2014/main" id="{BB64ACE1-51A8-6626-2DE3-1AFD8670EA1E}"/>
+              </a:ext>
+            </a:extLst>
+          </p:cNvPr>
+          <p:cNvPicPr>
+            <a:picLocks noChangeAspect="1"/>
+          </p:cNvPicPr>
+          <p:nvPr/>
+        </p:nvPicPr>
+        <p:blipFill rotWithShape="1">
+          <a:blip r:embed="rId17"/>
+          <a:srcRect l="4421" t="7837" r="86083" b="66596"/>
+          <a:stretch/>
+        </p:blipFill>
+        <p:spPr>
+          <a:xfrm>
+            <a:off x="5156050" y="4284906"/>
+            <a:ext cx="307156" cy="808891"/>
+          </a:xfrm>
+          <a:prstGeom prst="rect">
+            <a:avLst/>
+          </a:prstGeom>
+        </p:spPr>
+      </p:pic>
+      <p:pic>
+        <p:nvPicPr>
+          <p:cNvPr id="49" name="Picture 48">
+            <a:extLst>
+              <a:ext uri="{FF2B5EF4-FFF2-40B4-BE49-F238E27FC236}">
+                <a16:creationId xmlns:a16="http://schemas.microsoft.com/office/drawing/2014/main" id="{78504EF0-C84B-BF49-E165-BE824CA768ED}"/>
               </a:ext>
             </a:extLst>
           </p:cNvPr>
@@ -5704,13 +5704,13 @@
         </p:nvPicPr>
         <p:blipFill rotWithShape="1">
           <a:blip r:embed="rId18"/>
-          <a:srcRect l="4421" t="7837" r="86083" b="66596"/>
+          <a:srcRect l="22888" r="9197"/>
           <a:stretch/>
         </p:blipFill>
         <p:spPr>
           <a:xfrm>
-            <a:off x="5156050" y="4284906"/>
-            <a:ext cx="307156" cy="808891"/>
+            <a:off x="7941344" y="688357"/>
+            <a:ext cx="1188784" cy="3163824"/>
           </a:xfrm>
           <a:prstGeom prst="rect">
             <a:avLst/>
@@ -5719,10 +5719,10 @@
       </p:pic>
       <p:pic>
         <p:nvPicPr>
-          <p:cNvPr id="49" name="Picture 48">
-            <a:extLst>
-              <a:ext uri="{FF2B5EF4-FFF2-40B4-BE49-F238E27FC236}">
-                <a16:creationId xmlns:a16="http://schemas.microsoft.com/office/drawing/2014/main" id="{78504EF0-C84B-BF49-E165-BE824CA768ED}"/>
+          <p:cNvPr id="51" name="Picture 50">
+            <a:extLst>
+              <a:ext uri="{FF2B5EF4-FFF2-40B4-BE49-F238E27FC236}">
+                <a16:creationId xmlns:a16="http://schemas.microsoft.com/office/drawing/2014/main" id="{562436AD-EB83-9EE7-A856-54089F7E037F}"/>
               </a:ext>
             </a:extLst>
           </p:cNvPr>
@@ -5733,13 +5733,13 @@
         </p:nvPicPr>
         <p:blipFill rotWithShape="1">
           <a:blip r:embed="rId19"/>
-          <a:srcRect l="22888" r="9197"/>
+          <a:srcRect l="3634" r="88568"/>
           <a:stretch/>
         </p:blipFill>
         <p:spPr>
           <a:xfrm>
-            <a:off x="7941344" y="688357"/>
-            <a:ext cx="1188784" cy="3163824"/>
+            <a:off x="2711314" y="679019"/>
+            <a:ext cx="233324" cy="3163824"/>
           </a:xfrm>
           <a:prstGeom prst="rect">
             <a:avLst/>
@@ -5748,10 +5748,10 @@
       </p:pic>
       <p:pic>
         <p:nvPicPr>
-          <p:cNvPr id="51" name="Picture 50">
-            <a:extLst>
-              <a:ext uri="{FF2B5EF4-FFF2-40B4-BE49-F238E27FC236}">
-                <a16:creationId xmlns:a16="http://schemas.microsoft.com/office/drawing/2014/main" id="{562436AD-EB83-9EE7-A856-54089F7E037F}"/>
+          <p:cNvPr id="52" name="Picture 51">
+            <a:extLst>
+              <a:ext uri="{FF2B5EF4-FFF2-40B4-BE49-F238E27FC236}">
+                <a16:creationId xmlns:a16="http://schemas.microsoft.com/office/drawing/2014/main" id="{E1065491-121E-A853-7B22-23A834AA5AC9}"/>
               </a:ext>
             </a:extLst>
           </p:cNvPr>
@@ -5761,14 +5761,14 @@
           <p:nvPr/>
         </p:nvPicPr>
         <p:blipFill rotWithShape="1">
-          <a:blip r:embed="rId20"/>
-          <a:srcRect l="3634" r="88568"/>
+          <a:blip r:embed="rId19"/>
+          <a:srcRect l="20691" r="52609"/>
           <a:stretch/>
         </p:blipFill>
         <p:spPr>
           <a:xfrm>
-            <a:off x="2711314" y="679019"/>
-            <a:ext cx="233324" cy="3163824"/>
+            <a:off x="2986069" y="674009"/>
+            <a:ext cx="798886" cy="3163824"/>
           </a:xfrm>
           <a:prstGeom prst="rect">
             <a:avLst/>
@@ -5777,10 +5777,10 @@
       </p:pic>
       <p:pic>
         <p:nvPicPr>
-          <p:cNvPr id="52" name="Picture 51">
-            <a:extLst>
-              <a:ext uri="{FF2B5EF4-FFF2-40B4-BE49-F238E27FC236}">
-                <a16:creationId xmlns:a16="http://schemas.microsoft.com/office/drawing/2014/main" id="{E1065491-121E-A853-7B22-23A834AA5AC9}"/>
+          <p:cNvPr id="53" name="Picture 52">
+            <a:extLst>
+              <a:ext uri="{FF2B5EF4-FFF2-40B4-BE49-F238E27FC236}">
+                <a16:creationId xmlns:a16="http://schemas.microsoft.com/office/drawing/2014/main" id="{193EFCD2-5272-BC79-061F-4C57D7D29FA9}"/>
               </a:ext>
             </a:extLst>
           </p:cNvPr>
@@ -5790,13 +5790,13 @@
           <p:nvPr/>
         </p:nvPicPr>
         <p:blipFill rotWithShape="1">
-          <a:blip r:embed="rId20"/>
-          <a:srcRect l="20691" r="52609"/>
+          <a:blip r:embed="rId19"/>
+          <a:srcRect l="60434" r="12866"/>
           <a:stretch/>
         </p:blipFill>
         <p:spPr>
           <a:xfrm>
-            <a:off x="2986069" y="674009"/>
+            <a:off x="3896775" y="669621"/>
             <a:ext cx="798886" cy="3163824"/>
           </a:xfrm>
           <a:prstGeom prst="rect">
@@ -5806,10 +5806,10 @@
       </p:pic>
       <p:pic>
         <p:nvPicPr>
-          <p:cNvPr id="53" name="Picture 52">
-            <a:extLst>
-              <a:ext uri="{FF2B5EF4-FFF2-40B4-BE49-F238E27FC236}">
-                <a16:creationId xmlns:a16="http://schemas.microsoft.com/office/drawing/2014/main" id="{193EFCD2-5272-BC79-061F-4C57D7D29FA9}"/>
+          <p:cNvPr id="54" name="Picture 53">
+            <a:extLst>
+              <a:ext uri="{FF2B5EF4-FFF2-40B4-BE49-F238E27FC236}">
+                <a16:creationId xmlns:a16="http://schemas.microsoft.com/office/drawing/2014/main" id="{5F167C12-EC4B-2EF8-87DC-CCE4314EE6CE}"/>
               </a:ext>
             </a:extLst>
           </p:cNvPr>
@@ -5819,14 +5819,14 @@
           <p:nvPr/>
         </p:nvPicPr>
         <p:blipFill rotWithShape="1">
-          <a:blip r:embed="rId20"/>
-          <a:srcRect l="60434" r="12866"/>
+          <a:blip r:embed="rId19"/>
+          <a:srcRect l="20691" r="52609" b="87236"/>
           <a:stretch/>
         </p:blipFill>
         <p:spPr>
           <a:xfrm>
-            <a:off x="3896775" y="669621"/>
-            <a:ext cx="798886" cy="3163824"/>
+            <a:off x="2872356" y="676191"/>
+            <a:ext cx="798886" cy="403832"/>
           </a:xfrm>
           <a:prstGeom prst="rect">
             <a:avLst/>
@@ -5835,10 +5835,10 @@
       </p:pic>
       <p:pic>
         <p:nvPicPr>
-          <p:cNvPr id="54" name="Picture 53">
-            <a:extLst>
-              <a:ext uri="{FF2B5EF4-FFF2-40B4-BE49-F238E27FC236}">
-                <a16:creationId xmlns:a16="http://schemas.microsoft.com/office/drawing/2014/main" id="{5F167C12-EC4B-2EF8-87DC-CCE4314EE6CE}"/>
+          <p:cNvPr id="56" name="Picture 55">
+            <a:extLst>
+              <a:ext uri="{FF2B5EF4-FFF2-40B4-BE49-F238E27FC236}">
+                <a16:creationId xmlns:a16="http://schemas.microsoft.com/office/drawing/2014/main" id="{AB887B33-4405-6970-FCD7-BA549E3BFC09}"/>
               </a:ext>
             </a:extLst>
           </p:cNvPr>
@@ -5848,36 +5848,7 @@
           <p:nvPr/>
         </p:nvPicPr>
         <p:blipFill rotWithShape="1">
-          <a:blip r:embed="rId20"/>
-          <a:srcRect l="20691" r="52609" b="87236"/>
-          <a:stretch/>
-        </p:blipFill>
-        <p:spPr>
-          <a:xfrm>
-            <a:off x="2872356" y="676191"/>
-            <a:ext cx="798886" cy="403832"/>
-          </a:xfrm>
-          <a:prstGeom prst="rect">
-            <a:avLst/>
-          </a:prstGeom>
-        </p:spPr>
-      </p:pic>
-      <p:pic>
-        <p:nvPicPr>
-          <p:cNvPr id="56" name="Picture 55">
-            <a:extLst>
-              <a:ext uri="{FF2B5EF4-FFF2-40B4-BE49-F238E27FC236}">
-                <a16:creationId xmlns:a16="http://schemas.microsoft.com/office/drawing/2014/main" id="{AB887B33-4405-6970-FCD7-BA549E3BFC09}"/>
-              </a:ext>
-            </a:extLst>
-          </p:cNvPr>
-          <p:cNvPicPr>
-            <a:picLocks noChangeAspect="1"/>
-          </p:cNvPicPr>
-          <p:nvPr/>
-        </p:nvPicPr>
-        <p:blipFill rotWithShape="1">
-          <a:blip r:embed="rId20"/>
+          <a:blip r:embed="rId19"/>
           <a:srcRect l="60434" r="12866" b="87730"/>
           <a:stretch/>
         </p:blipFill>
@@ -6010,13 +5981,13 @@
           <p:nvPr/>
         </p:nvPicPr>
         <p:blipFill rotWithShape="1">
-          <a:blip r:embed="rId21"/>
+          <a:blip r:embed="rId20"/>
           <a:srcRect l="29926" r="7082"/>
           <a:stretch/>
         </p:blipFill>
         <p:spPr>
           <a:xfrm>
-            <a:off x="9803059" y="3916330"/>
+            <a:off x="9803059" y="3902098"/>
             <a:ext cx="1087474" cy="3163824"/>
           </a:xfrm>
           <a:prstGeom prst="rect">
@@ -6399,6 +6370,35 @@
           </a:p>
         </p:txBody>
       </p:sp>
+      <p:pic>
+        <p:nvPicPr>
+          <p:cNvPr id="4" name="Picture 3">
+            <a:extLst>
+              <a:ext uri="{FF2B5EF4-FFF2-40B4-BE49-F238E27FC236}">
+                <a16:creationId xmlns:a16="http://schemas.microsoft.com/office/drawing/2014/main" id="{127CA435-16D2-C10C-FBC0-E745BEA2BA47}"/>
+              </a:ext>
+            </a:extLst>
+          </p:cNvPr>
+          <p:cNvPicPr>
+            <a:picLocks noChangeAspect="1"/>
+          </p:cNvPicPr>
+          <p:nvPr/>
+        </p:nvPicPr>
+        <p:blipFill rotWithShape="1">
+          <a:blip r:embed="rId21"/>
+          <a:srcRect l="36812" r="11810"/>
+          <a:stretch/>
+        </p:blipFill>
+        <p:spPr>
+          <a:xfrm>
+            <a:off x="10920676" y="3901021"/>
+            <a:ext cx="827840" cy="3163824"/>
+          </a:xfrm>
+          <a:prstGeom prst="rect">
+            <a:avLst/>
+          </a:prstGeom>
+        </p:spPr>
+      </p:pic>
     </p:spTree>
     <p:extLst>
       <p:ext uri="{BB962C8B-B14F-4D97-AF65-F5344CB8AC3E}">
